--- a/presentation/gauss_processes.pptx
+++ b/presentation/gauss_processes.pptx
@@ -2,43 +2,41 @@
 <file path=ppt/presentation.xml><?xml version="1.0" encoding="utf-8"?>
 <p:presentation xmlns:a="http://schemas.openxmlformats.org/drawingml/2006/main" xmlns:r="http://schemas.openxmlformats.org/officeDocument/2006/relationships" xmlns:p="http://schemas.openxmlformats.org/presentationml/2006/main" showSpecialPlsOnTitleSld="0" removePersonalInfoOnSave="1" saveSubsetFonts="1">
   <p:sldMasterIdLst>
-    <p:sldMasterId id="2147483648" r:id="rId59"/>
+    <p:sldMasterId id="2147483648" r:id="rId55"/>
   </p:sldMasterIdLst>
   <p:notesMasterIdLst>
-    <p:notesMasterId r:id="rId88"/>
+    <p:notesMasterId r:id="rId82"/>
   </p:notesMasterIdLst>
   <p:handoutMasterIdLst>
-    <p:handoutMasterId r:id="rId89"/>
+    <p:handoutMasterId r:id="rId83"/>
   </p:handoutMasterIdLst>
   <p:sldIdLst>
-    <p:sldId id="284" r:id="rId60"/>
-    <p:sldId id="285" r:id="rId61"/>
-    <p:sldId id="286" r:id="rId62"/>
-    <p:sldId id="287" r:id="rId63"/>
-    <p:sldId id="288" r:id="rId64"/>
-    <p:sldId id="289" r:id="rId65"/>
-    <p:sldId id="306" r:id="rId66"/>
-    <p:sldId id="307" r:id="rId67"/>
-    <p:sldId id="309" r:id="rId68"/>
-    <p:sldId id="310" r:id="rId69"/>
-    <p:sldId id="311" r:id="rId70"/>
-    <p:sldId id="312" r:id="rId71"/>
-    <p:sldId id="294" r:id="rId72"/>
-    <p:sldId id="304" r:id="rId73"/>
-    <p:sldId id="295" r:id="rId74"/>
-    <p:sldId id="313" r:id="rId75"/>
-    <p:sldId id="314" r:id="rId76"/>
-    <p:sldId id="315" r:id="rId77"/>
-    <p:sldId id="317" r:id="rId78"/>
-    <p:sldId id="318" r:id="rId79"/>
-    <p:sldId id="319" r:id="rId80"/>
-    <p:sldId id="320" r:id="rId81"/>
-    <p:sldId id="321" r:id="rId82"/>
-    <p:sldId id="316" r:id="rId83"/>
-    <p:sldId id="303" r:id="rId84"/>
-    <p:sldId id="299" r:id="rId85"/>
-    <p:sldId id="282" r:id="rId86"/>
-    <p:sldId id="283" r:id="rId87"/>
+    <p:sldId id="284" r:id="rId56"/>
+    <p:sldId id="285" r:id="rId57"/>
+    <p:sldId id="286" r:id="rId58"/>
+    <p:sldId id="287" r:id="rId59"/>
+    <p:sldId id="288" r:id="rId60"/>
+    <p:sldId id="289" r:id="rId61"/>
+    <p:sldId id="306" r:id="rId62"/>
+    <p:sldId id="307" r:id="rId63"/>
+    <p:sldId id="309" r:id="rId64"/>
+    <p:sldId id="310" r:id="rId65"/>
+    <p:sldId id="311" r:id="rId66"/>
+    <p:sldId id="312" r:id="rId67"/>
+    <p:sldId id="294" r:id="rId68"/>
+    <p:sldId id="304" r:id="rId69"/>
+    <p:sldId id="295" r:id="rId70"/>
+    <p:sldId id="313" r:id="rId71"/>
+    <p:sldId id="314" r:id="rId72"/>
+    <p:sldId id="315" r:id="rId73"/>
+    <p:sldId id="317" r:id="rId74"/>
+    <p:sldId id="318" r:id="rId75"/>
+    <p:sldId id="319" r:id="rId76"/>
+    <p:sldId id="320" r:id="rId77"/>
+    <p:sldId id="321" r:id="rId78"/>
+    <p:sldId id="316" r:id="rId79"/>
+    <p:sldId id="303" r:id="rId80"/>
+    <p:sldId id="282" r:id="rId81"/>
   </p:sldIdLst>
   <p:sldSz cx="12192000" cy="6858000"/>
   <p:notesSz cx="6858000" cy="9144000"/>
@@ -265,7 +263,7 @@
           <a:p>
             <a:fld id="{13F6AEEE-E778-402E-8B8F-9A98AED26EB8}" type="datetimeFigureOut">
               <a:rPr lang="en-GB" smtClean="0"/>
-              <a:t>27/08/2020</a:t>
+              <a:t>31/08/2020</a:t>
             </a:fld>
             <a:endParaRPr lang="en-GB"/>
           </a:p>
@@ -424,7 +422,7 @@
           <a:p>
             <a:fld id="{1386E511-D742-4EFE-90B5-C9FC42762E0F}" type="datetimeFigureOut">
               <a:rPr lang="en-GB" smtClean="0"/>
-              <a:t>27/08/2020</a:t>
+              <a:t>31/08/2020</a:t>
             </a:fld>
             <a:endParaRPr lang="en-GB"/>
           </a:p>
@@ -2174,101 +2172,6 @@
     <p:extLst>
       <p:ext uri="{BB962C8B-B14F-4D97-AF65-F5344CB8AC3E}">
         <p14:creationId xmlns:p14="http://schemas.microsoft.com/office/powerpoint/2010/main" val="1137804745"/>
-      </p:ext>
-    </p:extLst>
-  </p:cSld>
-  <p:clrMapOvr>
-    <a:masterClrMapping/>
-  </p:clrMapOvr>
-</p:notes>
-</file>
-
-<file path=ppt/notesSlides/notesSlide24.xml><?xml version="1.0" encoding="utf-8"?>
-<p:notes xmlns:a="http://schemas.openxmlformats.org/drawingml/2006/main" xmlns:r="http://schemas.openxmlformats.org/officeDocument/2006/relationships" xmlns:p="http://schemas.openxmlformats.org/presentationml/2006/main">
-  <p:cSld>
-    <p:spTree>
-      <p:nvGrpSpPr>
-        <p:cNvPr id="1" name=""/>
-        <p:cNvGrpSpPr/>
-        <p:nvPr/>
-      </p:nvGrpSpPr>
-      <p:grpSpPr>
-        <a:xfrm>
-          <a:off x="0" y="0"/>
-          <a:ext cx="0" cy="0"/>
-          <a:chOff x="0" y="0"/>
-          <a:chExt cx="0" cy="0"/>
-        </a:xfrm>
-      </p:grpSpPr>
-      <p:sp>
-        <p:nvSpPr>
-          <p:cNvPr id="2" name="Slide Image Placeholder 1"/>
-          <p:cNvSpPr>
-            <a:spLocks noGrp="1" noRot="1" noChangeAspect="1"/>
-          </p:cNvSpPr>
-          <p:nvPr>
-            <p:ph type="sldImg"/>
-          </p:nvPr>
-        </p:nvSpPr>
-        <p:spPr/>
-      </p:sp>
-      <p:sp>
-        <p:nvSpPr>
-          <p:cNvPr id="3" name="Notes Placeholder 2"/>
-          <p:cNvSpPr>
-            <a:spLocks noGrp="1"/>
-          </p:cNvSpPr>
-          <p:nvPr>
-            <p:ph type="body" idx="1"/>
-          </p:nvPr>
-        </p:nvSpPr>
-        <p:spPr/>
-        <p:txBody>
-          <a:bodyPr/>
-          <a:lstStyle/>
-          <a:p>
-            <a:r>
-              <a:rPr lang="en-US" sz="1200" b="0" i="0" u="none" strike="noStrike" kern="1200" baseline="0" dirty="0">
-                <a:solidFill>
-                  <a:schemeClr val="tx1"/>
-                </a:solidFill>
-                <a:latin typeface="+mn-lt"/>
-                <a:ea typeface="+mn-ea"/>
-                <a:cs typeface="+mn-cs"/>
-              </a:rPr>
-              <a:t>conditional probability of two independent random variables is equal to the unconditional distribution of the non-conditioned variable.</a:t>
-            </a:r>
-            <a:endParaRPr lang="da-DK" dirty="0"/>
-          </a:p>
-        </p:txBody>
-      </p:sp>
-      <p:sp>
-        <p:nvSpPr>
-          <p:cNvPr id="4" name="Slide Number Placeholder 3"/>
-          <p:cNvSpPr>
-            <a:spLocks noGrp="1"/>
-          </p:cNvSpPr>
-          <p:nvPr>
-            <p:ph type="sldNum" sz="quarter" idx="5"/>
-          </p:nvPr>
-        </p:nvSpPr>
-        <p:spPr/>
-        <p:txBody>
-          <a:bodyPr/>
-          <a:lstStyle/>
-          <a:p>
-            <a:fld id="{A16CFAD1-D197-4A88-B173-A6412E995EE5}" type="slidenum">
-              <a:rPr lang="en-GB" smtClean="0"/>
-              <a:t>26</a:t>
-            </a:fld>
-            <a:endParaRPr lang="en-GB"/>
-          </a:p>
-        </p:txBody>
-      </p:sp>
-    </p:spTree>
-    <p:extLst>
-      <p:ext uri="{BB962C8B-B14F-4D97-AF65-F5344CB8AC3E}">
-        <p14:creationId xmlns:p14="http://schemas.microsoft.com/office/powerpoint/2010/main" val="3555330114"/>
       </p:ext>
     </p:extLst>
   </p:cSld>
@@ -14374,7 +14277,10 @@
           <a:bodyPr/>
           <a:lstStyle/>
           <a:p>
-            <a:endParaRPr lang="en-US"/>
+            <a:r>
+              <a:rPr lang="en-US" dirty="0"/>
+              <a:t>Gaussian processes</a:t>
+            </a:r>
           </a:p>
         </p:txBody>
       </p:sp>
@@ -14399,7 +14305,10 @@
           <a:bodyPr/>
           <a:lstStyle/>
           <a:p>
-            <a:endParaRPr lang="en-US"/>
+            <a:r>
+              <a:rPr lang="en-US" dirty="0"/>
+              <a:t>31-08-2020</a:t>
+            </a:r>
           </a:p>
         </p:txBody>
       </p:sp>
@@ -14746,8 +14655,8 @@
           </a:p>
         </p:txBody>
       </p:sp>
-      <mc:AlternateContent xmlns:mc="http://schemas.openxmlformats.org/markup-compatibility/2006" xmlns:a14="http://schemas.microsoft.com/office/drawing/2010/main">
-        <mc:Choice Requires="a14">
+      <mc:AlternateContent xmlns:mc="http://schemas.openxmlformats.org/markup-compatibility/2006">
+        <mc:Choice xmlns:a14="http://schemas.microsoft.com/office/drawing/2010/main" Requires="a14">
           <p:sp>
             <p:nvSpPr>
               <p:cNvPr id="8" name="Content Placeholder 7">
@@ -14766,7 +14675,7 @@
             </p:nvSpPr>
             <p:spPr>
               <a:xfrm>
-                <a:off x="431801" y="1307898"/>
+                <a:off x="431801" y="1592263"/>
                 <a:ext cx="11325224" cy="4456111"/>
               </a:xfrm>
             </p:spPr>
@@ -14864,7 +14773,11 @@
                 </a14:m>
                 <a:r>
                   <a:rPr lang="da-DK" dirty="0"/>
-                  <a:t>, this is can be defined as having a training set </a:t>
+                  <a:t>, this is can be defined as having </a:t>
+                </a:r>
+                <a:r>
+                  <a:rPr lang="da-DK" b="1" dirty="0"/>
+                  <a:t>a training set </a:t>
                 </a:r>
                 <a14:m>
                   <m:oMath xmlns:m="http://schemas.openxmlformats.org/officeDocument/2006/math">
@@ -15022,7 +14935,11 @@
                 </a14:m>
                 <a:r>
                   <a:rPr lang="da-DK" dirty="0"/>
-                  <a:t>)  for our test set </a:t>
+                  <a:t>)  for our </a:t>
+                </a:r>
+                <a:r>
+                  <a:rPr lang="da-DK" b="1" dirty="0"/>
+                  <a:t>test set </a:t>
                 </a:r>
                 <a14:m>
                   <m:oMath xmlns:m="http://schemas.openxmlformats.org/officeDocument/2006/math">
@@ -15073,12 +14990,9 @@
                 </a:pPr>
                 <a:r>
                   <a:rPr lang="da-DK" dirty="0"/>
-                  <a:t>This is a very sample-efficient way of performing regression since overfitting is not really a problem! Could you imagine a supervised learning model performing a similar task? </a:t>
+                  <a:t>This is a very sample-efficient way of performing regression since overfitting is not really a problem! (like in many supervised settings)</a:t>
                 </a:r>
-                <a:r>
-                  <a:rPr lang="da-DK" u="sng" dirty="0"/>
-                  <a:t>Not really!</a:t>
-                </a:r>
+                <a:endParaRPr lang="da-DK" u="sng" dirty="0"/>
               </a:p>
               <a:p>
                 <a:pPr marL="0" indent="0">
@@ -15104,7 +15018,7 @@
             </p:txBody>
           </p:sp>
         </mc:Choice>
-        <mc:Fallback xmlns="">
+        <mc:Fallback>
           <p:sp>
             <p:nvSpPr>
               <p:cNvPr id="8" name="Content Placeholder 7">
@@ -15123,13 +15037,13 @@
             </p:nvSpPr>
             <p:spPr>
               <a:xfrm>
-                <a:off x="431801" y="1307898"/>
+                <a:off x="431801" y="1592263"/>
                 <a:ext cx="11325224" cy="4456111"/>
               </a:xfrm>
               <a:blipFill>
                 <a:blip r:embed="rId6"/>
                 <a:stretch>
-                  <a:fillRect l="-1292" t="-1778" r="-484"/>
+                  <a:fillRect l="-1292" t="-1778"/>
                 </a:stretch>
               </a:blipFill>
             </p:spPr>
@@ -15163,6 +15077,183 @@
   <p:clrMapOvr>
     <a:masterClrMapping/>
   </p:clrMapOvr>
+  <p:timing>
+    <p:tnLst>
+      <p:par>
+        <p:cTn id="1" dur="indefinite" restart="never" nodeType="tmRoot">
+          <p:childTnLst>
+            <p:seq concurrent="1" nextAc="seek">
+              <p:cTn id="2" dur="indefinite" nodeType="mainSeq">
+                <p:childTnLst>
+                  <p:par>
+                    <p:cTn id="3" fill="hold">
+                      <p:stCondLst>
+                        <p:cond delay="indefinite"/>
+                      </p:stCondLst>
+                      <p:childTnLst>
+                        <p:par>
+                          <p:cTn id="4" fill="hold">
+                            <p:stCondLst>
+                              <p:cond delay="0"/>
+                            </p:stCondLst>
+                            <p:childTnLst>
+                              <p:par>
+                                <p:cTn id="5" presetID="1" presetClass="entr" presetSubtype="0" fill="hold" nodeType="clickEffect">
+                                  <p:stCondLst>
+                                    <p:cond delay="0"/>
+                                  </p:stCondLst>
+                                  <p:childTnLst>
+                                    <p:set>
+                                      <p:cBhvr>
+                                        <p:cTn id="6" dur="1" fill="hold">
+                                          <p:stCondLst>
+                                            <p:cond delay="0"/>
+                                          </p:stCondLst>
+                                        </p:cTn>
+                                        <p:tgtEl>
+                                          <p:spTgt spid="8">
+                                            <p:txEl>
+                                              <p:pRg st="3" end="3"/>
+                                            </p:txEl>
+                                          </p:spTgt>
+                                        </p:tgtEl>
+                                        <p:attrNameLst>
+                                          <p:attrName>style.visibility</p:attrName>
+                                        </p:attrNameLst>
+                                      </p:cBhvr>
+                                      <p:to>
+                                        <p:strVal val="visible"/>
+                                      </p:to>
+                                    </p:set>
+                                  </p:childTnLst>
+                                </p:cTn>
+                              </p:par>
+                            </p:childTnLst>
+                          </p:cTn>
+                        </p:par>
+                      </p:childTnLst>
+                    </p:cTn>
+                  </p:par>
+                  <p:par>
+                    <p:cTn id="7" fill="hold">
+                      <p:stCondLst>
+                        <p:cond delay="indefinite"/>
+                      </p:stCondLst>
+                      <p:childTnLst>
+                        <p:par>
+                          <p:cTn id="8" fill="hold">
+                            <p:stCondLst>
+                              <p:cond delay="0"/>
+                            </p:stCondLst>
+                            <p:childTnLst>
+                              <p:par>
+                                <p:cTn id="9" presetID="1" presetClass="entr" presetSubtype="0" fill="hold" nodeType="clickEffect">
+                                  <p:stCondLst>
+                                    <p:cond delay="0"/>
+                                  </p:stCondLst>
+                                  <p:childTnLst>
+                                    <p:set>
+                                      <p:cBhvr>
+                                        <p:cTn id="10" dur="1" fill="hold">
+                                          <p:stCondLst>
+                                            <p:cond delay="0"/>
+                                          </p:stCondLst>
+                                        </p:cTn>
+                                        <p:tgtEl>
+                                          <p:spTgt spid="8">
+                                            <p:txEl>
+                                              <p:pRg st="6" end="6"/>
+                                            </p:txEl>
+                                          </p:spTgt>
+                                        </p:tgtEl>
+                                        <p:attrNameLst>
+                                          <p:attrName>style.visibility</p:attrName>
+                                        </p:attrNameLst>
+                                      </p:cBhvr>
+                                      <p:to>
+                                        <p:strVal val="visible"/>
+                                      </p:to>
+                                    </p:set>
+                                  </p:childTnLst>
+                                </p:cTn>
+                              </p:par>
+                            </p:childTnLst>
+                          </p:cTn>
+                        </p:par>
+                      </p:childTnLst>
+                    </p:cTn>
+                  </p:par>
+                  <p:par>
+                    <p:cTn id="11" fill="hold">
+                      <p:stCondLst>
+                        <p:cond delay="indefinite"/>
+                      </p:stCondLst>
+                      <p:childTnLst>
+                        <p:par>
+                          <p:cTn id="12" fill="hold">
+                            <p:stCondLst>
+                              <p:cond delay="0"/>
+                            </p:stCondLst>
+                            <p:childTnLst>
+                              <p:par>
+                                <p:cTn id="13" presetID="1" presetClass="entr" presetSubtype="0" fill="hold" nodeType="clickEffect">
+                                  <p:stCondLst>
+                                    <p:cond delay="0"/>
+                                  </p:stCondLst>
+                                  <p:childTnLst>
+                                    <p:set>
+                                      <p:cBhvr>
+                                        <p:cTn id="14" dur="1" fill="hold">
+                                          <p:stCondLst>
+                                            <p:cond delay="0"/>
+                                          </p:stCondLst>
+                                        </p:cTn>
+                                        <p:tgtEl>
+                                          <p:spTgt spid="8">
+                                            <p:txEl>
+                                              <p:pRg st="9" end="9"/>
+                                            </p:txEl>
+                                          </p:spTgt>
+                                        </p:tgtEl>
+                                        <p:attrNameLst>
+                                          <p:attrName>style.visibility</p:attrName>
+                                        </p:attrNameLst>
+                                      </p:cBhvr>
+                                      <p:to>
+                                        <p:strVal val="visible"/>
+                                      </p:to>
+                                    </p:set>
+                                  </p:childTnLst>
+                                </p:cTn>
+                              </p:par>
+                            </p:childTnLst>
+                          </p:cTn>
+                        </p:par>
+                      </p:childTnLst>
+                    </p:cTn>
+                  </p:par>
+                </p:childTnLst>
+              </p:cTn>
+              <p:prevCondLst>
+                <p:cond evt="onPrev" delay="0">
+                  <p:tgtEl>
+                    <p:sldTgt/>
+                  </p:tgtEl>
+                </p:cond>
+              </p:prevCondLst>
+              <p:nextCondLst>
+                <p:cond evt="onNext" delay="0">
+                  <p:tgtEl>
+                    <p:sldTgt/>
+                  </p:tgtEl>
+                </p:cond>
+              </p:nextCondLst>
+            </p:seq>
+          </p:childTnLst>
+        </p:cTn>
+      </p:par>
+    </p:tnLst>
+  </p:timing>
 </p:sld>
 </file>
 
@@ -15679,6 +15770,312 @@
   <p:clrMapOvr>
     <a:masterClrMapping/>
   </p:clrMapOvr>
+  <p:timing>
+    <p:tnLst>
+      <p:par>
+        <p:cTn id="1" dur="indefinite" restart="never" nodeType="tmRoot">
+          <p:childTnLst>
+            <p:seq concurrent="1" nextAc="seek">
+              <p:cTn id="2" dur="indefinite" nodeType="mainSeq">
+                <p:childTnLst>
+                  <p:par>
+                    <p:cTn id="3" fill="hold">
+                      <p:stCondLst>
+                        <p:cond delay="indefinite"/>
+                      </p:stCondLst>
+                      <p:childTnLst>
+                        <p:par>
+                          <p:cTn id="4" fill="hold">
+                            <p:stCondLst>
+                              <p:cond delay="0"/>
+                            </p:stCondLst>
+                            <p:childTnLst>
+                              <p:par>
+                                <p:cTn id="5" presetID="1" presetClass="entr" presetSubtype="0" fill="hold" nodeType="clickEffect">
+                                  <p:stCondLst>
+                                    <p:cond delay="0"/>
+                                  </p:stCondLst>
+                                  <p:childTnLst>
+                                    <p:set>
+                                      <p:cBhvr>
+                                        <p:cTn id="6" dur="1" fill="hold">
+                                          <p:stCondLst>
+                                            <p:cond delay="0"/>
+                                          </p:stCondLst>
+                                        </p:cTn>
+                                        <p:tgtEl>
+                                          <p:spTgt spid="8">
+                                            <p:txEl>
+                                              <p:pRg st="3" end="3"/>
+                                            </p:txEl>
+                                          </p:spTgt>
+                                        </p:tgtEl>
+                                        <p:attrNameLst>
+                                          <p:attrName>style.visibility</p:attrName>
+                                        </p:attrNameLst>
+                                      </p:cBhvr>
+                                      <p:to>
+                                        <p:strVal val="visible"/>
+                                      </p:to>
+                                    </p:set>
+                                  </p:childTnLst>
+                                </p:cTn>
+                              </p:par>
+                            </p:childTnLst>
+                          </p:cTn>
+                        </p:par>
+                      </p:childTnLst>
+                    </p:cTn>
+                  </p:par>
+                  <p:par>
+                    <p:cTn id="7" fill="hold">
+                      <p:stCondLst>
+                        <p:cond delay="indefinite"/>
+                      </p:stCondLst>
+                      <p:childTnLst>
+                        <p:par>
+                          <p:cTn id="8" fill="hold">
+                            <p:stCondLst>
+                              <p:cond delay="0"/>
+                            </p:stCondLst>
+                            <p:childTnLst>
+                              <p:par>
+                                <p:cTn id="9" presetID="1" presetClass="entr" presetSubtype="0" fill="hold" nodeType="clickEffect">
+                                  <p:stCondLst>
+                                    <p:cond delay="0"/>
+                                  </p:stCondLst>
+                                  <p:childTnLst>
+                                    <p:set>
+                                      <p:cBhvr>
+                                        <p:cTn id="10" dur="1" fill="hold">
+                                          <p:stCondLst>
+                                            <p:cond delay="0"/>
+                                          </p:stCondLst>
+                                        </p:cTn>
+                                        <p:tgtEl>
+                                          <p:spTgt spid="8">
+                                            <p:txEl>
+                                              <p:pRg st="4" end="4"/>
+                                            </p:txEl>
+                                          </p:spTgt>
+                                        </p:tgtEl>
+                                        <p:attrNameLst>
+                                          <p:attrName>style.visibility</p:attrName>
+                                        </p:attrNameLst>
+                                      </p:cBhvr>
+                                      <p:to>
+                                        <p:strVal val="visible"/>
+                                      </p:to>
+                                    </p:set>
+                                  </p:childTnLst>
+                                </p:cTn>
+                              </p:par>
+                            </p:childTnLst>
+                          </p:cTn>
+                        </p:par>
+                      </p:childTnLst>
+                    </p:cTn>
+                  </p:par>
+                  <p:par>
+                    <p:cTn id="11" fill="hold">
+                      <p:stCondLst>
+                        <p:cond delay="indefinite"/>
+                      </p:stCondLst>
+                      <p:childTnLst>
+                        <p:par>
+                          <p:cTn id="12" fill="hold">
+                            <p:stCondLst>
+                              <p:cond delay="0"/>
+                            </p:stCondLst>
+                            <p:childTnLst>
+                              <p:par>
+                                <p:cTn id="13" presetID="1" presetClass="entr" presetSubtype="0" fill="hold" nodeType="clickEffect">
+                                  <p:stCondLst>
+                                    <p:cond delay="0"/>
+                                  </p:stCondLst>
+                                  <p:childTnLst>
+                                    <p:set>
+                                      <p:cBhvr>
+                                        <p:cTn id="14" dur="1" fill="hold">
+                                          <p:stCondLst>
+                                            <p:cond delay="0"/>
+                                          </p:stCondLst>
+                                        </p:cTn>
+                                        <p:tgtEl>
+                                          <p:spTgt spid="8">
+                                            <p:txEl>
+                                              <p:pRg st="6" end="6"/>
+                                            </p:txEl>
+                                          </p:spTgt>
+                                        </p:tgtEl>
+                                        <p:attrNameLst>
+                                          <p:attrName>style.visibility</p:attrName>
+                                        </p:attrNameLst>
+                                      </p:cBhvr>
+                                      <p:to>
+                                        <p:strVal val="visible"/>
+                                      </p:to>
+                                    </p:set>
+                                  </p:childTnLst>
+                                </p:cTn>
+                              </p:par>
+                            </p:childTnLst>
+                          </p:cTn>
+                        </p:par>
+                      </p:childTnLst>
+                    </p:cTn>
+                  </p:par>
+                  <p:par>
+                    <p:cTn id="15" fill="hold">
+                      <p:stCondLst>
+                        <p:cond delay="indefinite"/>
+                      </p:stCondLst>
+                      <p:childTnLst>
+                        <p:par>
+                          <p:cTn id="16" fill="hold">
+                            <p:stCondLst>
+                              <p:cond delay="0"/>
+                            </p:stCondLst>
+                            <p:childTnLst>
+                              <p:par>
+                                <p:cTn id="17" presetID="1" presetClass="entr" presetSubtype="0" fill="hold" nodeType="clickEffect">
+                                  <p:stCondLst>
+                                    <p:cond delay="0"/>
+                                  </p:stCondLst>
+                                  <p:childTnLst>
+                                    <p:set>
+                                      <p:cBhvr>
+                                        <p:cTn id="18" dur="1" fill="hold">
+                                          <p:stCondLst>
+                                            <p:cond delay="0"/>
+                                          </p:stCondLst>
+                                        </p:cTn>
+                                        <p:tgtEl>
+                                          <p:spTgt spid="8">
+                                            <p:txEl>
+                                              <p:pRg st="8" end="8"/>
+                                            </p:txEl>
+                                          </p:spTgt>
+                                        </p:tgtEl>
+                                        <p:attrNameLst>
+                                          <p:attrName>style.visibility</p:attrName>
+                                        </p:attrNameLst>
+                                      </p:cBhvr>
+                                      <p:to>
+                                        <p:strVal val="visible"/>
+                                      </p:to>
+                                    </p:set>
+                                  </p:childTnLst>
+                                </p:cTn>
+                              </p:par>
+                              <p:par>
+                                <p:cTn id="19" presetID="1" presetClass="entr" presetSubtype="0" fill="hold" nodeType="withEffect">
+                                  <p:stCondLst>
+                                    <p:cond delay="0"/>
+                                  </p:stCondLst>
+                                  <p:childTnLst>
+                                    <p:set>
+                                      <p:cBhvr>
+                                        <p:cTn id="20" dur="1" fill="hold">
+                                          <p:stCondLst>
+                                            <p:cond delay="0"/>
+                                          </p:stCondLst>
+                                        </p:cTn>
+                                        <p:tgtEl>
+                                          <p:spTgt spid="8">
+                                            <p:txEl>
+                                              <p:pRg st="9" end="9"/>
+                                            </p:txEl>
+                                          </p:spTgt>
+                                        </p:tgtEl>
+                                        <p:attrNameLst>
+                                          <p:attrName>style.visibility</p:attrName>
+                                        </p:attrNameLst>
+                                      </p:cBhvr>
+                                      <p:to>
+                                        <p:strVal val="visible"/>
+                                      </p:to>
+                                    </p:set>
+                                  </p:childTnLst>
+                                </p:cTn>
+                              </p:par>
+                            </p:childTnLst>
+                          </p:cTn>
+                        </p:par>
+                      </p:childTnLst>
+                    </p:cTn>
+                  </p:par>
+                  <p:par>
+                    <p:cTn id="21" fill="hold">
+                      <p:stCondLst>
+                        <p:cond delay="indefinite"/>
+                      </p:stCondLst>
+                      <p:childTnLst>
+                        <p:par>
+                          <p:cTn id="22" fill="hold">
+                            <p:stCondLst>
+                              <p:cond delay="0"/>
+                            </p:stCondLst>
+                            <p:childTnLst>
+                              <p:par>
+                                <p:cTn id="23" presetID="1" presetClass="entr" presetSubtype="0" fill="hold" nodeType="clickEffect">
+                                  <p:stCondLst>
+                                    <p:cond delay="0"/>
+                                  </p:stCondLst>
+                                  <p:childTnLst>
+                                    <p:set>
+                                      <p:cBhvr>
+                                        <p:cTn id="24" dur="1" fill="hold">
+                                          <p:stCondLst>
+                                            <p:cond delay="0"/>
+                                          </p:stCondLst>
+                                        </p:cTn>
+                                        <p:tgtEl>
+                                          <p:spTgt spid="8">
+                                            <p:txEl>
+                                              <p:pRg st="10" end="10"/>
+                                            </p:txEl>
+                                          </p:spTgt>
+                                        </p:tgtEl>
+                                        <p:attrNameLst>
+                                          <p:attrName>style.visibility</p:attrName>
+                                        </p:attrNameLst>
+                                      </p:cBhvr>
+                                      <p:to>
+                                        <p:strVal val="visible"/>
+                                      </p:to>
+                                    </p:set>
+                                  </p:childTnLst>
+                                </p:cTn>
+                              </p:par>
+                            </p:childTnLst>
+                          </p:cTn>
+                        </p:par>
+                      </p:childTnLst>
+                    </p:cTn>
+                  </p:par>
+                </p:childTnLst>
+              </p:cTn>
+              <p:prevCondLst>
+                <p:cond evt="onPrev" delay="0">
+                  <p:tgtEl>
+                    <p:sldTgt/>
+                  </p:tgtEl>
+                </p:cond>
+              </p:prevCondLst>
+              <p:nextCondLst>
+                <p:cond evt="onNext" delay="0">
+                  <p:tgtEl>
+                    <p:sldTgt/>
+                  </p:tgtEl>
+                </p:cond>
+              </p:nextCondLst>
+            </p:seq>
+          </p:childTnLst>
+        </p:cTn>
+      </p:par>
+    </p:tnLst>
+  </p:timing>
 </p:sld>
 </file>
 
@@ -16230,6 +16627,405 @@
   <p:clrMapOvr>
     <a:masterClrMapping/>
   </p:clrMapOvr>
+  <p:timing>
+    <p:tnLst>
+      <p:par>
+        <p:cTn id="1" dur="indefinite" restart="never" nodeType="tmRoot">
+          <p:childTnLst>
+            <p:seq concurrent="1" nextAc="seek">
+              <p:cTn id="2" dur="indefinite" nodeType="mainSeq">
+                <p:childTnLst>
+                  <p:par>
+                    <p:cTn id="3" fill="hold">
+                      <p:stCondLst>
+                        <p:cond delay="indefinite"/>
+                      </p:stCondLst>
+                      <p:childTnLst>
+                        <p:par>
+                          <p:cTn id="4" fill="hold">
+                            <p:stCondLst>
+                              <p:cond delay="0"/>
+                            </p:stCondLst>
+                            <p:childTnLst>
+                              <p:par>
+                                <p:cTn id="5" presetID="1" presetClass="entr" presetSubtype="0" fill="hold" nodeType="clickEffect">
+                                  <p:stCondLst>
+                                    <p:cond delay="0"/>
+                                  </p:stCondLst>
+                                  <p:childTnLst>
+                                    <p:set>
+                                      <p:cBhvr>
+                                        <p:cTn id="6" dur="1" fill="hold">
+                                          <p:stCondLst>
+                                            <p:cond delay="0"/>
+                                          </p:stCondLst>
+                                        </p:cTn>
+                                        <p:tgtEl>
+                                          <p:spTgt spid="8">
+                                            <p:txEl>
+                                              <p:pRg st="0" end="0"/>
+                                            </p:txEl>
+                                          </p:spTgt>
+                                        </p:tgtEl>
+                                        <p:attrNameLst>
+                                          <p:attrName>style.visibility</p:attrName>
+                                        </p:attrNameLst>
+                                      </p:cBhvr>
+                                      <p:to>
+                                        <p:strVal val="visible"/>
+                                      </p:to>
+                                    </p:set>
+                                  </p:childTnLst>
+                                </p:cTn>
+                              </p:par>
+                              <p:par>
+                                <p:cTn id="7" presetID="1" presetClass="entr" presetSubtype="0" fill="hold" nodeType="withEffect">
+                                  <p:stCondLst>
+                                    <p:cond delay="0"/>
+                                  </p:stCondLst>
+                                  <p:childTnLst>
+                                    <p:set>
+                                      <p:cBhvr>
+                                        <p:cTn id="8" dur="1" fill="hold">
+                                          <p:stCondLst>
+                                            <p:cond delay="0"/>
+                                          </p:stCondLst>
+                                        </p:cTn>
+                                        <p:tgtEl>
+                                          <p:spTgt spid="8">
+                                            <p:txEl>
+                                              <p:pRg st="1" end="1"/>
+                                            </p:txEl>
+                                          </p:spTgt>
+                                        </p:tgtEl>
+                                        <p:attrNameLst>
+                                          <p:attrName>style.visibility</p:attrName>
+                                        </p:attrNameLst>
+                                      </p:cBhvr>
+                                      <p:to>
+                                        <p:strVal val="visible"/>
+                                      </p:to>
+                                    </p:set>
+                                  </p:childTnLst>
+                                </p:cTn>
+                              </p:par>
+                            </p:childTnLst>
+                          </p:cTn>
+                        </p:par>
+                      </p:childTnLst>
+                    </p:cTn>
+                  </p:par>
+                  <p:par>
+                    <p:cTn id="9" fill="hold">
+                      <p:stCondLst>
+                        <p:cond delay="indefinite"/>
+                      </p:stCondLst>
+                      <p:childTnLst>
+                        <p:par>
+                          <p:cTn id="10" fill="hold">
+                            <p:stCondLst>
+                              <p:cond delay="0"/>
+                            </p:stCondLst>
+                            <p:childTnLst>
+                              <p:par>
+                                <p:cTn id="11" presetID="1" presetClass="entr" presetSubtype="0" fill="hold" nodeType="clickEffect">
+                                  <p:stCondLst>
+                                    <p:cond delay="0"/>
+                                  </p:stCondLst>
+                                  <p:childTnLst>
+                                    <p:set>
+                                      <p:cBhvr>
+                                        <p:cTn id="12" dur="1" fill="hold">
+                                          <p:stCondLst>
+                                            <p:cond delay="0"/>
+                                          </p:stCondLst>
+                                        </p:cTn>
+                                        <p:tgtEl>
+                                          <p:spTgt spid="8">
+                                            <p:txEl>
+                                              <p:pRg st="3" end="3"/>
+                                            </p:txEl>
+                                          </p:spTgt>
+                                        </p:tgtEl>
+                                        <p:attrNameLst>
+                                          <p:attrName>style.visibility</p:attrName>
+                                        </p:attrNameLst>
+                                      </p:cBhvr>
+                                      <p:to>
+                                        <p:strVal val="visible"/>
+                                      </p:to>
+                                    </p:set>
+                                  </p:childTnLst>
+                                </p:cTn>
+                              </p:par>
+                            </p:childTnLst>
+                          </p:cTn>
+                        </p:par>
+                      </p:childTnLst>
+                    </p:cTn>
+                  </p:par>
+                  <p:par>
+                    <p:cTn id="13" fill="hold">
+                      <p:stCondLst>
+                        <p:cond delay="indefinite"/>
+                      </p:stCondLst>
+                      <p:childTnLst>
+                        <p:par>
+                          <p:cTn id="14" fill="hold">
+                            <p:stCondLst>
+                              <p:cond delay="0"/>
+                            </p:stCondLst>
+                            <p:childTnLst>
+                              <p:par>
+                                <p:cTn id="15" presetID="1" presetClass="entr" presetSubtype="0" fill="hold" nodeType="clickEffect">
+                                  <p:stCondLst>
+                                    <p:cond delay="0"/>
+                                  </p:stCondLst>
+                                  <p:childTnLst>
+                                    <p:set>
+                                      <p:cBhvr>
+                                        <p:cTn id="16" dur="1" fill="hold">
+                                          <p:stCondLst>
+                                            <p:cond delay="0"/>
+                                          </p:stCondLst>
+                                        </p:cTn>
+                                        <p:tgtEl>
+                                          <p:spTgt spid="8">
+                                            <p:txEl>
+                                              <p:pRg st="5" end="5"/>
+                                            </p:txEl>
+                                          </p:spTgt>
+                                        </p:tgtEl>
+                                        <p:attrNameLst>
+                                          <p:attrName>style.visibility</p:attrName>
+                                        </p:attrNameLst>
+                                      </p:cBhvr>
+                                      <p:to>
+                                        <p:strVal val="visible"/>
+                                      </p:to>
+                                    </p:set>
+                                  </p:childTnLst>
+                                </p:cTn>
+                              </p:par>
+                            </p:childTnLst>
+                          </p:cTn>
+                        </p:par>
+                      </p:childTnLst>
+                    </p:cTn>
+                  </p:par>
+                  <p:par>
+                    <p:cTn id="17" fill="hold">
+                      <p:stCondLst>
+                        <p:cond delay="indefinite"/>
+                      </p:stCondLst>
+                      <p:childTnLst>
+                        <p:par>
+                          <p:cTn id="18" fill="hold">
+                            <p:stCondLst>
+                              <p:cond delay="0"/>
+                            </p:stCondLst>
+                            <p:childTnLst>
+                              <p:par>
+                                <p:cTn id="19" presetID="1" presetClass="entr" presetSubtype="0" fill="hold" nodeType="clickEffect">
+                                  <p:stCondLst>
+                                    <p:cond delay="0"/>
+                                  </p:stCondLst>
+                                  <p:childTnLst>
+                                    <p:set>
+                                      <p:cBhvr>
+                                        <p:cTn id="20" dur="1" fill="hold">
+                                          <p:stCondLst>
+                                            <p:cond delay="0"/>
+                                          </p:stCondLst>
+                                        </p:cTn>
+                                        <p:tgtEl>
+                                          <p:spTgt spid="8">
+                                            <p:txEl>
+                                              <p:pRg st="7" end="7"/>
+                                            </p:txEl>
+                                          </p:spTgt>
+                                        </p:tgtEl>
+                                        <p:attrNameLst>
+                                          <p:attrName>style.visibility</p:attrName>
+                                        </p:attrNameLst>
+                                      </p:cBhvr>
+                                      <p:to>
+                                        <p:strVal val="visible"/>
+                                      </p:to>
+                                    </p:set>
+                                  </p:childTnLst>
+                                </p:cTn>
+                              </p:par>
+                            </p:childTnLst>
+                          </p:cTn>
+                        </p:par>
+                      </p:childTnLst>
+                    </p:cTn>
+                  </p:par>
+                  <p:par>
+                    <p:cTn id="21" fill="hold">
+                      <p:stCondLst>
+                        <p:cond delay="indefinite"/>
+                      </p:stCondLst>
+                      <p:childTnLst>
+                        <p:par>
+                          <p:cTn id="22" fill="hold">
+                            <p:stCondLst>
+                              <p:cond delay="0"/>
+                            </p:stCondLst>
+                            <p:childTnLst>
+                              <p:par>
+                                <p:cTn id="23" presetID="1" presetClass="entr" presetSubtype="0" fill="hold" nodeType="clickEffect">
+                                  <p:stCondLst>
+                                    <p:cond delay="0"/>
+                                  </p:stCondLst>
+                                  <p:childTnLst>
+                                    <p:set>
+                                      <p:cBhvr>
+                                        <p:cTn id="24" dur="1" fill="hold">
+                                          <p:stCondLst>
+                                            <p:cond delay="0"/>
+                                          </p:stCondLst>
+                                        </p:cTn>
+                                        <p:tgtEl>
+                                          <p:spTgt spid="8">
+                                            <p:txEl>
+                                              <p:pRg st="9" end="9"/>
+                                            </p:txEl>
+                                          </p:spTgt>
+                                        </p:tgtEl>
+                                        <p:attrNameLst>
+                                          <p:attrName>style.visibility</p:attrName>
+                                        </p:attrNameLst>
+                                      </p:cBhvr>
+                                      <p:to>
+                                        <p:strVal val="visible"/>
+                                      </p:to>
+                                    </p:set>
+                                  </p:childTnLst>
+                                </p:cTn>
+                              </p:par>
+                              <p:par>
+                                <p:cTn id="25" presetID="1" presetClass="entr" presetSubtype="0" fill="hold" nodeType="withEffect">
+                                  <p:stCondLst>
+                                    <p:cond delay="0"/>
+                                  </p:stCondLst>
+                                  <p:childTnLst>
+                                    <p:set>
+                                      <p:cBhvr>
+                                        <p:cTn id="26" dur="1" fill="hold">
+                                          <p:stCondLst>
+                                            <p:cond delay="0"/>
+                                          </p:stCondLst>
+                                        </p:cTn>
+                                        <p:tgtEl>
+                                          <p:spTgt spid="8">
+                                            <p:txEl>
+                                              <p:pRg st="10" end="10"/>
+                                            </p:txEl>
+                                          </p:spTgt>
+                                        </p:tgtEl>
+                                        <p:attrNameLst>
+                                          <p:attrName>style.visibility</p:attrName>
+                                        </p:attrNameLst>
+                                      </p:cBhvr>
+                                      <p:to>
+                                        <p:strVal val="visible"/>
+                                      </p:to>
+                                    </p:set>
+                                  </p:childTnLst>
+                                </p:cTn>
+                              </p:par>
+                              <p:par>
+                                <p:cTn id="27" presetID="1" presetClass="entr" presetSubtype="0" fill="hold" nodeType="withEffect">
+                                  <p:stCondLst>
+                                    <p:cond delay="0"/>
+                                  </p:stCondLst>
+                                  <p:childTnLst>
+                                    <p:set>
+                                      <p:cBhvr>
+                                        <p:cTn id="28" dur="1" fill="hold">
+                                          <p:stCondLst>
+                                            <p:cond delay="0"/>
+                                          </p:stCondLst>
+                                        </p:cTn>
+                                        <p:tgtEl>
+                                          <p:spTgt spid="8">
+                                            <p:txEl>
+                                              <p:pRg st="11" end="11"/>
+                                            </p:txEl>
+                                          </p:spTgt>
+                                        </p:tgtEl>
+                                        <p:attrNameLst>
+                                          <p:attrName>style.visibility</p:attrName>
+                                        </p:attrNameLst>
+                                      </p:cBhvr>
+                                      <p:to>
+                                        <p:strVal val="visible"/>
+                                      </p:to>
+                                    </p:set>
+                                  </p:childTnLst>
+                                </p:cTn>
+                              </p:par>
+                              <p:par>
+                                <p:cTn id="29" presetID="1" presetClass="entr" presetSubtype="0" fill="hold" nodeType="withEffect">
+                                  <p:stCondLst>
+                                    <p:cond delay="0"/>
+                                  </p:stCondLst>
+                                  <p:childTnLst>
+                                    <p:set>
+                                      <p:cBhvr>
+                                        <p:cTn id="30" dur="1" fill="hold">
+                                          <p:stCondLst>
+                                            <p:cond delay="0"/>
+                                          </p:stCondLst>
+                                        </p:cTn>
+                                        <p:tgtEl>
+                                          <p:spTgt spid="8">
+                                            <p:txEl>
+                                              <p:pRg st="12" end="12"/>
+                                            </p:txEl>
+                                          </p:spTgt>
+                                        </p:tgtEl>
+                                        <p:attrNameLst>
+                                          <p:attrName>style.visibility</p:attrName>
+                                        </p:attrNameLst>
+                                      </p:cBhvr>
+                                      <p:to>
+                                        <p:strVal val="visible"/>
+                                      </p:to>
+                                    </p:set>
+                                  </p:childTnLst>
+                                </p:cTn>
+                              </p:par>
+                            </p:childTnLst>
+                          </p:cTn>
+                        </p:par>
+                      </p:childTnLst>
+                    </p:cTn>
+                  </p:par>
+                </p:childTnLst>
+              </p:cTn>
+              <p:prevCondLst>
+                <p:cond evt="onPrev" delay="0">
+                  <p:tgtEl>
+                    <p:sldTgt/>
+                  </p:tgtEl>
+                </p:cond>
+              </p:prevCondLst>
+              <p:nextCondLst>
+                <p:cond evt="onNext" delay="0">
+                  <p:tgtEl>
+                    <p:sldTgt/>
+                  </p:tgtEl>
+                </p:cond>
+              </p:nextCondLst>
+            </p:seq>
+          </p:childTnLst>
+        </p:cTn>
+      </p:par>
+    </p:tnLst>
+  </p:timing>
 </p:sld>
 </file>
 
@@ -16679,6 +17475,214 @@
   <p:clrMapOvr>
     <a:masterClrMapping/>
   </p:clrMapOvr>
+  <p:timing>
+    <p:tnLst>
+      <p:par>
+        <p:cTn id="1" dur="indefinite" restart="never" nodeType="tmRoot">
+          <p:childTnLst>
+            <p:seq concurrent="1" nextAc="seek">
+              <p:cTn id="2" dur="indefinite" nodeType="mainSeq">
+                <p:childTnLst>
+                  <p:par>
+                    <p:cTn id="3" fill="hold">
+                      <p:stCondLst>
+                        <p:cond delay="indefinite"/>
+                      </p:stCondLst>
+                      <p:childTnLst>
+                        <p:par>
+                          <p:cTn id="4" fill="hold">
+                            <p:stCondLst>
+                              <p:cond delay="0"/>
+                            </p:stCondLst>
+                            <p:childTnLst>
+                              <p:par>
+                                <p:cTn id="5" presetID="1" presetClass="entr" presetSubtype="0" fill="hold" nodeType="clickEffect">
+                                  <p:stCondLst>
+                                    <p:cond delay="0"/>
+                                  </p:stCondLst>
+                                  <p:childTnLst>
+                                    <p:set>
+                                      <p:cBhvr>
+                                        <p:cTn id="6" dur="1" fill="hold">
+                                          <p:stCondLst>
+                                            <p:cond delay="0"/>
+                                          </p:stCondLst>
+                                        </p:cTn>
+                                        <p:tgtEl>
+                                          <p:spTgt spid="8">
+                                            <p:txEl>
+                                              <p:pRg st="1" end="1"/>
+                                            </p:txEl>
+                                          </p:spTgt>
+                                        </p:tgtEl>
+                                        <p:attrNameLst>
+                                          <p:attrName>style.visibility</p:attrName>
+                                        </p:attrNameLst>
+                                      </p:cBhvr>
+                                      <p:to>
+                                        <p:strVal val="visible"/>
+                                      </p:to>
+                                    </p:set>
+                                  </p:childTnLst>
+                                </p:cTn>
+                              </p:par>
+                              <p:par>
+                                <p:cTn id="7" presetID="1" presetClass="entr" presetSubtype="0" fill="hold" nodeType="withEffect">
+                                  <p:stCondLst>
+                                    <p:cond delay="0"/>
+                                  </p:stCondLst>
+                                  <p:childTnLst>
+                                    <p:set>
+                                      <p:cBhvr>
+                                        <p:cTn id="8" dur="1" fill="hold">
+                                          <p:stCondLst>
+                                            <p:cond delay="0"/>
+                                          </p:stCondLst>
+                                        </p:cTn>
+                                        <p:tgtEl>
+                                          <p:spTgt spid="8">
+                                            <p:txEl>
+                                              <p:pRg st="2" end="2"/>
+                                            </p:txEl>
+                                          </p:spTgt>
+                                        </p:tgtEl>
+                                        <p:attrNameLst>
+                                          <p:attrName>style.visibility</p:attrName>
+                                        </p:attrNameLst>
+                                      </p:cBhvr>
+                                      <p:to>
+                                        <p:strVal val="visible"/>
+                                      </p:to>
+                                    </p:set>
+                                  </p:childTnLst>
+                                </p:cTn>
+                              </p:par>
+                            </p:childTnLst>
+                          </p:cTn>
+                        </p:par>
+                      </p:childTnLst>
+                    </p:cTn>
+                  </p:par>
+                  <p:par>
+                    <p:cTn id="9" fill="hold">
+                      <p:stCondLst>
+                        <p:cond delay="indefinite"/>
+                      </p:stCondLst>
+                      <p:childTnLst>
+                        <p:par>
+                          <p:cTn id="10" fill="hold">
+                            <p:stCondLst>
+                              <p:cond delay="0"/>
+                            </p:stCondLst>
+                            <p:childTnLst>
+                              <p:par>
+                                <p:cTn id="11" presetID="1" presetClass="entr" presetSubtype="0" fill="hold" nodeType="clickEffect">
+                                  <p:stCondLst>
+                                    <p:cond delay="0"/>
+                                  </p:stCondLst>
+                                  <p:childTnLst>
+                                    <p:set>
+                                      <p:cBhvr>
+                                        <p:cTn id="12" dur="1" fill="hold">
+                                          <p:stCondLst>
+                                            <p:cond delay="0"/>
+                                          </p:stCondLst>
+                                        </p:cTn>
+                                        <p:tgtEl>
+                                          <p:spTgt spid="8">
+                                            <p:txEl>
+                                              <p:pRg st="4" end="4"/>
+                                            </p:txEl>
+                                          </p:spTgt>
+                                        </p:tgtEl>
+                                        <p:attrNameLst>
+                                          <p:attrName>style.visibility</p:attrName>
+                                        </p:attrNameLst>
+                                      </p:cBhvr>
+                                      <p:to>
+                                        <p:strVal val="visible"/>
+                                      </p:to>
+                                    </p:set>
+                                  </p:childTnLst>
+                                </p:cTn>
+                              </p:par>
+                            </p:childTnLst>
+                          </p:cTn>
+                        </p:par>
+                      </p:childTnLst>
+                    </p:cTn>
+                  </p:par>
+                  <p:par>
+                    <p:cTn id="13" fill="hold">
+                      <p:stCondLst>
+                        <p:cond delay="indefinite"/>
+                      </p:stCondLst>
+                      <p:childTnLst>
+                        <p:par>
+                          <p:cTn id="14" fill="hold">
+                            <p:stCondLst>
+                              <p:cond delay="0"/>
+                            </p:stCondLst>
+                            <p:childTnLst>
+                              <p:par>
+                                <p:cTn id="15" presetID="1" presetClass="entr" presetSubtype="0" fill="hold" nodeType="clickEffect">
+                                  <p:stCondLst>
+                                    <p:cond delay="0"/>
+                                  </p:stCondLst>
+                                  <p:childTnLst>
+                                    <p:set>
+                                      <p:cBhvr>
+                                        <p:cTn id="16" dur="1" fill="hold">
+                                          <p:stCondLst>
+                                            <p:cond delay="0"/>
+                                          </p:stCondLst>
+                                        </p:cTn>
+                                        <p:tgtEl>
+                                          <p:spTgt spid="8">
+                                            <p:txEl>
+                                              <p:pRg st="6" end="6"/>
+                                            </p:txEl>
+                                          </p:spTgt>
+                                        </p:tgtEl>
+                                        <p:attrNameLst>
+                                          <p:attrName>style.visibility</p:attrName>
+                                        </p:attrNameLst>
+                                      </p:cBhvr>
+                                      <p:to>
+                                        <p:strVal val="visible"/>
+                                      </p:to>
+                                    </p:set>
+                                  </p:childTnLst>
+                                </p:cTn>
+                              </p:par>
+                            </p:childTnLst>
+                          </p:cTn>
+                        </p:par>
+                      </p:childTnLst>
+                    </p:cTn>
+                  </p:par>
+                </p:childTnLst>
+              </p:cTn>
+              <p:prevCondLst>
+                <p:cond evt="onPrev" delay="0">
+                  <p:tgtEl>
+                    <p:sldTgt/>
+                  </p:tgtEl>
+                </p:cond>
+              </p:prevCondLst>
+              <p:nextCondLst>
+                <p:cond evt="onNext" delay="0">
+                  <p:tgtEl>
+                    <p:sldTgt/>
+                  </p:tgtEl>
+                </p:cond>
+              </p:nextCondLst>
+            </p:seq>
+          </p:childTnLst>
+        </p:cTn>
+      </p:par>
+    </p:tnLst>
+  </p:timing>
 </p:sld>
 </file>
 
@@ -17385,6 +18389,214 @@
   <p:clrMapOvr>
     <a:masterClrMapping/>
   </p:clrMapOvr>
+  <p:timing>
+    <p:tnLst>
+      <p:par>
+        <p:cTn id="1" dur="indefinite" restart="never" nodeType="tmRoot">
+          <p:childTnLst>
+            <p:seq concurrent="1" nextAc="seek">
+              <p:cTn id="2" dur="indefinite" nodeType="mainSeq">
+                <p:childTnLst>
+                  <p:par>
+                    <p:cTn id="3" fill="hold">
+                      <p:stCondLst>
+                        <p:cond delay="indefinite"/>
+                      </p:stCondLst>
+                      <p:childTnLst>
+                        <p:par>
+                          <p:cTn id="4" fill="hold">
+                            <p:stCondLst>
+                              <p:cond delay="0"/>
+                            </p:stCondLst>
+                            <p:childTnLst>
+                              <p:par>
+                                <p:cTn id="5" presetID="1" presetClass="entr" presetSubtype="0" fill="hold" nodeType="clickEffect">
+                                  <p:stCondLst>
+                                    <p:cond delay="0"/>
+                                  </p:stCondLst>
+                                  <p:childTnLst>
+                                    <p:set>
+                                      <p:cBhvr>
+                                        <p:cTn id="6" dur="1" fill="hold">
+                                          <p:stCondLst>
+                                            <p:cond delay="0"/>
+                                          </p:stCondLst>
+                                        </p:cTn>
+                                        <p:tgtEl>
+                                          <p:spTgt spid="8">
+                                            <p:txEl>
+                                              <p:pRg st="2" end="2"/>
+                                            </p:txEl>
+                                          </p:spTgt>
+                                        </p:tgtEl>
+                                        <p:attrNameLst>
+                                          <p:attrName>style.visibility</p:attrName>
+                                        </p:attrNameLst>
+                                      </p:cBhvr>
+                                      <p:to>
+                                        <p:strVal val="visible"/>
+                                      </p:to>
+                                    </p:set>
+                                  </p:childTnLst>
+                                </p:cTn>
+                              </p:par>
+                              <p:par>
+                                <p:cTn id="7" presetID="1" presetClass="entr" presetSubtype="0" fill="hold" nodeType="withEffect">
+                                  <p:stCondLst>
+                                    <p:cond delay="0"/>
+                                  </p:stCondLst>
+                                  <p:childTnLst>
+                                    <p:set>
+                                      <p:cBhvr>
+                                        <p:cTn id="8" dur="1" fill="hold">
+                                          <p:stCondLst>
+                                            <p:cond delay="0"/>
+                                          </p:stCondLst>
+                                        </p:cTn>
+                                        <p:tgtEl>
+                                          <p:spTgt spid="8">
+                                            <p:txEl>
+                                              <p:pRg st="3" end="3"/>
+                                            </p:txEl>
+                                          </p:spTgt>
+                                        </p:tgtEl>
+                                        <p:attrNameLst>
+                                          <p:attrName>style.visibility</p:attrName>
+                                        </p:attrNameLst>
+                                      </p:cBhvr>
+                                      <p:to>
+                                        <p:strVal val="visible"/>
+                                      </p:to>
+                                    </p:set>
+                                  </p:childTnLst>
+                                </p:cTn>
+                              </p:par>
+                            </p:childTnLst>
+                          </p:cTn>
+                        </p:par>
+                      </p:childTnLst>
+                    </p:cTn>
+                  </p:par>
+                  <p:par>
+                    <p:cTn id="9" fill="hold">
+                      <p:stCondLst>
+                        <p:cond delay="indefinite"/>
+                      </p:stCondLst>
+                      <p:childTnLst>
+                        <p:par>
+                          <p:cTn id="10" fill="hold">
+                            <p:stCondLst>
+                              <p:cond delay="0"/>
+                            </p:stCondLst>
+                            <p:childTnLst>
+                              <p:par>
+                                <p:cTn id="11" presetID="1" presetClass="entr" presetSubtype="0" fill="hold" nodeType="clickEffect">
+                                  <p:stCondLst>
+                                    <p:cond delay="0"/>
+                                  </p:stCondLst>
+                                  <p:childTnLst>
+                                    <p:set>
+                                      <p:cBhvr>
+                                        <p:cTn id="12" dur="1" fill="hold">
+                                          <p:stCondLst>
+                                            <p:cond delay="0"/>
+                                          </p:stCondLst>
+                                        </p:cTn>
+                                        <p:tgtEl>
+                                          <p:spTgt spid="8">
+                                            <p:txEl>
+                                              <p:pRg st="6" end="6"/>
+                                            </p:txEl>
+                                          </p:spTgt>
+                                        </p:tgtEl>
+                                        <p:attrNameLst>
+                                          <p:attrName>style.visibility</p:attrName>
+                                        </p:attrNameLst>
+                                      </p:cBhvr>
+                                      <p:to>
+                                        <p:strVal val="visible"/>
+                                      </p:to>
+                                    </p:set>
+                                  </p:childTnLst>
+                                </p:cTn>
+                              </p:par>
+                            </p:childTnLst>
+                          </p:cTn>
+                        </p:par>
+                      </p:childTnLst>
+                    </p:cTn>
+                  </p:par>
+                  <p:par>
+                    <p:cTn id="13" fill="hold">
+                      <p:stCondLst>
+                        <p:cond delay="indefinite"/>
+                      </p:stCondLst>
+                      <p:childTnLst>
+                        <p:par>
+                          <p:cTn id="14" fill="hold">
+                            <p:stCondLst>
+                              <p:cond delay="0"/>
+                            </p:stCondLst>
+                            <p:childTnLst>
+                              <p:par>
+                                <p:cTn id="15" presetID="1" presetClass="entr" presetSubtype="0" fill="hold" nodeType="clickEffect">
+                                  <p:stCondLst>
+                                    <p:cond delay="0"/>
+                                  </p:stCondLst>
+                                  <p:childTnLst>
+                                    <p:set>
+                                      <p:cBhvr>
+                                        <p:cTn id="16" dur="1" fill="hold">
+                                          <p:stCondLst>
+                                            <p:cond delay="0"/>
+                                          </p:stCondLst>
+                                        </p:cTn>
+                                        <p:tgtEl>
+                                          <p:spTgt spid="8">
+                                            <p:txEl>
+                                              <p:pRg st="9" end="9"/>
+                                            </p:txEl>
+                                          </p:spTgt>
+                                        </p:tgtEl>
+                                        <p:attrNameLst>
+                                          <p:attrName>style.visibility</p:attrName>
+                                        </p:attrNameLst>
+                                      </p:cBhvr>
+                                      <p:to>
+                                        <p:strVal val="visible"/>
+                                      </p:to>
+                                    </p:set>
+                                  </p:childTnLst>
+                                </p:cTn>
+                              </p:par>
+                            </p:childTnLst>
+                          </p:cTn>
+                        </p:par>
+                      </p:childTnLst>
+                    </p:cTn>
+                  </p:par>
+                </p:childTnLst>
+              </p:cTn>
+              <p:prevCondLst>
+                <p:cond evt="onPrev" delay="0">
+                  <p:tgtEl>
+                    <p:sldTgt/>
+                  </p:tgtEl>
+                </p:cond>
+              </p:prevCondLst>
+              <p:nextCondLst>
+                <p:cond evt="onNext" delay="0">
+                  <p:tgtEl>
+                    <p:sldTgt/>
+                  </p:tgtEl>
+                </p:cond>
+              </p:nextCondLst>
+            </p:seq>
+          </p:childTnLst>
+        </p:cTn>
+      </p:par>
+    </p:tnLst>
+  </p:timing>
 </p:sld>
 </file>
 
@@ -17717,8 +18929,8 @@
           </a:p>
         </p:txBody>
       </p:sp>
-      <mc:AlternateContent xmlns:mc="http://schemas.openxmlformats.org/markup-compatibility/2006">
-        <mc:Choice xmlns:a14="http://schemas.microsoft.com/office/drawing/2010/main" Requires="a14">
+      <mc:AlternateContent xmlns:mc="http://schemas.openxmlformats.org/markup-compatibility/2006" xmlns:a14="http://schemas.microsoft.com/office/drawing/2010/main">
+        <mc:Choice Requires="a14">
           <p:sp>
             <p:nvSpPr>
               <p:cNvPr id="8" name="Content Placeholder 7">
@@ -18239,7 +19451,7 @@
             </p:txBody>
           </p:sp>
         </mc:Choice>
-        <mc:Fallback>
+        <mc:Fallback xmlns="">
           <p:sp>
             <p:nvSpPr>
               <p:cNvPr id="8" name="Content Placeholder 7">
@@ -18298,6 +19510,214 @@
   <p:clrMapOvr>
     <a:masterClrMapping/>
   </p:clrMapOvr>
+  <p:timing>
+    <p:tnLst>
+      <p:par>
+        <p:cTn id="1" dur="indefinite" restart="never" nodeType="tmRoot">
+          <p:childTnLst>
+            <p:seq concurrent="1" nextAc="seek">
+              <p:cTn id="2" dur="indefinite" nodeType="mainSeq">
+                <p:childTnLst>
+                  <p:par>
+                    <p:cTn id="3" fill="hold">
+                      <p:stCondLst>
+                        <p:cond delay="indefinite"/>
+                      </p:stCondLst>
+                      <p:childTnLst>
+                        <p:par>
+                          <p:cTn id="4" fill="hold">
+                            <p:stCondLst>
+                              <p:cond delay="0"/>
+                            </p:stCondLst>
+                            <p:childTnLst>
+                              <p:par>
+                                <p:cTn id="5" presetID="1" presetClass="entr" presetSubtype="0" fill="hold" nodeType="clickEffect">
+                                  <p:stCondLst>
+                                    <p:cond delay="0"/>
+                                  </p:stCondLst>
+                                  <p:childTnLst>
+                                    <p:set>
+                                      <p:cBhvr>
+                                        <p:cTn id="6" dur="1" fill="hold">
+                                          <p:stCondLst>
+                                            <p:cond delay="0"/>
+                                          </p:stCondLst>
+                                        </p:cTn>
+                                        <p:tgtEl>
+                                          <p:spTgt spid="8">
+                                            <p:txEl>
+                                              <p:pRg st="2" end="2"/>
+                                            </p:txEl>
+                                          </p:spTgt>
+                                        </p:tgtEl>
+                                        <p:attrNameLst>
+                                          <p:attrName>style.visibility</p:attrName>
+                                        </p:attrNameLst>
+                                      </p:cBhvr>
+                                      <p:to>
+                                        <p:strVal val="visible"/>
+                                      </p:to>
+                                    </p:set>
+                                  </p:childTnLst>
+                                </p:cTn>
+                              </p:par>
+                              <p:par>
+                                <p:cTn id="7" presetID="1" presetClass="entr" presetSubtype="0" fill="hold" nodeType="withEffect">
+                                  <p:stCondLst>
+                                    <p:cond delay="0"/>
+                                  </p:stCondLst>
+                                  <p:childTnLst>
+                                    <p:set>
+                                      <p:cBhvr>
+                                        <p:cTn id="8" dur="1" fill="hold">
+                                          <p:stCondLst>
+                                            <p:cond delay="0"/>
+                                          </p:stCondLst>
+                                        </p:cTn>
+                                        <p:tgtEl>
+                                          <p:spTgt spid="8">
+                                            <p:txEl>
+                                              <p:pRg st="3" end="3"/>
+                                            </p:txEl>
+                                          </p:spTgt>
+                                        </p:tgtEl>
+                                        <p:attrNameLst>
+                                          <p:attrName>style.visibility</p:attrName>
+                                        </p:attrNameLst>
+                                      </p:cBhvr>
+                                      <p:to>
+                                        <p:strVal val="visible"/>
+                                      </p:to>
+                                    </p:set>
+                                  </p:childTnLst>
+                                </p:cTn>
+                              </p:par>
+                            </p:childTnLst>
+                          </p:cTn>
+                        </p:par>
+                      </p:childTnLst>
+                    </p:cTn>
+                  </p:par>
+                  <p:par>
+                    <p:cTn id="9" fill="hold">
+                      <p:stCondLst>
+                        <p:cond delay="indefinite"/>
+                      </p:stCondLst>
+                      <p:childTnLst>
+                        <p:par>
+                          <p:cTn id="10" fill="hold">
+                            <p:stCondLst>
+                              <p:cond delay="0"/>
+                            </p:stCondLst>
+                            <p:childTnLst>
+                              <p:par>
+                                <p:cTn id="11" presetID="1" presetClass="entr" presetSubtype="0" fill="hold" nodeType="clickEffect">
+                                  <p:stCondLst>
+                                    <p:cond delay="0"/>
+                                  </p:stCondLst>
+                                  <p:childTnLst>
+                                    <p:set>
+                                      <p:cBhvr>
+                                        <p:cTn id="12" dur="1" fill="hold">
+                                          <p:stCondLst>
+                                            <p:cond delay="0"/>
+                                          </p:stCondLst>
+                                        </p:cTn>
+                                        <p:tgtEl>
+                                          <p:spTgt spid="8">
+                                            <p:txEl>
+                                              <p:pRg st="5" end="5"/>
+                                            </p:txEl>
+                                          </p:spTgt>
+                                        </p:tgtEl>
+                                        <p:attrNameLst>
+                                          <p:attrName>style.visibility</p:attrName>
+                                        </p:attrNameLst>
+                                      </p:cBhvr>
+                                      <p:to>
+                                        <p:strVal val="visible"/>
+                                      </p:to>
+                                    </p:set>
+                                  </p:childTnLst>
+                                </p:cTn>
+                              </p:par>
+                            </p:childTnLst>
+                          </p:cTn>
+                        </p:par>
+                      </p:childTnLst>
+                    </p:cTn>
+                  </p:par>
+                  <p:par>
+                    <p:cTn id="13" fill="hold">
+                      <p:stCondLst>
+                        <p:cond delay="indefinite"/>
+                      </p:stCondLst>
+                      <p:childTnLst>
+                        <p:par>
+                          <p:cTn id="14" fill="hold">
+                            <p:stCondLst>
+                              <p:cond delay="0"/>
+                            </p:stCondLst>
+                            <p:childTnLst>
+                              <p:par>
+                                <p:cTn id="15" presetID="1" presetClass="entr" presetSubtype="0" fill="hold" nodeType="clickEffect">
+                                  <p:stCondLst>
+                                    <p:cond delay="0"/>
+                                  </p:stCondLst>
+                                  <p:childTnLst>
+                                    <p:set>
+                                      <p:cBhvr>
+                                        <p:cTn id="16" dur="1" fill="hold">
+                                          <p:stCondLst>
+                                            <p:cond delay="0"/>
+                                          </p:stCondLst>
+                                        </p:cTn>
+                                        <p:tgtEl>
+                                          <p:spTgt spid="8">
+                                            <p:txEl>
+                                              <p:pRg st="8" end="8"/>
+                                            </p:txEl>
+                                          </p:spTgt>
+                                        </p:tgtEl>
+                                        <p:attrNameLst>
+                                          <p:attrName>style.visibility</p:attrName>
+                                        </p:attrNameLst>
+                                      </p:cBhvr>
+                                      <p:to>
+                                        <p:strVal val="visible"/>
+                                      </p:to>
+                                    </p:set>
+                                  </p:childTnLst>
+                                </p:cTn>
+                              </p:par>
+                            </p:childTnLst>
+                          </p:cTn>
+                        </p:par>
+                      </p:childTnLst>
+                    </p:cTn>
+                  </p:par>
+                </p:childTnLst>
+              </p:cTn>
+              <p:prevCondLst>
+                <p:cond evt="onPrev" delay="0">
+                  <p:tgtEl>
+                    <p:sldTgt/>
+                  </p:tgtEl>
+                </p:cond>
+              </p:prevCondLst>
+              <p:nextCondLst>
+                <p:cond evt="onNext" delay="0">
+                  <p:tgtEl>
+                    <p:sldTgt/>
+                  </p:tgtEl>
+                </p:cond>
+              </p:nextCondLst>
+            </p:seq>
+          </p:childTnLst>
+        </p:cTn>
+      </p:par>
+    </p:tnLst>
+  </p:timing>
 </p:sld>
 </file>
 
@@ -18630,8 +20050,8 @@
           </a:p>
         </p:txBody>
       </p:sp>
-      <mc:AlternateContent xmlns:mc="http://schemas.openxmlformats.org/markup-compatibility/2006" xmlns:a14="http://schemas.microsoft.com/office/drawing/2010/main">
-        <mc:Choice Requires="a14">
+      <mc:AlternateContent xmlns:mc="http://schemas.openxmlformats.org/markup-compatibility/2006">
+        <mc:Choice xmlns:a14="http://schemas.microsoft.com/office/drawing/2010/main" Requires="a14">
           <p:sp>
             <p:nvSpPr>
               <p:cNvPr id="8" name="Content Placeholder 7">
@@ -18775,7 +20195,21 @@
               <a:p>
                 <a:r>
                   <a:rPr lang="da-DK" dirty="0"/>
-                  <a:t>For Gaussian Processes, we use the kernel output as a similarity measure (which is a scalar) between the y’s, and to compute it we use their respective </a:t>
+                  <a:t>For Gaussian Processes, we use the kernel output as a similarity measure (which is a scalar) between the </a:t>
+                </a:r>
+                <a14:m>
+                  <m:oMath xmlns:m="http://schemas.openxmlformats.org/officeDocument/2006/math">
+                    <m:r>
+                      <a:rPr lang="da-DK" i="1" dirty="0" smtClean="0">
+                        <a:latin typeface="Cambria Math" panose="02040503050406030204" pitchFamily="18" charset="0"/>
+                      </a:rPr>
+                      <m:t>𝑦</m:t>
+                    </m:r>
+                  </m:oMath>
+                </a14:m>
+                <a:r>
+                  <a:rPr lang="da-DK" dirty="0"/>
+                  <a:t>’s, and to compute it we use their respective </a:t>
                 </a:r>
                 <a14:m>
                   <m:oMath xmlns:m="http://schemas.openxmlformats.org/officeDocument/2006/math">
@@ -18927,7 +20361,7 @@
             </p:txBody>
           </p:sp>
         </mc:Choice>
-        <mc:Fallback xmlns="">
+        <mc:Fallback>
           <p:sp>
             <p:nvSpPr>
               <p:cNvPr id="8" name="Content Placeholder 7">
@@ -18986,6 +20420,361 @@
   <p:clrMapOvr>
     <a:masterClrMapping/>
   </p:clrMapOvr>
+  <p:timing>
+    <p:tnLst>
+      <p:par>
+        <p:cTn id="1" dur="indefinite" restart="never" nodeType="tmRoot">
+          <p:childTnLst>
+            <p:seq concurrent="1" nextAc="seek">
+              <p:cTn id="2" dur="indefinite" nodeType="mainSeq">
+                <p:childTnLst>
+                  <p:par>
+                    <p:cTn id="3" fill="hold">
+                      <p:stCondLst>
+                        <p:cond delay="indefinite"/>
+                      </p:stCondLst>
+                      <p:childTnLst>
+                        <p:par>
+                          <p:cTn id="4" fill="hold">
+                            <p:stCondLst>
+                              <p:cond delay="0"/>
+                            </p:stCondLst>
+                            <p:childTnLst>
+                              <p:par>
+                                <p:cTn id="5" presetID="1" presetClass="entr" presetSubtype="0" fill="hold" nodeType="clickEffect">
+                                  <p:stCondLst>
+                                    <p:cond delay="0"/>
+                                  </p:stCondLst>
+                                  <p:childTnLst>
+                                    <p:set>
+                                      <p:cBhvr>
+                                        <p:cTn id="6" dur="1" fill="hold">
+                                          <p:stCondLst>
+                                            <p:cond delay="0"/>
+                                          </p:stCondLst>
+                                        </p:cTn>
+                                        <p:tgtEl>
+                                          <p:spTgt spid="8">
+                                            <p:txEl>
+                                              <p:pRg st="3" end="3"/>
+                                            </p:txEl>
+                                          </p:spTgt>
+                                        </p:tgtEl>
+                                        <p:attrNameLst>
+                                          <p:attrName>style.visibility</p:attrName>
+                                        </p:attrNameLst>
+                                      </p:cBhvr>
+                                      <p:to>
+                                        <p:strVal val="visible"/>
+                                      </p:to>
+                                    </p:set>
+                                  </p:childTnLst>
+                                </p:cTn>
+                              </p:par>
+                              <p:par>
+                                <p:cTn id="7" presetID="1" presetClass="entr" presetSubtype="0" fill="hold" nodeType="withEffect">
+                                  <p:stCondLst>
+                                    <p:cond delay="0"/>
+                                  </p:stCondLst>
+                                  <p:childTnLst>
+                                    <p:set>
+                                      <p:cBhvr>
+                                        <p:cTn id="8" dur="1" fill="hold">
+                                          <p:stCondLst>
+                                            <p:cond delay="0"/>
+                                          </p:stCondLst>
+                                        </p:cTn>
+                                        <p:tgtEl>
+                                          <p:spTgt spid="8">
+                                            <p:txEl>
+                                              <p:pRg st="4" end="4"/>
+                                            </p:txEl>
+                                          </p:spTgt>
+                                        </p:tgtEl>
+                                        <p:attrNameLst>
+                                          <p:attrName>style.visibility</p:attrName>
+                                        </p:attrNameLst>
+                                      </p:cBhvr>
+                                      <p:to>
+                                        <p:strVal val="visible"/>
+                                      </p:to>
+                                    </p:set>
+                                  </p:childTnLst>
+                                </p:cTn>
+                              </p:par>
+                            </p:childTnLst>
+                          </p:cTn>
+                        </p:par>
+                      </p:childTnLst>
+                    </p:cTn>
+                  </p:par>
+                  <p:par>
+                    <p:cTn id="9" fill="hold">
+                      <p:stCondLst>
+                        <p:cond delay="indefinite"/>
+                      </p:stCondLst>
+                      <p:childTnLst>
+                        <p:par>
+                          <p:cTn id="10" fill="hold">
+                            <p:stCondLst>
+                              <p:cond delay="0"/>
+                            </p:stCondLst>
+                            <p:childTnLst>
+                              <p:par>
+                                <p:cTn id="11" presetID="1" presetClass="entr" presetSubtype="0" fill="hold" nodeType="clickEffect">
+                                  <p:stCondLst>
+                                    <p:cond delay="0"/>
+                                  </p:stCondLst>
+                                  <p:childTnLst>
+                                    <p:set>
+                                      <p:cBhvr>
+                                        <p:cTn id="12" dur="1" fill="hold">
+                                          <p:stCondLst>
+                                            <p:cond delay="0"/>
+                                          </p:stCondLst>
+                                        </p:cTn>
+                                        <p:tgtEl>
+                                          <p:spTgt spid="8">
+                                            <p:txEl>
+                                              <p:pRg st="7" end="7"/>
+                                            </p:txEl>
+                                          </p:spTgt>
+                                        </p:tgtEl>
+                                        <p:attrNameLst>
+                                          <p:attrName>style.visibility</p:attrName>
+                                        </p:attrNameLst>
+                                      </p:cBhvr>
+                                      <p:to>
+                                        <p:strVal val="visible"/>
+                                      </p:to>
+                                    </p:set>
+                                  </p:childTnLst>
+                                </p:cTn>
+                              </p:par>
+                            </p:childTnLst>
+                          </p:cTn>
+                        </p:par>
+                      </p:childTnLst>
+                    </p:cTn>
+                  </p:par>
+                  <p:par>
+                    <p:cTn id="13" fill="hold">
+                      <p:stCondLst>
+                        <p:cond delay="indefinite"/>
+                      </p:stCondLst>
+                      <p:childTnLst>
+                        <p:par>
+                          <p:cTn id="14" fill="hold">
+                            <p:stCondLst>
+                              <p:cond delay="0"/>
+                            </p:stCondLst>
+                            <p:childTnLst>
+                              <p:par>
+                                <p:cTn id="15" presetID="1" presetClass="entr" presetSubtype="0" fill="hold" nodeType="clickEffect">
+                                  <p:stCondLst>
+                                    <p:cond delay="0"/>
+                                  </p:stCondLst>
+                                  <p:childTnLst>
+                                    <p:set>
+                                      <p:cBhvr>
+                                        <p:cTn id="16" dur="1" fill="hold">
+                                          <p:stCondLst>
+                                            <p:cond delay="0"/>
+                                          </p:stCondLst>
+                                        </p:cTn>
+                                        <p:tgtEl>
+                                          <p:spTgt spid="8">
+                                            <p:txEl>
+                                              <p:pRg st="8" end="8"/>
+                                            </p:txEl>
+                                          </p:spTgt>
+                                        </p:tgtEl>
+                                        <p:attrNameLst>
+                                          <p:attrName>style.visibility</p:attrName>
+                                        </p:attrNameLst>
+                                      </p:cBhvr>
+                                      <p:to>
+                                        <p:strVal val="visible"/>
+                                      </p:to>
+                                    </p:set>
+                                  </p:childTnLst>
+                                </p:cTn>
+                              </p:par>
+                            </p:childTnLst>
+                          </p:cTn>
+                        </p:par>
+                      </p:childTnLst>
+                    </p:cTn>
+                  </p:par>
+                  <p:par>
+                    <p:cTn id="17" fill="hold">
+                      <p:stCondLst>
+                        <p:cond delay="indefinite"/>
+                      </p:stCondLst>
+                      <p:childTnLst>
+                        <p:par>
+                          <p:cTn id="18" fill="hold">
+                            <p:stCondLst>
+                              <p:cond delay="0"/>
+                            </p:stCondLst>
+                            <p:childTnLst>
+                              <p:par>
+                                <p:cTn id="19" presetID="1" presetClass="entr" presetSubtype="0" fill="hold" nodeType="clickEffect">
+                                  <p:stCondLst>
+                                    <p:cond delay="0"/>
+                                  </p:stCondLst>
+                                  <p:childTnLst>
+                                    <p:set>
+                                      <p:cBhvr>
+                                        <p:cTn id="20" dur="1" fill="hold">
+                                          <p:stCondLst>
+                                            <p:cond delay="0"/>
+                                          </p:stCondLst>
+                                        </p:cTn>
+                                        <p:tgtEl>
+                                          <p:spTgt spid="8">
+                                            <p:txEl>
+                                              <p:pRg st="9" end="9"/>
+                                            </p:txEl>
+                                          </p:spTgt>
+                                        </p:tgtEl>
+                                        <p:attrNameLst>
+                                          <p:attrName>style.visibility</p:attrName>
+                                        </p:attrNameLst>
+                                      </p:cBhvr>
+                                      <p:to>
+                                        <p:strVal val="visible"/>
+                                      </p:to>
+                                    </p:set>
+                                  </p:childTnLst>
+                                </p:cTn>
+                              </p:par>
+                            </p:childTnLst>
+                          </p:cTn>
+                        </p:par>
+                      </p:childTnLst>
+                    </p:cTn>
+                  </p:par>
+                  <p:par>
+                    <p:cTn id="21" fill="hold">
+                      <p:stCondLst>
+                        <p:cond delay="indefinite"/>
+                      </p:stCondLst>
+                      <p:childTnLst>
+                        <p:par>
+                          <p:cTn id="22" fill="hold">
+                            <p:stCondLst>
+                              <p:cond delay="0"/>
+                            </p:stCondLst>
+                            <p:childTnLst>
+                              <p:par>
+                                <p:cTn id="23" presetID="1" presetClass="entr" presetSubtype="0" fill="hold" nodeType="clickEffect">
+                                  <p:stCondLst>
+                                    <p:cond delay="0"/>
+                                  </p:stCondLst>
+                                  <p:childTnLst>
+                                    <p:set>
+                                      <p:cBhvr>
+                                        <p:cTn id="24" dur="1" fill="hold">
+                                          <p:stCondLst>
+                                            <p:cond delay="0"/>
+                                          </p:stCondLst>
+                                        </p:cTn>
+                                        <p:tgtEl>
+                                          <p:spTgt spid="8">
+                                            <p:txEl>
+                                              <p:pRg st="10" end="10"/>
+                                            </p:txEl>
+                                          </p:spTgt>
+                                        </p:tgtEl>
+                                        <p:attrNameLst>
+                                          <p:attrName>style.visibility</p:attrName>
+                                        </p:attrNameLst>
+                                      </p:cBhvr>
+                                      <p:to>
+                                        <p:strVal val="visible"/>
+                                      </p:to>
+                                    </p:set>
+                                  </p:childTnLst>
+                                </p:cTn>
+                              </p:par>
+                            </p:childTnLst>
+                          </p:cTn>
+                        </p:par>
+                      </p:childTnLst>
+                    </p:cTn>
+                  </p:par>
+                  <p:par>
+                    <p:cTn id="25" fill="hold">
+                      <p:stCondLst>
+                        <p:cond delay="indefinite"/>
+                      </p:stCondLst>
+                      <p:childTnLst>
+                        <p:par>
+                          <p:cTn id="26" fill="hold">
+                            <p:stCondLst>
+                              <p:cond delay="0"/>
+                            </p:stCondLst>
+                            <p:childTnLst>
+                              <p:par>
+                                <p:cTn id="27" presetID="1" presetClass="entr" presetSubtype="0" fill="hold" nodeType="clickEffect">
+                                  <p:stCondLst>
+                                    <p:cond delay="0"/>
+                                  </p:stCondLst>
+                                  <p:childTnLst>
+                                    <p:set>
+                                      <p:cBhvr>
+                                        <p:cTn id="28" dur="1" fill="hold">
+                                          <p:stCondLst>
+                                            <p:cond delay="0"/>
+                                          </p:stCondLst>
+                                        </p:cTn>
+                                        <p:tgtEl>
+                                          <p:spTgt spid="8">
+                                            <p:txEl>
+                                              <p:pRg st="11" end="11"/>
+                                            </p:txEl>
+                                          </p:spTgt>
+                                        </p:tgtEl>
+                                        <p:attrNameLst>
+                                          <p:attrName>style.visibility</p:attrName>
+                                        </p:attrNameLst>
+                                      </p:cBhvr>
+                                      <p:to>
+                                        <p:strVal val="visible"/>
+                                      </p:to>
+                                    </p:set>
+                                  </p:childTnLst>
+                                </p:cTn>
+                              </p:par>
+                            </p:childTnLst>
+                          </p:cTn>
+                        </p:par>
+                      </p:childTnLst>
+                    </p:cTn>
+                  </p:par>
+                </p:childTnLst>
+              </p:cTn>
+              <p:prevCondLst>
+                <p:cond evt="onPrev" delay="0">
+                  <p:tgtEl>
+                    <p:sldTgt/>
+                  </p:tgtEl>
+                </p:cond>
+              </p:prevCondLst>
+              <p:nextCondLst>
+                <p:cond evt="onNext" delay="0">
+                  <p:tgtEl>
+                    <p:sldTgt/>
+                  </p:tgtEl>
+                </p:cond>
+              </p:nextCondLst>
+            </p:seq>
+          </p:childTnLst>
+        </p:cTn>
+      </p:par>
+    </p:tnLst>
+  </p:timing>
 </p:sld>
 </file>
 
@@ -19318,8 +21107,8 @@
           </a:p>
         </p:txBody>
       </p:sp>
-      <mc:AlternateContent xmlns:mc="http://schemas.openxmlformats.org/markup-compatibility/2006" xmlns:a14="http://schemas.microsoft.com/office/drawing/2010/main">
-        <mc:Choice Requires="a14">
+      <mc:AlternateContent xmlns:mc="http://schemas.openxmlformats.org/markup-compatibility/2006">
+        <mc:Choice xmlns:a14="http://schemas.microsoft.com/office/drawing/2010/main" Requires="a14">
           <p:sp>
             <p:nvSpPr>
               <p:cNvPr id="8" name="Content Placeholder 7">
@@ -20100,8 +21889,12 @@
                   <a:t>Looking at the formula, you can see how this function states that the </a:t>
                 </a:r>
                 <a:r>
+                  <a:rPr lang="en-US" b="1" dirty="0"/>
+                  <a:t>closer</a:t>
+                </a:r>
+                <a:r>
                   <a:rPr lang="en-US" dirty="0"/>
-                  <a:t>closer the </a:t>
+                  <a:t> the </a:t>
                 </a:r>
                 <a14:m>
                   <m:oMath xmlns:m="http://schemas.openxmlformats.org/officeDocument/2006/math">
@@ -20115,7 +21908,15 @@
                 </a14:m>
                 <a:r>
                   <a:rPr lang="en-US" dirty="0"/>
-                  <a:t>’s, the higher is the correlation between the </a:t>
+                  <a:t>’s, the </a:t>
+                </a:r>
+                <a:r>
+                  <a:rPr lang="en-US" b="1" dirty="0"/>
+                  <a:t>higher</a:t>
+                </a:r>
+                <a:r>
+                  <a:rPr lang="en-US" dirty="0"/>
+                  <a:t> is the correlation between the </a:t>
                 </a:r>
                 <a14:m>
                   <m:oMath xmlns:m="http://schemas.openxmlformats.org/officeDocument/2006/math">
@@ -20141,7 +21942,7 @@
             </p:txBody>
           </p:sp>
         </mc:Choice>
-        <mc:Fallback xmlns="">
+        <mc:Fallback>
           <p:sp>
             <p:nvSpPr>
               <p:cNvPr id="8" name="Content Placeholder 7">
@@ -20200,6 +22001,276 @@
   <p:clrMapOvr>
     <a:masterClrMapping/>
   </p:clrMapOvr>
+  <p:timing>
+    <p:tnLst>
+      <p:par>
+        <p:cTn id="1" dur="indefinite" restart="never" nodeType="tmRoot">
+          <p:childTnLst>
+            <p:seq concurrent="1" nextAc="seek">
+              <p:cTn id="2" dur="indefinite" nodeType="mainSeq">
+                <p:childTnLst>
+                  <p:par>
+                    <p:cTn id="3" fill="hold">
+                      <p:stCondLst>
+                        <p:cond delay="indefinite"/>
+                      </p:stCondLst>
+                      <p:childTnLst>
+                        <p:par>
+                          <p:cTn id="4" fill="hold">
+                            <p:stCondLst>
+                              <p:cond delay="0"/>
+                            </p:stCondLst>
+                            <p:childTnLst>
+                              <p:par>
+                                <p:cTn id="5" presetID="1" presetClass="entr" presetSubtype="0" fill="hold" nodeType="clickEffect">
+                                  <p:stCondLst>
+                                    <p:cond delay="0"/>
+                                  </p:stCondLst>
+                                  <p:childTnLst>
+                                    <p:set>
+                                      <p:cBhvr>
+                                        <p:cTn id="6" dur="1" fill="hold">
+                                          <p:stCondLst>
+                                            <p:cond delay="0"/>
+                                          </p:stCondLst>
+                                        </p:cTn>
+                                        <p:tgtEl>
+                                          <p:spTgt spid="8">
+                                            <p:txEl>
+                                              <p:pRg st="3" end="3"/>
+                                            </p:txEl>
+                                          </p:spTgt>
+                                        </p:tgtEl>
+                                        <p:attrNameLst>
+                                          <p:attrName>style.visibility</p:attrName>
+                                        </p:attrNameLst>
+                                      </p:cBhvr>
+                                      <p:to>
+                                        <p:strVal val="visible"/>
+                                      </p:to>
+                                    </p:set>
+                                  </p:childTnLst>
+                                </p:cTn>
+                              </p:par>
+                            </p:childTnLst>
+                          </p:cTn>
+                        </p:par>
+                      </p:childTnLst>
+                    </p:cTn>
+                  </p:par>
+                  <p:par>
+                    <p:cTn id="7" fill="hold">
+                      <p:stCondLst>
+                        <p:cond delay="indefinite"/>
+                      </p:stCondLst>
+                      <p:childTnLst>
+                        <p:par>
+                          <p:cTn id="8" fill="hold">
+                            <p:stCondLst>
+                              <p:cond delay="0"/>
+                            </p:stCondLst>
+                            <p:childTnLst>
+                              <p:par>
+                                <p:cTn id="9" presetID="1" presetClass="entr" presetSubtype="0" fill="hold" nodeType="clickEffect">
+                                  <p:stCondLst>
+                                    <p:cond delay="0"/>
+                                  </p:stCondLst>
+                                  <p:childTnLst>
+                                    <p:set>
+                                      <p:cBhvr>
+                                        <p:cTn id="10" dur="1" fill="hold">
+                                          <p:stCondLst>
+                                            <p:cond delay="0"/>
+                                          </p:stCondLst>
+                                        </p:cTn>
+                                        <p:tgtEl>
+                                          <p:spTgt spid="8">
+                                            <p:txEl>
+                                              <p:pRg st="5" end="5"/>
+                                            </p:txEl>
+                                          </p:spTgt>
+                                        </p:tgtEl>
+                                        <p:attrNameLst>
+                                          <p:attrName>style.visibility</p:attrName>
+                                        </p:attrNameLst>
+                                      </p:cBhvr>
+                                      <p:to>
+                                        <p:strVal val="visible"/>
+                                      </p:to>
+                                    </p:set>
+                                  </p:childTnLst>
+                                </p:cTn>
+                              </p:par>
+                              <p:par>
+                                <p:cTn id="11" presetID="1" presetClass="entr" presetSubtype="0" fill="hold" nodeType="withEffect">
+                                  <p:stCondLst>
+                                    <p:cond delay="0"/>
+                                  </p:stCondLst>
+                                  <p:childTnLst>
+                                    <p:set>
+                                      <p:cBhvr>
+                                        <p:cTn id="12" dur="1" fill="hold">
+                                          <p:stCondLst>
+                                            <p:cond delay="0"/>
+                                          </p:stCondLst>
+                                        </p:cTn>
+                                        <p:tgtEl>
+                                          <p:spTgt spid="8">
+                                            <p:txEl>
+                                              <p:pRg st="6" end="6"/>
+                                            </p:txEl>
+                                          </p:spTgt>
+                                        </p:tgtEl>
+                                        <p:attrNameLst>
+                                          <p:attrName>style.visibility</p:attrName>
+                                        </p:attrNameLst>
+                                      </p:cBhvr>
+                                      <p:to>
+                                        <p:strVal val="visible"/>
+                                      </p:to>
+                                    </p:set>
+                                  </p:childTnLst>
+                                </p:cTn>
+                              </p:par>
+                              <p:par>
+                                <p:cTn id="13" presetID="1" presetClass="entr" presetSubtype="0" fill="hold" nodeType="withEffect">
+                                  <p:stCondLst>
+                                    <p:cond delay="0"/>
+                                  </p:stCondLst>
+                                  <p:childTnLst>
+                                    <p:set>
+                                      <p:cBhvr>
+                                        <p:cTn id="14" dur="1" fill="hold">
+                                          <p:stCondLst>
+                                            <p:cond delay="0"/>
+                                          </p:stCondLst>
+                                        </p:cTn>
+                                        <p:tgtEl>
+                                          <p:spTgt spid="8">
+                                            <p:txEl>
+                                              <p:pRg st="7" end="7"/>
+                                            </p:txEl>
+                                          </p:spTgt>
+                                        </p:tgtEl>
+                                        <p:attrNameLst>
+                                          <p:attrName>style.visibility</p:attrName>
+                                        </p:attrNameLst>
+                                      </p:cBhvr>
+                                      <p:to>
+                                        <p:strVal val="visible"/>
+                                      </p:to>
+                                    </p:set>
+                                  </p:childTnLst>
+                                </p:cTn>
+                              </p:par>
+                              <p:par>
+                                <p:cTn id="15" presetID="1" presetClass="entr" presetSubtype="0" fill="hold" nodeType="withEffect">
+                                  <p:stCondLst>
+                                    <p:cond delay="0"/>
+                                  </p:stCondLst>
+                                  <p:childTnLst>
+                                    <p:set>
+                                      <p:cBhvr>
+                                        <p:cTn id="16" dur="1" fill="hold">
+                                          <p:stCondLst>
+                                            <p:cond delay="0"/>
+                                          </p:stCondLst>
+                                        </p:cTn>
+                                        <p:tgtEl>
+                                          <p:spTgt spid="8">
+                                            <p:txEl>
+                                              <p:pRg st="8" end="8"/>
+                                            </p:txEl>
+                                          </p:spTgt>
+                                        </p:tgtEl>
+                                        <p:attrNameLst>
+                                          <p:attrName>style.visibility</p:attrName>
+                                        </p:attrNameLst>
+                                      </p:cBhvr>
+                                      <p:to>
+                                        <p:strVal val="visible"/>
+                                      </p:to>
+                                    </p:set>
+                                  </p:childTnLst>
+                                </p:cTn>
+                              </p:par>
+                            </p:childTnLst>
+                          </p:cTn>
+                        </p:par>
+                      </p:childTnLst>
+                    </p:cTn>
+                  </p:par>
+                  <p:par>
+                    <p:cTn id="17" fill="hold">
+                      <p:stCondLst>
+                        <p:cond delay="indefinite"/>
+                      </p:stCondLst>
+                      <p:childTnLst>
+                        <p:par>
+                          <p:cTn id="18" fill="hold">
+                            <p:stCondLst>
+                              <p:cond delay="0"/>
+                            </p:stCondLst>
+                            <p:childTnLst>
+                              <p:par>
+                                <p:cTn id="19" presetID="1" presetClass="entr" presetSubtype="0" fill="hold" nodeType="clickEffect">
+                                  <p:stCondLst>
+                                    <p:cond delay="0"/>
+                                  </p:stCondLst>
+                                  <p:childTnLst>
+                                    <p:set>
+                                      <p:cBhvr>
+                                        <p:cTn id="20" dur="1" fill="hold">
+                                          <p:stCondLst>
+                                            <p:cond delay="0"/>
+                                          </p:stCondLst>
+                                        </p:cTn>
+                                        <p:tgtEl>
+                                          <p:spTgt spid="8">
+                                            <p:txEl>
+                                              <p:pRg st="10" end="10"/>
+                                            </p:txEl>
+                                          </p:spTgt>
+                                        </p:tgtEl>
+                                        <p:attrNameLst>
+                                          <p:attrName>style.visibility</p:attrName>
+                                        </p:attrNameLst>
+                                      </p:cBhvr>
+                                      <p:to>
+                                        <p:strVal val="visible"/>
+                                      </p:to>
+                                    </p:set>
+                                  </p:childTnLst>
+                                </p:cTn>
+                              </p:par>
+                            </p:childTnLst>
+                          </p:cTn>
+                        </p:par>
+                      </p:childTnLst>
+                    </p:cTn>
+                  </p:par>
+                </p:childTnLst>
+              </p:cTn>
+              <p:prevCondLst>
+                <p:cond evt="onPrev" delay="0">
+                  <p:tgtEl>
+                    <p:sldTgt/>
+                  </p:tgtEl>
+                </p:cond>
+              </p:prevCondLst>
+              <p:nextCondLst>
+                <p:cond evt="onNext" delay="0">
+                  <p:tgtEl>
+                    <p:sldTgt/>
+                  </p:tgtEl>
+                </p:cond>
+              </p:nextCondLst>
+            </p:seq>
+          </p:childTnLst>
+        </p:cTn>
+      </p:par>
+    </p:tnLst>
+  </p:timing>
 </p:sld>
 </file>
 
@@ -20708,6 +22779,116 @@
   <p:clrMapOvr>
     <a:masterClrMapping/>
   </p:clrMapOvr>
+  <p:timing>
+    <p:tnLst>
+      <p:par>
+        <p:cTn id="1" dur="indefinite" restart="never" nodeType="tmRoot">
+          <p:childTnLst>
+            <p:seq concurrent="1" nextAc="seek">
+              <p:cTn id="2" dur="indefinite" nodeType="mainSeq">
+                <p:childTnLst>
+                  <p:par>
+                    <p:cTn id="3" fill="hold">
+                      <p:stCondLst>
+                        <p:cond delay="indefinite"/>
+                      </p:stCondLst>
+                      <p:childTnLst>
+                        <p:par>
+                          <p:cTn id="4" fill="hold">
+                            <p:stCondLst>
+                              <p:cond delay="0"/>
+                            </p:stCondLst>
+                            <p:childTnLst>
+                              <p:par>
+                                <p:cTn id="5" presetID="1" presetClass="entr" presetSubtype="0" fill="hold" nodeType="clickEffect">
+                                  <p:stCondLst>
+                                    <p:cond delay="0"/>
+                                  </p:stCondLst>
+                                  <p:childTnLst>
+                                    <p:set>
+                                      <p:cBhvr>
+                                        <p:cTn id="6" dur="1" fill="hold">
+                                          <p:stCondLst>
+                                            <p:cond delay="0"/>
+                                          </p:stCondLst>
+                                        </p:cTn>
+                                        <p:tgtEl>
+                                          <p:spTgt spid="8">
+                                            <p:txEl>
+                                              <p:pRg st="11" end="11"/>
+                                            </p:txEl>
+                                          </p:spTgt>
+                                        </p:tgtEl>
+                                        <p:attrNameLst>
+                                          <p:attrName>style.visibility</p:attrName>
+                                        </p:attrNameLst>
+                                      </p:cBhvr>
+                                      <p:to>
+                                        <p:strVal val="visible"/>
+                                      </p:to>
+                                    </p:set>
+                                  </p:childTnLst>
+                                </p:cTn>
+                              </p:par>
+                              <p:par>
+                                <p:cTn id="7" presetID="1" presetClass="entr" presetSubtype="0" fill="hold" nodeType="withEffect">
+                                  <p:stCondLst>
+                                    <p:cond delay="0"/>
+                                  </p:stCondLst>
+                                  <p:childTnLst>
+                                    <p:set>
+                                      <p:cBhvr>
+                                        <p:cTn id="8" dur="1" fill="hold">
+                                          <p:stCondLst>
+                                            <p:cond delay="0"/>
+                                          </p:stCondLst>
+                                        </p:cTn>
+                                        <p:tgtEl>
+                                          <p:spTgt spid="8">
+                                            <p:txEl>
+                                              <p:pRg st="12" end="12"/>
+                                            </p:txEl>
+                                          </p:spTgt>
+                                        </p:tgtEl>
+                                        <p:attrNameLst>
+                                          <p:attrName>style.visibility</p:attrName>
+                                        </p:attrNameLst>
+                                      </p:cBhvr>
+                                      <p:to>
+                                        <p:strVal val="visible"/>
+                                      </p:to>
+                                    </p:set>
+                                  </p:childTnLst>
+                                </p:cTn>
+                              </p:par>
+                            </p:childTnLst>
+                          </p:cTn>
+                        </p:par>
+                      </p:childTnLst>
+                    </p:cTn>
+                  </p:par>
+                </p:childTnLst>
+              </p:cTn>
+              <p:prevCondLst>
+                <p:cond evt="onPrev" delay="0">
+                  <p:tgtEl>
+                    <p:sldTgt/>
+                  </p:tgtEl>
+                </p:cond>
+              </p:prevCondLst>
+              <p:nextCondLst>
+                <p:cond evt="onNext" delay="0">
+                  <p:tgtEl>
+                    <p:sldTgt/>
+                  </p:tgtEl>
+                </p:cond>
+              </p:nextCondLst>
+            </p:seq>
+          </p:childTnLst>
+        </p:cTn>
+      </p:par>
+    </p:tnLst>
+  </p:timing>
 </p:sld>
 </file>
 
@@ -21040,8 +23221,8 @@
           </a:p>
         </p:txBody>
       </p:sp>
-      <mc:AlternateContent xmlns:mc="http://schemas.openxmlformats.org/markup-compatibility/2006">
-        <mc:Choice xmlns:a14="http://schemas.microsoft.com/office/drawing/2010/main" Requires="a14">
+      <mc:AlternateContent xmlns:mc="http://schemas.openxmlformats.org/markup-compatibility/2006" xmlns:a14="http://schemas.microsoft.com/office/drawing/2010/main">
+        <mc:Choice Requires="a14">
           <p:sp>
             <p:nvSpPr>
               <p:cNvPr id="8" name="Content Placeholder 7">
@@ -21479,7 +23660,7 @@
             </p:txBody>
           </p:sp>
         </mc:Choice>
-        <mc:Fallback>
+        <mc:Fallback xmlns="">
           <p:sp>
             <p:nvSpPr>
               <p:cNvPr id="8" name="Content Placeholder 7">
@@ -21538,6 +23719,374 @@
   <p:clrMapOvr>
     <a:masterClrMapping/>
   </p:clrMapOvr>
+  <p:timing>
+    <p:tnLst>
+      <p:par>
+        <p:cTn id="1" dur="indefinite" restart="never" nodeType="tmRoot">
+          <p:childTnLst>
+            <p:seq concurrent="1" nextAc="seek">
+              <p:cTn id="2" dur="indefinite" nodeType="mainSeq">
+                <p:childTnLst>
+                  <p:par>
+                    <p:cTn id="3" fill="hold">
+                      <p:stCondLst>
+                        <p:cond delay="indefinite"/>
+                      </p:stCondLst>
+                      <p:childTnLst>
+                        <p:par>
+                          <p:cTn id="4" fill="hold">
+                            <p:stCondLst>
+                              <p:cond delay="0"/>
+                            </p:stCondLst>
+                            <p:childTnLst>
+                              <p:par>
+                                <p:cTn id="5" presetID="1" presetClass="entr" presetSubtype="0" fill="hold" nodeType="clickEffect">
+                                  <p:stCondLst>
+                                    <p:cond delay="0"/>
+                                  </p:stCondLst>
+                                  <p:childTnLst>
+                                    <p:set>
+                                      <p:cBhvr>
+                                        <p:cTn id="6" dur="1" fill="hold">
+                                          <p:stCondLst>
+                                            <p:cond delay="0"/>
+                                          </p:stCondLst>
+                                        </p:cTn>
+                                        <p:tgtEl>
+                                          <p:spTgt spid="8">
+                                            <p:txEl>
+                                              <p:pRg st="2" end="2"/>
+                                            </p:txEl>
+                                          </p:spTgt>
+                                        </p:tgtEl>
+                                        <p:attrNameLst>
+                                          <p:attrName>style.visibility</p:attrName>
+                                        </p:attrNameLst>
+                                      </p:cBhvr>
+                                      <p:to>
+                                        <p:strVal val="visible"/>
+                                      </p:to>
+                                    </p:set>
+                                  </p:childTnLst>
+                                </p:cTn>
+                              </p:par>
+                              <p:par>
+                                <p:cTn id="7" presetID="1" presetClass="entr" presetSubtype="0" fill="hold" nodeType="withEffect">
+                                  <p:stCondLst>
+                                    <p:cond delay="0"/>
+                                  </p:stCondLst>
+                                  <p:childTnLst>
+                                    <p:set>
+                                      <p:cBhvr>
+                                        <p:cTn id="8" dur="1" fill="hold">
+                                          <p:stCondLst>
+                                            <p:cond delay="0"/>
+                                          </p:stCondLst>
+                                        </p:cTn>
+                                        <p:tgtEl>
+                                          <p:spTgt spid="8">
+                                            <p:txEl>
+                                              <p:pRg st="3" end="3"/>
+                                            </p:txEl>
+                                          </p:spTgt>
+                                        </p:tgtEl>
+                                        <p:attrNameLst>
+                                          <p:attrName>style.visibility</p:attrName>
+                                        </p:attrNameLst>
+                                      </p:cBhvr>
+                                      <p:to>
+                                        <p:strVal val="visible"/>
+                                      </p:to>
+                                    </p:set>
+                                  </p:childTnLst>
+                                </p:cTn>
+                              </p:par>
+                            </p:childTnLst>
+                          </p:cTn>
+                        </p:par>
+                      </p:childTnLst>
+                    </p:cTn>
+                  </p:par>
+                  <p:par>
+                    <p:cTn id="9" fill="hold">
+                      <p:stCondLst>
+                        <p:cond delay="indefinite"/>
+                      </p:stCondLst>
+                      <p:childTnLst>
+                        <p:par>
+                          <p:cTn id="10" fill="hold">
+                            <p:stCondLst>
+                              <p:cond delay="0"/>
+                            </p:stCondLst>
+                            <p:childTnLst>
+                              <p:par>
+                                <p:cTn id="11" presetID="1" presetClass="entr" presetSubtype="0" fill="hold" nodeType="clickEffect">
+                                  <p:stCondLst>
+                                    <p:cond delay="0"/>
+                                  </p:stCondLst>
+                                  <p:childTnLst>
+                                    <p:set>
+                                      <p:cBhvr>
+                                        <p:cTn id="12" dur="1" fill="hold">
+                                          <p:stCondLst>
+                                            <p:cond delay="0"/>
+                                          </p:stCondLst>
+                                        </p:cTn>
+                                        <p:tgtEl>
+                                          <p:spTgt spid="8">
+                                            <p:txEl>
+                                              <p:pRg st="5" end="5"/>
+                                            </p:txEl>
+                                          </p:spTgt>
+                                        </p:tgtEl>
+                                        <p:attrNameLst>
+                                          <p:attrName>style.visibility</p:attrName>
+                                        </p:attrNameLst>
+                                      </p:cBhvr>
+                                      <p:to>
+                                        <p:strVal val="visible"/>
+                                      </p:to>
+                                    </p:set>
+                                  </p:childTnLst>
+                                </p:cTn>
+                              </p:par>
+                            </p:childTnLst>
+                          </p:cTn>
+                        </p:par>
+                      </p:childTnLst>
+                    </p:cTn>
+                  </p:par>
+                  <p:par>
+                    <p:cTn id="13" fill="hold">
+                      <p:stCondLst>
+                        <p:cond delay="indefinite"/>
+                      </p:stCondLst>
+                      <p:childTnLst>
+                        <p:par>
+                          <p:cTn id="14" fill="hold">
+                            <p:stCondLst>
+                              <p:cond delay="0"/>
+                            </p:stCondLst>
+                            <p:childTnLst>
+                              <p:par>
+                                <p:cTn id="15" presetID="1" presetClass="entr" presetSubtype="0" fill="hold" nodeType="clickEffect">
+                                  <p:stCondLst>
+                                    <p:cond delay="0"/>
+                                  </p:stCondLst>
+                                  <p:childTnLst>
+                                    <p:set>
+                                      <p:cBhvr>
+                                        <p:cTn id="16" dur="1" fill="hold">
+                                          <p:stCondLst>
+                                            <p:cond delay="0"/>
+                                          </p:stCondLst>
+                                        </p:cTn>
+                                        <p:tgtEl>
+                                          <p:spTgt spid="8">
+                                            <p:txEl>
+                                              <p:pRg st="7" end="7"/>
+                                            </p:txEl>
+                                          </p:spTgt>
+                                        </p:tgtEl>
+                                        <p:attrNameLst>
+                                          <p:attrName>style.visibility</p:attrName>
+                                        </p:attrNameLst>
+                                      </p:cBhvr>
+                                      <p:to>
+                                        <p:strVal val="visible"/>
+                                      </p:to>
+                                    </p:set>
+                                  </p:childTnLst>
+                                </p:cTn>
+                              </p:par>
+                              <p:par>
+                                <p:cTn id="17" presetID="1" presetClass="entr" presetSubtype="0" fill="hold" nodeType="withEffect">
+                                  <p:stCondLst>
+                                    <p:cond delay="0"/>
+                                  </p:stCondLst>
+                                  <p:childTnLst>
+                                    <p:set>
+                                      <p:cBhvr>
+                                        <p:cTn id="18" dur="1" fill="hold">
+                                          <p:stCondLst>
+                                            <p:cond delay="0"/>
+                                          </p:stCondLst>
+                                        </p:cTn>
+                                        <p:tgtEl>
+                                          <p:spTgt spid="8">
+                                            <p:txEl>
+                                              <p:pRg st="8" end="8"/>
+                                            </p:txEl>
+                                          </p:spTgt>
+                                        </p:tgtEl>
+                                        <p:attrNameLst>
+                                          <p:attrName>style.visibility</p:attrName>
+                                        </p:attrNameLst>
+                                      </p:cBhvr>
+                                      <p:to>
+                                        <p:strVal val="visible"/>
+                                      </p:to>
+                                    </p:set>
+                                  </p:childTnLst>
+                                </p:cTn>
+                              </p:par>
+                            </p:childTnLst>
+                          </p:cTn>
+                        </p:par>
+                      </p:childTnLst>
+                    </p:cTn>
+                  </p:par>
+                  <p:par>
+                    <p:cTn id="19" fill="hold">
+                      <p:stCondLst>
+                        <p:cond delay="indefinite"/>
+                      </p:stCondLst>
+                      <p:childTnLst>
+                        <p:par>
+                          <p:cTn id="20" fill="hold">
+                            <p:stCondLst>
+                              <p:cond delay="0"/>
+                            </p:stCondLst>
+                            <p:childTnLst>
+                              <p:par>
+                                <p:cTn id="21" presetID="1" presetClass="entr" presetSubtype="0" fill="hold" nodeType="clickEffect">
+                                  <p:stCondLst>
+                                    <p:cond delay="0"/>
+                                  </p:stCondLst>
+                                  <p:childTnLst>
+                                    <p:set>
+                                      <p:cBhvr>
+                                        <p:cTn id="22" dur="1" fill="hold">
+                                          <p:stCondLst>
+                                            <p:cond delay="0"/>
+                                          </p:stCondLst>
+                                        </p:cTn>
+                                        <p:tgtEl>
+                                          <p:spTgt spid="8">
+                                            <p:txEl>
+                                              <p:pRg st="10" end="10"/>
+                                            </p:txEl>
+                                          </p:spTgt>
+                                        </p:tgtEl>
+                                        <p:attrNameLst>
+                                          <p:attrName>style.visibility</p:attrName>
+                                        </p:attrNameLst>
+                                      </p:cBhvr>
+                                      <p:to>
+                                        <p:strVal val="visible"/>
+                                      </p:to>
+                                    </p:set>
+                                  </p:childTnLst>
+                                </p:cTn>
+                              </p:par>
+                              <p:par>
+                                <p:cTn id="23" presetID="1" presetClass="entr" presetSubtype="0" fill="hold" nodeType="withEffect">
+                                  <p:stCondLst>
+                                    <p:cond delay="0"/>
+                                  </p:stCondLst>
+                                  <p:childTnLst>
+                                    <p:set>
+                                      <p:cBhvr>
+                                        <p:cTn id="24" dur="1" fill="hold">
+                                          <p:stCondLst>
+                                            <p:cond delay="0"/>
+                                          </p:stCondLst>
+                                        </p:cTn>
+                                        <p:tgtEl>
+                                          <p:spTgt spid="8">
+                                            <p:txEl>
+                                              <p:pRg st="11" end="11"/>
+                                            </p:txEl>
+                                          </p:spTgt>
+                                        </p:tgtEl>
+                                        <p:attrNameLst>
+                                          <p:attrName>style.visibility</p:attrName>
+                                        </p:attrNameLst>
+                                      </p:cBhvr>
+                                      <p:to>
+                                        <p:strVal val="visible"/>
+                                      </p:to>
+                                    </p:set>
+                                  </p:childTnLst>
+                                </p:cTn>
+                              </p:par>
+                            </p:childTnLst>
+                          </p:cTn>
+                        </p:par>
+                      </p:childTnLst>
+                    </p:cTn>
+                  </p:par>
+                  <p:par>
+                    <p:cTn id="25" fill="hold">
+                      <p:stCondLst>
+                        <p:cond delay="indefinite"/>
+                      </p:stCondLst>
+                      <p:childTnLst>
+                        <p:par>
+                          <p:cTn id="26" fill="hold">
+                            <p:stCondLst>
+                              <p:cond delay="0"/>
+                            </p:stCondLst>
+                            <p:childTnLst>
+                              <p:par>
+                                <p:cTn id="27" presetID="1" presetClass="entr" presetSubtype="0" fill="hold" nodeType="clickEffect">
+                                  <p:stCondLst>
+                                    <p:cond delay="0"/>
+                                  </p:stCondLst>
+                                  <p:childTnLst>
+                                    <p:set>
+                                      <p:cBhvr>
+                                        <p:cTn id="28" dur="1" fill="hold">
+                                          <p:stCondLst>
+                                            <p:cond delay="0"/>
+                                          </p:stCondLst>
+                                        </p:cTn>
+                                        <p:tgtEl>
+                                          <p:spTgt spid="8">
+                                            <p:txEl>
+                                              <p:pRg st="13" end="13"/>
+                                            </p:txEl>
+                                          </p:spTgt>
+                                        </p:tgtEl>
+                                        <p:attrNameLst>
+                                          <p:attrName>style.visibility</p:attrName>
+                                        </p:attrNameLst>
+                                      </p:cBhvr>
+                                      <p:to>
+                                        <p:strVal val="visible"/>
+                                      </p:to>
+                                    </p:set>
+                                  </p:childTnLst>
+                                </p:cTn>
+                              </p:par>
+                            </p:childTnLst>
+                          </p:cTn>
+                        </p:par>
+                      </p:childTnLst>
+                    </p:cTn>
+                  </p:par>
+                </p:childTnLst>
+              </p:cTn>
+              <p:prevCondLst>
+                <p:cond evt="onPrev" delay="0">
+                  <p:tgtEl>
+                    <p:sldTgt/>
+                  </p:tgtEl>
+                </p:cond>
+              </p:prevCondLst>
+              <p:nextCondLst>
+                <p:cond evt="onNext" delay="0">
+                  <p:tgtEl>
+                    <p:sldTgt/>
+                  </p:tgtEl>
+                </p:cond>
+              </p:nextCondLst>
+            </p:seq>
+          </p:childTnLst>
+        </p:cTn>
+      </p:par>
+    </p:tnLst>
+  </p:timing>
 </p:sld>
 </file>
 
@@ -22418,6 +24967,214 @@
   <p:clrMapOvr>
     <a:masterClrMapping/>
   </p:clrMapOvr>
+  <p:timing>
+    <p:tnLst>
+      <p:par>
+        <p:cTn id="1" dur="indefinite" restart="never" nodeType="tmRoot">
+          <p:childTnLst>
+            <p:seq concurrent="1" nextAc="seek">
+              <p:cTn id="2" dur="indefinite" nodeType="mainSeq">
+                <p:childTnLst>
+                  <p:par>
+                    <p:cTn id="3" fill="hold">
+                      <p:stCondLst>
+                        <p:cond delay="indefinite"/>
+                      </p:stCondLst>
+                      <p:childTnLst>
+                        <p:par>
+                          <p:cTn id="4" fill="hold">
+                            <p:stCondLst>
+                              <p:cond delay="0"/>
+                            </p:stCondLst>
+                            <p:childTnLst>
+                              <p:par>
+                                <p:cTn id="5" presetID="1" presetClass="entr" presetSubtype="0" fill="hold" nodeType="clickEffect">
+                                  <p:stCondLst>
+                                    <p:cond delay="0"/>
+                                  </p:stCondLst>
+                                  <p:childTnLst>
+                                    <p:set>
+                                      <p:cBhvr>
+                                        <p:cTn id="6" dur="1" fill="hold">
+                                          <p:stCondLst>
+                                            <p:cond delay="0"/>
+                                          </p:stCondLst>
+                                        </p:cTn>
+                                        <p:tgtEl>
+                                          <p:spTgt spid="8">
+                                            <p:txEl>
+                                              <p:pRg st="6" end="6"/>
+                                            </p:txEl>
+                                          </p:spTgt>
+                                        </p:tgtEl>
+                                        <p:attrNameLst>
+                                          <p:attrName>style.visibility</p:attrName>
+                                        </p:attrNameLst>
+                                      </p:cBhvr>
+                                      <p:to>
+                                        <p:strVal val="visible"/>
+                                      </p:to>
+                                    </p:set>
+                                  </p:childTnLst>
+                                </p:cTn>
+                              </p:par>
+                              <p:par>
+                                <p:cTn id="7" presetID="1" presetClass="entr" presetSubtype="0" fill="hold" nodeType="withEffect">
+                                  <p:stCondLst>
+                                    <p:cond delay="0"/>
+                                  </p:stCondLst>
+                                  <p:childTnLst>
+                                    <p:set>
+                                      <p:cBhvr>
+                                        <p:cTn id="8" dur="1" fill="hold">
+                                          <p:stCondLst>
+                                            <p:cond delay="0"/>
+                                          </p:stCondLst>
+                                        </p:cTn>
+                                        <p:tgtEl>
+                                          <p:spTgt spid="8">
+                                            <p:txEl>
+                                              <p:pRg st="7" end="7"/>
+                                            </p:txEl>
+                                          </p:spTgt>
+                                        </p:tgtEl>
+                                        <p:attrNameLst>
+                                          <p:attrName>style.visibility</p:attrName>
+                                        </p:attrNameLst>
+                                      </p:cBhvr>
+                                      <p:to>
+                                        <p:strVal val="visible"/>
+                                      </p:to>
+                                    </p:set>
+                                  </p:childTnLst>
+                                </p:cTn>
+                              </p:par>
+                            </p:childTnLst>
+                          </p:cTn>
+                        </p:par>
+                      </p:childTnLst>
+                    </p:cTn>
+                  </p:par>
+                  <p:par>
+                    <p:cTn id="9" fill="hold">
+                      <p:stCondLst>
+                        <p:cond delay="indefinite"/>
+                      </p:stCondLst>
+                      <p:childTnLst>
+                        <p:par>
+                          <p:cTn id="10" fill="hold">
+                            <p:stCondLst>
+                              <p:cond delay="0"/>
+                            </p:stCondLst>
+                            <p:childTnLst>
+                              <p:par>
+                                <p:cTn id="11" presetID="1" presetClass="entr" presetSubtype="0" fill="hold" nodeType="clickEffect">
+                                  <p:stCondLst>
+                                    <p:cond delay="0"/>
+                                  </p:stCondLst>
+                                  <p:childTnLst>
+                                    <p:set>
+                                      <p:cBhvr>
+                                        <p:cTn id="12" dur="1" fill="hold">
+                                          <p:stCondLst>
+                                            <p:cond delay="0"/>
+                                          </p:stCondLst>
+                                        </p:cTn>
+                                        <p:tgtEl>
+                                          <p:spTgt spid="8">
+                                            <p:txEl>
+                                              <p:pRg st="8" end="8"/>
+                                            </p:txEl>
+                                          </p:spTgt>
+                                        </p:tgtEl>
+                                        <p:attrNameLst>
+                                          <p:attrName>style.visibility</p:attrName>
+                                        </p:attrNameLst>
+                                      </p:cBhvr>
+                                      <p:to>
+                                        <p:strVal val="visible"/>
+                                      </p:to>
+                                    </p:set>
+                                  </p:childTnLst>
+                                </p:cTn>
+                              </p:par>
+                            </p:childTnLst>
+                          </p:cTn>
+                        </p:par>
+                      </p:childTnLst>
+                    </p:cTn>
+                  </p:par>
+                  <p:par>
+                    <p:cTn id="13" fill="hold">
+                      <p:stCondLst>
+                        <p:cond delay="indefinite"/>
+                      </p:stCondLst>
+                      <p:childTnLst>
+                        <p:par>
+                          <p:cTn id="14" fill="hold">
+                            <p:stCondLst>
+                              <p:cond delay="0"/>
+                            </p:stCondLst>
+                            <p:childTnLst>
+                              <p:par>
+                                <p:cTn id="15" presetID="1" presetClass="entr" presetSubtype="0" fill="hold" nodeType="clickEffect">
+                                  <p:stCondLst>
+                                    <p:cond delay="0"/>
+                                  </p:stCondLst>
+                                  <p:childTnLst>
+                                    <p:set>
+                                      <p:cBhvr>
+                                        <p:cTn id="16" dur="1" fill="hold">
+                                          <p:stCondLst>
+                                            <p:cond delay="0"/>
+                                          </p:stCondLst>
+                                        </p:cTn>
+                                        <p:tgtEl>
+                                          <p:spTgt spid="8">
+                                            <p:txEl>
+                                              <p:pRg st="9" end="9"/>
+                                            </p:txEl>
+                                          </p:spTgt>
+                                        </p:tgtEl>
+                                        <p:attrNameLst>
+                                          <p:attrName>style.visibility</p:attrName>
+                                        </p:attrNameLst>
+                                      </p:cBhvr>
+                                      <p:to>
+                                        <p:strVal val="visible"/>
+                                      </p:to>
+                                    </p:set>
+                                  </p:childTnLst>
+                                </p:cTn>
+                              </p:par>
+                            </p:childTnLst>
+                          </p:cTn>
+                        </p:par>
+                      </p:childTnLst>
+                    </p:cTn>
+                  </p:par>
+                </p:childTnLst>
+              </p:cTn>
+              <p:prevCondLst>
+                <p:cond evt="onPrev" delay="0">
+                  <p:tgtEl>
+                    <p:sldTgt/>
+                  </p:tgtEl>
+                </p:cond>
+              </p:prevCondLst>
+              <p:nextCondLst>
+                <p:cond evt="onNext" delay="0">
+                  <p:tgtEl>
+                    <p:sldTgt/>
+                  </p:tgtEl>
+                </p:cond>
+              </p:nextCondLst>
+            </p:seq>
+          </p:childTnLst>
+        </p:cTn>
+      </p:par>
+    </p:tnLst>
+  </p:timing>
 </p:sld>
 </file>
 
@@ -22750,8 +25507,8 @@
           </a:p>
         </p:txBody>
       </p:sp>
-      <mc:AlternateContent xmlns:mc="http://schemas.openxmlformats.org/markup-compatibility/2006">
-        <mc:Choice xmlns:a14="http://schemas.microsoft.com/office/drawing/2010/main" Requires="a14">
+      <mc:AlternateContent xmlns:mc="http://schemas.openxmlformats.org/markup-compatibility/2006" xmlns:a14="http://schemas.microsoft.com/office/drawing/2010/main">
+        <mc:Choice Requires="a14">
           <p:sp>
             <p:nvSpPr>
               <p:cNvPr id="8" name="Content Placeholder 7">
@@ -23313,7 +26070,7 @@
             </p:txBody>
           </p:sp>
         </mc:Choice>
-        <mc:Fallback>
+        <mc:Fallback xmlns="">
           <p:sp>
             <p:nvSpPr>
               <p:cNvPr id="8" name="Content Placeholder 7">
@@ -23912,7 +26669,7 @@
         </p:blipFill>
         <p:spPr>
           <a:xfrm>
-            <a:off x="2936433" y="2575611"/>
+            <a:off x="2936433" y="2671410"/>
             <a:ext cx="6315956" cy="1295581"/>
           </a:xfrm>
           <a:prstGeom prst="rect">
@@ -24297,8 +27054,8 @@
           </a:p>
         </p:txBody>
       </p:sp>
-      <mc:AlternateContent xmlns:mc="http://schemas.openxmlformats.org/markup-compatibility/2006">
-        <mc:Choice xmlns:a14="http://schemas.microsoft.com/office/drawing/2010/main" Requires="a14">
+      <mc:AlternateContent xmlns:mc="http://schemas.openxmlformats.org/markup-compatibility/2006" xmlns:a14="http://schemas.microsoft.com/office/drawing/2010/main">
+        <mc:Choice Requires="a14">
           <p:sp>
             <p:nvSpPr>
               <p:cNvPr id="8" name="Content Placeholder 7">
@@ -24452,7 +27209,7 @@
             </p:txBody>
           </p:sp>
         </mc:Choice>
-        <mc:Fallback>
+        <mc:Fallback xmlns="">
           <p:sp>
             <p:nvSpPr>
               <p:cNvPr id="8" name="Content Placeholder 7">
@@ -25530,6 +28287,330 @@
   <p:clrMapOvr>
     <a:masterClrMapping/>
   </p:clrMapOvr>
+  <p:timing>
+    <p:tnLst>
+      <p:par>
+        <p:cTn id="1" dur="indefinite" restart="never" nodeType="tmRoot">
+          <p:childTnLst>
+            <p:seq concurrent="1" nextAc="seek">
+              <p:cTn id="2" dur="indefinite" nodeType="mainSeq">
+                <p:childTnLst>
+                  <p:par>
+                    <p:cTn id="3" fill="hold">
+                      <p:stCondLst>
+                        <p:cond delay="indefinite"/>
+                      </p:stCondLst>
+                      <p:childTnLst>
+                        <p:par>
+                          <p:cTn id="4" fill="hold">
+                            <p:stCondLst>
+                              <p:cond delay="0"/>
+                            </p:stCondLst>
+                            <p:childTnLst>
+                              <p:par>
+                                <p:cTn id="5" presetID="1" presetClass="entr" presetSubtype="0" fill="hold" nodeType="clickEffect">
+                                  <p:stCondLst>
+                                    <p:cond delay="0"/>
+                                  </p:stCondLst>
+                                  <p:childTnLst>
+                                    <p:set>
+                                      <p:cBhvr>
+                                        <p:cTn id="6" dur="1" fill="hold">
+                                          <p:stCondLst>
+                                            <p:cond delay="0"/>
+                                          </p:stCondLst>
+                                        </p:cTn>
+                                        <p:tgtEl>
+                                          <p:spTgt spid="8">
+                                            <p:txEl>
+                                              <p:pRg st="2" end="2"/>
+                                            </p:txEl>
+                                          </p:spTgt>
+                                        </p:tgtEl>
+                                        <p:attrNameLst>
+                                          <p:attrName>style.visibility</p:attrName>
+                                        </p:attrNameLst>
+                                      </p:cBhvr>
+                                      <p:to>
+                                        <p:strVal val="visible"/>
+                                      </p:to>
+                                    </p:set>
+                                  </p:childTnLst>
+                                </p:cTn>
+                              </p:par>
+                            </p:childTnLst>
+                          </p:cTn>
+                        </p:par>
+                      </p:childTnLst>
+                    </p:cTn>
+                  </p:par>
+                  <p:par>
+                    <p:cTn id="7" fill="hold">
+                      <p:stCondLst>
+                        <p:cond delay="indefinite"/>
+                      </p:stCondLst>
+                      <p:childTnLst>
+                        <p:par>
+                          <p:cTn id="8" fill="hold">
+                            <p:stCondLst>
+                              <p:cond delay="0"/>
+                            </p:stCondLst>
+                            <p:childTnLst>
+                              <p:par>
+                                <p:cTn id="9" presetID="1" presetClass="entr" presetSubtype="0" fill="hold" nodeType="clickEffect">
+                                  <p:stCondLst>
+                                    <p:cond delay="0"/>
+                                  </p:stCondLst>
+                                  <p:childTnLst>
+                                    <p:set>
+                                      <p:cBhvr>
+                                        <p:cTn id="10" dur="1" fill="hold">
+                                          <p:stCondLst>
+                                            <p:cond delay="0"/>
+                                          </p:stCondLst>
+                                        </p:cTn>
+                                        <p:tgtEl>
+                                          <p:spTgt spid="8">
+                                            <p:txEl>
+                                              <p:pRg st="4" end="4"/>
+                                            </p:txEl>
+                                          </p:spTgt>
+                                        </p:tgtEl>
+                                        <p:attrNameLst>
+                                          <p:attrName>style.visibility</p:attrName>
+                                        </p:attrNameLst>
+                                      </p:cBhvr>
+                                      <p:to>
+                                        <p:strVal val="visible"/>
+                                      </p:to>
+                                    </p:set>
+                                  </p:childTnLst>
+                                </p:cTn>
+                              </p:par>
+                            </p:childTnLst>
+                          </p:cTn>
+                        </p:par>
+                      </p:childTnLst>
+                    </p:cTn>
+                  </p:par>
+                  <p:par>
+                    <p:cTn id="11" fill="hold">
+                      <p:stCondLst>
+                        <p:cond delay="indefinite"/>
+                      </p:stCondLst>
+                      <p:childTnLst>
+                        <p:par>
+                          <p:cTn id="12" fill="hold">
+                            <p:stCondLst>
+                              <p:cond delay="0"/>
+                            </p:stCondLst>
+                            <p:childTnLst>
+                              <p:par>
+                                <p:cTn id="13" presetID="1" presetClass="entr" presetSubtype="0" fill="hold" nodeType="clickEffect">
+                                  <p:stCondLst>
+                                    <p:cond delay="0"/>
+                                  </p:stCondLst>
+                                  <p:childTnLst>
+                                    <p:set>
+                                      <p:cBhvr>
+                                        <p:cTn id="14" dur="1" fill="hold">
+                                          <p:stCondLst>
+                                            <p:cond delay="0"/>
+                                          </p:stCondLst>
+                                        </p:cTn>
+                                        <p:tgtEl>
+                                          <p:spTgt spid="8">
+                                            <p:txEl>
+                                              <p:pRg st="5" end="5"/>
+                                            </p:txEl>
+                                          </p:spTgt>
+                                        </p:tgtEl>
+                                        <p:attrNameLst>
+                                          <p:attrName>style.visibility</p:attrName>
+                                        </p:attrNameLst>
+                                      </p:cBhvr>
+                                      <p:to>
+                                        <p:strVal val="visible"/>
+                                      </p:to>
+                                    </p:set>
+                                  </p:childTnLst>
+                                </p:cTn>
+                              </p:par>
+                            </p:childTnLst>
+                          </p:cTn>
+                        </p:par>
+                      </p:childTnLst>
+                    </p:cTn>
+                  </p:par>
+                  <p:par>
+                    <p:cTn id="15" fill="hold">
+                      <p:stCondLst>
+                        <p:cond delay="indefinite"/>
+                      </p:stCondLst>
+                      <p:childTnLst>
+                        <p:par>
+                          <p:cTn id="16" fill="hold">
+                            <p:stCondLst>
+                              <p:cond delay="0"/>
+                            </p:stCondLst>
+                            <p:childTnLst>
+                              <p:par>
+                                <p:cTn id="17" presetID="1" presetClass="entr" presetSubtype="0" fill="hold" nodeType="clickEffect">
+                                  <p:stCondLst>
+                                    <p:cond delay="0"/>
+                                  </p:stCondLst>
+                                  <p:childTnLst>
+                                    <p:set>
+                                      <p:cBhvr>
+                                        <p:cTn id="18" dur="1" fill="hold">
+                                          <p:stCondLst>
+                                            <p:cond delay="0"/>
+                                          </p:stCondLst>
+                                        </p:cTn>
+                                        <p:tgtEl>
+                                          <p:spTgt spid="8">
+                                            <p:txEl>
+                                              <p:pRg st="7" end="7"/>
+                                            </p:txEl>
+                                          </p:spTgt>
+                                        </p:tgtEl>
+                                        <p:attrNameLst>
+                                          <p:attrName>style.visibility</p:attrName>
+                                        </p:attrNameLst>
+                                      </p:cBhvr>
+                                      <p:to>
+                                        <p:strVal val="visible"/>
+                                      </p:to>
+                                    </p:set>
+                                  </p:childTnLst>
+                                </p:cTn>
+                              </p:par>
+                            </p:childTnLst>
+                          </p:cTn>
+                        </p:par>
+                      </p:childTnLst>
+                    </p:cTn>
+                  </p:par>
+                  <p:par>
+                    <p:cTn id="19" fill="hold">
+                      <p:stCondLst>
+                        <p:cond delay="indefinite"/>
+                      </p:stCondLst>
+                      <p:childTnLst>
+                        <p:par>
+                          <p:cTn id="20" fill="hold">
+                            <p:stCondLst>
+                              <p:cond delay="0"/>
+                            </p:stCondLst>
+                            <p:childTnLst>
+                              <p:par>
+                                <p:cTn id="21" presetID="1" presetClass="entr" presetSubtype="0" fill="hold" nodeType="clickEffect">
+                                  <p:stCondLst>
+                                    <p:cond delay="0"/>
+                                  </p:stCondLst>
+                                  <p:childTnLst>
+                                    <p:set>
+                                      <p:cBhvr>
+                                        <p:cTn id="22" dur="1" fill="hold">
+                                          <p:stCondLst>
+                                            <p:cond delay="0"/>
+                                          </p:stCondLst>
+                                        </p:cTn>
+                                        <p:tgtEl>
+                                          <p:spTgt spid="8">
+                                            <p:txEl>
+                                              <p:pRg st="9" end="9"/>
+                                            </p:txEl>
+                                          </p:spTgt>
+                                        </p:tgtEl>
+                                        <p:attrNameLst>
+                                          <p:attrName>style.visibility</p:attrName>
+                                        </p:attrNameLst>
+                                      </p:cBhvr>
+                                      <p:to>
+                                        <p:strVal val="visible"/>
+                                      </p:to>
+                                    </p:set>
+                                  </p:childTnLst>
+                                </p:cTn>
+                              </p:par>
+                            </p:childTnLst>
+                          </p:cTn>
+                        </p:par>
+                      </p:childTnLst>
+                    </p:cTn>
+                  </p:par>
+                  <p:par>
+                    <p:cTn id="23" fill="hold">
+                      <p:stCondLst>
+                        <p:cond delay="indefinite"/>
+                      </p:stCondLst>
+                      <p:childTnLst>
+                        <p:par>
+                          <p:cTn id="24" fill="hold">
+                            <p:stCondLst>
+                              <p:cond delay="0"/>
+                            </p:stCondLst>
+                            <p:childTnLst>
+                              <p:par>
+                                <p:cTn id="25" presetID="1" presetClass="entr" presetSubtype="0" fill="hold" nodeType="clickEffect">
+                                  <p:stCondLst>
+                                    <p:cond delay="0"/>
+                                  </p:stCondLst>
+                                  <p:childTnLst>
+                                    <p:set>
+                                      <p:cBhvr>
+                                        <p:cTn id="26" dur="1" fill="hold">
+                                          <p:stCondLst>
+                                            <p:cond delay="0"/>
+                                          </p:stCondLst>
+                                        </p:cTn>
+                                        <p:tgtEl>
+                                          <p:spTgt spid="8">
+                                            <p:txEl>
+                                              <p:pRg st="11" end="11"/>
+                                            </p:txEl>
+                                          </p:spTgt>
+                                        </p:tgtEl>
+                                        <p:attrNameLst>
+                                          <p:attrName>style.visibility</p:attrName>
+                                        </p:attrNameLst>
+                                      </p:cBhvr>
+                                      <p:to>
+                                        <p:strVal val="visible"/>
+                                      </p:to>
+                                    </p:set>
+                                  </p:childTnLst>
+                                </p:cTn>
+                              </p:par>
+                            </p:childTnLst>
+                          </p:cTn>
+                        </p:par>
+                      </p:childTnLst>
+                    </p:cTn>
+                  </p:par>
+                </p:childTnLst>
+              </p:cTn>
+              <p:prevCondLst>
+                <p:cond evt="onPrev" delay="0">
+                  <p:tgtEl>
+                    <p:sldTgt/>
+                  </p:tgtEl>
+                </p:cond>
+              </p:prevCondLst>
+              <p:nextCondLst>
+                <p:cond evt="onNext" delay="0">
+                  <p:tgtEl>
+                    <p:sldTgt/>
+                  </p:tgtEl>
+                </p:cond>
+              </p:nextCondLst>
+            </p:seq>
+          </p:childTnLst>
+        </p:cTn>
+      </p:par>
+    </p:tnLst>
+  </p:timing>
 </p:sld>
 </file>
 
@@ -26038,1675 +29119,6 @@
       </p:grpSpPr>
       <p:sp>
         <p:nvSpPr>
-          <p:cNvPr id="7" name="Title 6">
-            <a:extLst>
-              <a:ext uri="{FF2B5EF4-FFF2-40B4-BE49-F238E27FC236}">
-                <a16:creationId xmlns:a16="http://schemas.microsoft.com/office/drawing/2014/main" id="{32EEDCB7-543C-41C8-83E1-02917A63D7E5}"/>
-              </a:ext>
-            </a:extLst>
-          </p:cNvPr>
-          <p:cNvSpPr>
-            <a:spLocks noGrp="1"/>
-          </p:cNvSpPr>
-          <p:nvPr>
-            <p:ph type="title"/>
-          </p:nvPr>
-        </p:nvSpPr>
-        <p:spPr/>
-        <p:txBody>
-          <a:bodyPr/>
-          <a:lstStyle/>
-          <a:p>
-            <a:r>
-              <a:rPr lang="en-US" dirty="0"/>
-              <a:t>Gaussian </a:t>
-            </a:r>
-            <a:r>
-              <a:rPr lang="en-DK" dirty="0"/>
-              <a:t>P</a:t>
-            </a:r>
-            <a:r>
-              <a:rPr lang="da-DK" dirty="0"/>
-              <a:t>r</a:t>
-            </a:r>
-            <a:r>
-              <a:rPr lang="en-DK" dirty="0"/>
-              <a:t>o</a:t>
-            </a:r>
-            <a:r>
-              <a:rPr lang="da-DK" dirty="0"/>
-              <a:t>c</a:t>
-            </a:r>
-            <a:r>
-              <a:rPr lang="en-DK" dirty="0"/>
-              <a:t>e</a:t>
-            </a:r>
-            <a:r>
-              <a:rPr lang="da-DK" dirty="0"/>
-              <a:t>s</a:t>
-            </a:r>
-            <a:r>
-              <a:rPr lang="en-DK" dirty="0"/>
-              <a:t>s</a:t>
-            </a:r>
-            <a:endParaRPr lang="en-US" dirty="0"/>
-          </a:p>
-        </p:txBody>
-      </p:sp>
-      <p:sp>
-        <p:nvSpPr>
-          <p:cNvPr id="4" name="Pladsholder til slidenummer 3">
-            <a:extLst>
-              <a:ext uri="{FF2B5EF4-FFF2-40B4-BE49-F238E27FC236}">
-                <a16:creationId xmlns:a16="http://schemas.microsoft.com/office/drawing/2014/main" id="{7205F81D-BFAB-A74B-9759-8E7613301130}"/>
-              </a:ext>
-            </a:extLst>
-          </p:cNvPr>
-          <p:cNvSpPr>
-            <a:spLocks noGrp="1"/>
-          </p:cNvSpPr>
-          <p:nvPr>
-            <p:ph type="sldNum" sz="quarter" idx="12"/>
-          </p:nvPr>
-        </p:nvSpPr>
-        <p:spPr/>
-        <p:txBody>
-          <a:bodyPr/>
-          <a:lstStyle/>
-          <a:p>
-            <a:fld id="{24C8C45C-947F-4981-8B3F-4F32E973C901}" type="slidenum">
-              <a:rPr lang="en-GB" smtClean="0"/>
-              <a:pPr/>
-              <a:t>26</a:t>
-            </a:fld>
-            <a:endParaRPr lang="en-GB" dirty="0"/>
-          </a:p>
-        </p:txBody>
-      </p:sp>
-      <p:sp>
-        <p:nvSpPr>
-          <p:cNvPr id="9" name="Subtitle 8">
-            <a:extLst>
-              <a:ext uri="{FF2B5EF4-FFF2-40B4-BE49-F238E27FC236}">
-                <a16:creationId xmlns:a16="http://schemas.microsoft.com/office/drawing/2014/main" id="{468A9193-BC69-49FE-A8EE-B1B3E6F68DAA}"/>
-              </a:ext>
-            </a:extLst>
-          </p:cNvPr>
-          <p:cNvSpPr>
-            <a:spLocks noGrp="1"/>
-          </p:cNvSpPr>
-          <p:nvPr>
-            <p:ph type="subTitle" idx="13"/>
-          </p:nvPr>
-        </p:nvSpPr>
-        <p:spPr/>
-        <p:txBody>
-          <a:bodyPr/>
-          <a:lstStyle/>
-          <a:p>
-            <a:endParaRPr lang="en-US"/>
-          </a:p>
-        </p:txBody>
-      </p:sp>
-      <p:sp>
-        <p:nvSpPr>
-          <p:cNvPr id="10" name="Content Placeholder 7">
-            <a:extLst>
-              <a:ext uri="{FF2B5EF4-FFF2-40B4-BE49-F238E27FC236}">
-                <a16:creationId xmlns:a16="http://schemas.microsoft.com/office/drawing/2014/main" id="{54AD9F5B-1285-4E3C-AF49-A1C1054415BD}"/>
-              </a:ext>
-            </a:extLst>
-          </p:cNvPr>
-          <p:cNvSpPr txBox="1">
-            <a:spLocks/>
-          </p:cNvSpPr>
-          <p:nvPr/>
-        </p:nvSpPr>
-        <p:spPr>
-          <a:xfrm>
-            <a:off x="431801" y="1592264"/>
-            <a:ext cx="11325224" cy="4456111"/>
-          </a:xfrm>
-          <a:prstGeom prst="rect">
-            <a:avLst/>
-          </a:prstGeom>
-        </p:spPr>
-        <p:txBody>
-          <a:bodyPr vert="horz" lIns="0" tIns="0" rIns="0" bIns="0" rtlCol="0">
-            <a:noAutofit/>
-          </a:bodyPr>
-          <a:lstStyle>
-            <a:lvl1pPr marL="226800" indent="-226800" algn="l" defTabSz="914400" rtl="0" eaLnBrk="1" latinLnBrk="0" hangingPunct="1">
-              <a:lnSpc>
-                <a:spcPct val="100000"/>
-              </a:lnSpc>
-              <a:spcBef>
-                <a:spcPts val="600"/>
-              </a:spcBef>
-              <a:buFont typeface="Wingdings" panose="05000000000000000000" pitchFamily="2" charset="2"/>
-              <a:buChar char="§"/>
-              <a:defRPr sz="1800" kern="1200">
-                <a:solidFill>
-                  <a:schemeClr val="tx1"/>
-                </a:solidFill>
-                <a:latin typeface="+mn-lt"/>
-                <a:ea typeface="+mn-ea"/>
-                <a:cs typeface="+mn-cs"/>
-              </a:defRPr>
-            </a:lvl1pPr>
-            <a:lvl2pPr marL="453600" indent="-226800" algn="l" defTabSz="914400" rtl="0" eaLnBrk="1" latinLnBrk="0" hangingPunct="1">
-              <a:lnSpc>
-                <a:spcPct val="100000"/>
-              </a:lnSpc>
-              <a:spcBef>
-                <a:spcPts val="600"/>
-              </a:spcBef>
-              <a:buFont typeface="Wingdings" panose="05000000000000000000" pitchFamily="2" charset="2"/>
-              <a:buChar char="§"/>
-              <a:defRPr sz="1800" kern="1200">
-                <a:solidFill>
-                  <a:schemeClr val="tx1"/>
-                </a:solidFill>
-                <a:latin typeface="+mn-lt"/>
-                <a:ea typeface="+mn-ea"/>
-                <a:cs typeface="+mn-cs"/>
-              </a:defRPr>
-            </a:lvl2pPr>
-            <a:lvl3pPr marL="680400" indent="-226800" algn="l" defTabSz="914400" rtl="0" eaLnBrk="1" latinLnBrk="0" hangingPunct="1">
-              <a:lnSpc>
-                <a:spcPct val="100000"/>
-              </a:lnSpc>
-              <a:spcBef>
-                <a:spcPts val="600"/>
-              </a:spcBef>
-              <a:buFont typeface="Wingdings" panose="05000000000000000000" pitchFamily="2" charset="2"/>
-              <a:buChar char="§"/>
-              <a:defRPr sz="1800" kern="1200">
-                <a:solidFill>
-                  <a:schemeClr val="tx1"/>
-                </a:solidFill>
-                <a:latin typeface="+mn-lt"/>
-                <a:ea typeface="+mn-ea"/>
-                <a:cs typeface="+mn-cs"/>
-              </a:defRPr>
-            </a:lvl3pPr>
-            <a:lvl4pPr marL="907200" indent="-226800" algn="l" defTabSz="914400" rtl="0" eaLnBrk="1" latinLnBrk="0" hangingPunct="1">
-              <a:lnSpc>
-                <a:spcPct val="100000"/>
-              </a:lnSpc>
-              <a:spcBef>
-                <a:spcPts val="600"/>
-              </a:spcBef>
-              <a:buFont typeface="Wingdings" panose="05000000000000000000" pitchFamily="2" charset="2"/>
-              <a:buChar char="§"/>
-              <a:defRPr sz="1800" kern="1200">
-                <a:solidFill>
-                  <a:schemeClr val="tx1"/>
-                </a:solidFill>
-                <a:latin typeface="+mn-lt"/>
-                <a:ea typeface="+mn-ea"/>
-                <a:cs typeface="+mn-cs"/>
-              </a:defRPr>
-            </a:lvl4pPr>
-            <a:lvl5pPr marL="907200" indent="-226800" algn="l" defTabSz="914400" rtl="0" eaLnBrk="1" latinLnBrk="0" hangingPunct="1">
-              <a:lnSpc>
-                <a:spcPct val="100000"/>
-              </a:lnSpc>
-              <a:spcBef>
-                <a:spcPts val="600"/>
-              </a:spcBef>
-              <a:buFont typeface="Wingdings" panose="05000000000000000000" pitchFamily="2" charset="2"/>
-              <a:buChar char="§"/>
-              <a:defRPr sz="1800" kern="1200">
-                <a:solidFill>
-                  <a:schemeClr val="tx1"/>
-                </a:solidFill>
-                <a:latin typeface="+mn-lt"/>
-                <a:ea typeface="+mn-ea"/>
-                <a:cs typeface="+mn-cs"/>
-              </a:defRPr>
-            </a:lvl5pPr>
-            <a:lvl6pPr marL="907200" indent="-226800" algn="l" defTabSz="914400" rtl="0" eaLnBrk="1" latinLnBrk="0" hangingPunct="1">
-              <a:lnSpc>
-                <a:spcPct val="100000"/>
-              </a:lnSpc>
-              <a:spcBef>
-                <a:spcPts val="600"/>
-              </a:spcBef>
-              <a:buFont typeface="Wingdings" panose="05000000000000000000" pitchFamily="2" charset="2"/>
-              <a:buChar char="§"/>
-              <a:defRPr sz="1800" kern="1200">
-                <a:solidFill>
-                  <a:schemeClr val="tx1"/>
-                </a:solidFill>
-                <a:latin typeface="+mn-lt"/>
-                <a:ea typeface="+mn-ea"/>
-                <a:cs typeface="+mn-cs"/>
-              </a:defRPr>
-            </a:lvl6pPr>
-            <a:lvl7pPr marL="907200" indent="-226800" algn="l" defTabSz="914400" rtl="0" eaLnBrk="1" latinLnBrk="0" hangingPunct="1">
-              <a:lnSpc>
-                <a:spcPct val="100000"/>
-              </a:lnSpc>
-              <a:spcBef>
-                <a:spcPts val="600"/>
-              </a:spcBef>
-              <a:buFont typeface="Wingdings" panose="05000000000000000000" pitchFamily="2" charset="2"/>
-              <a:buChar char="§"/>
-              <a:defRPr sz="1800" kern="1200" baseline="0">
-                <a:solidFill>
-                  <a:schemeClr val="tx1"/>
-                </a:solidFill>
-                <a:latin typeface="+mn-lt"/>
-                <a:ea typeface="+mn-ea"/>
-                <a:cs typeface="+mn-cs"/>
-              </a:defRPr>
-            </a:lvl7pPr>
-            <a:lvl8pPr marL="907200" indent="-226800" algn="l" defTabSz="914400" rtl="0" eaLnBrk="1" latinLnBrk="0" hangingPunct="1">
-              <a:lnSpc>
-                <a:spcPct val="100000"/>
-              </a:lnSpc>
-              <a:spcBef>
-                <a:spcPts val="600"/>
-              </a:spcBef>
-              <a:buFont typeface="Wingdings" panose="05000000000000000000" pitchFamily="2" charset="2"/>
-              <a:buChar char="§"/>
-              <a:defRPr sz="1800" kern="1200">
-                <a:solidFill>
-                  <a:schemeClr val="tx1"/>
-                </a:solidFill>
-                <a:latin typeface="+mn-lt"/>
-                <a:ea typeface="+mn-ea"/>
-                <a:cs typeface="+mn-cs"/>
-              </a:defRPr>
-            </a:lvl8pPr>
-            <a:lvl9pPr marL="907200" indent="-226800" algn="l" defTabSz="914400" rtl="0" eaLnBrk="1" latinLnBrk="0" hangingPunct="1">
-              <a:lnSpc>
-                <a:spcPct val="100000"/>
-              </a:lnSpc>
-              <a:spcBef>
-                <a:spcPts val="600"/>
-              </a:spcBef>
-              <a:buFont typeface="Wingdings" panose="05000000000000000000" pitchFamily="2" charset="2"/>
-              <a:buChar char="§"/>
-              <a:defRPr sz="1800" kern="1200" baseline="0">
-                <a:solidFill>
-                  <a:schemeClr val="tx1"/>
-                </a:solidFill>
-                <a:latin typeface="+mn-lt"/>
-                <a:ea typeface="+mn-ea"/>
-                <a:cs typeface="+mn-cs"/>
-              </a:defRPr>
-            </a:lvl9pPr>
-          </a:lstStyle>
-          <a:p>
-            <a:pPr marL="0" indent="0">
-              <a:buFont typeface="Wingdings" panose="05000000000000000000" pitchFamily="2" charset="2"/>
-              <a:buNone/>
-            </a:pPr>
-            <a:endParaRPr lang="en-US" dirty="0"/>
-          </a:p>
-        </p:txBody>
-      </p:sp>
-      <mc:AlternateContent xmlns:mc="http://schemas.openxmlformats.org/markup-compatibility/2006">
-        <mc:Choice xmlns:a14="http://schemas.microsoft.com/office/drawing/2010/main" Requires="a14">
-          <p:sp>
-            <p:nvSpPr>
-              <p:cNvPr id="8" name="Content Placeholder 7">
-                <a:extLst>
-                  <a:ext uri="{FF2B5EF4-FFF2-40B4-BE49-F238E27FC236}">
-                    <a16:creationId xmlns:a16="http://schemas.microsoft.com/office/drawing/2014/main" id="{541B25FC-90E3-4E93-B8EA-E33F9271C285}"/>
-                  </a:ext>
-                </a:extLst>
-              </p:cNvPr>
-              <p:cNvSpPr>
-                <a:spLocks noGrp="1"/>
-              </p:cNvSpPr>
-              <p:nvPr>
-                <p:ph idx="1"/>
-              </p:nvPr>
-            </p:nvSpPr>
-            <p:spPr>
-              <a:xfrm>
-                <a:off x="431799" y="1107873"/>
-                <a:ext cx="11325224" cy="4456111"/>
-              </a:xfrm>
-            </p:spPr>
-            <p:txBody>
-              <a:bodyPr/>
-              <a:lstStyle/>
-              <a:p>
-                <a:pPr marL="0" indent="0">
-                  <a:buNone/>
-                </a:pPr>
-                <a:endParaRPr lang="en-DK" dirty="0"/>
-              </a:p>
-              <a:p>
-                <a:pPr marL="0" indent="0">
-                  <a:buNone/>
-                </a:pPr>
-                <a:r>
-                  <a:rPr lang="da-DK" b="1" dirty="0"/>
-                  <a:t>NEXT SLIDES NEED TO BE ORDERED!</a:t>
-                </a:r>
-              </a:p>
-              <a:p>
-                <a:pPr marL="0" indent="0">
-                  <a:buNone/>
-                </a:pPr>
-                <a:endParaRPr lang="da-DK" b="1" dirty="0"/>
-              </a:p>
-              <a:p>
-                <a:pPr marL="0" indent="0">
-                  <a:buNone/>
-                </a:pPr>
-                <a:r>
-                  <a:rPr lang="da-DK" b="1" dirty="0"/>
-                  <a:t>Notes</a:t>
-                </a:r>
-                <a:endParaRPr lang="en-DK" b="1" dirty="0"/>
-              </a:p>
-              <a:p>
-                <a:r>
-                  <a:rPr lang="en-US" dirty="0"/>
-                  <a:t>The key idea of Gaussian processes is to model the underlying distribution of </a:t>
-                </a:r>
-                <a14:m>
-                  <m:oMath xmlns:m="http://schemas.openxmlformats.org/officeDocument/2006/math">
-                    <m:r>
-                      <a:rPr lang="da-DK" i="1">
-                        <a:latin typeface="Cambria Math" panose="02040503050406030204" pitchFamily="18" charset="0"/>
-                      </a:rPr>
-                      <m:t>𝑋</m:t>
-                    </m:r>
-                    <m:r>
-                      <a:rPr lang="da-DK" i="1">
-                        <a:latin typeface="Cambria Math" panose="02040503050406030204" pitchFamily="18" charset="0"/>
-                      </a:rPr>
-                      <m:t> </m:t>
-                    </m:r>
-                  </m:oMath>
-                </a14:m>
-                <a:r>
-                  <a:rPr lang="en-US" dirty="0"/>
-                  <a:t>together with </a:t>
-                </a:r>
-                <a14:m>
-                  <m:oMath xmlns:m="http://schemas.openxmlformats.org/officeDocument/2006/math">
-                    <m:r>
-                      <a:rPr lang="da-DK" i="1">
-                        <a:latin typeface="Cambria Math" panose="02040503050406030204" pitchFamily="18" charset="0"/>
-                      </a:rPr>
-                      <m:t>𝑌</m:t>
-                    </m:r>
-                  </m:oMath>
-                </a14:m>
-                <a:r>
-                  <a:rPr lang="en-US" dirty="0"/>
-                  <a:t> as a multivariate normal distribution, using Bayesian inference to update the conditional probability </a:t>
-                </a:r>
-                <a14:m>
-                  <m:oMath xmlns:m="http://schemas.openxmlformats.org/officeDocument/2006/math">
-                    <m:r>
-                      <a:rPr lang="da-DK" i="1">
-                        <a:latin typeface="Cambria Math" panose="02040503050406030204" pitchFamily="18" charset="0"/>
-                      </a:rPr>
-                      <m:t>𝑃</m:t>
-                    </m:r>
-                    <m:d>
-                      <m:dPr>
-                        <m:ctrlPr>
-                          <a:rPr lang="da-DK" i="1">
-                            <a:latin typeface="Cambria Math" panose="02040503050406030204" pitchFamily="18" charset="0"/>
-                          </a:rPr>
-                        </m:ctrlPr>
-                      </m:dPr>
-                      <m:e>
-                        <m:r>
-                          <a:rPr lang="da-DK" i="1">
-                            <a:latin typeface="Cambria Math" panose="02040503050406030204" pitchFamily="18" charset="0"/>
-                          </a:rPr>
-                          <m:t>𝑋</m:t>
-                        </m:r>
-                      </m:e>
-                      <m:e>
-                        <m:r>
-                          <a:rPr lang="da-DK" i="1">
-                            <a:latin typeface="Cambria Math" panose="02040503050406030204" pitchFamily="18" charset="0"/>
-                          </a:rPr>
-                          <m:t>𝑌</m:t>
-                        </m:r>
-                      </m:e>
-                    </m:d>
-                    <m:r>
-                      <a:rPr lang="da-DK">
-                        <a:latin typeface="Cambria Math" panose="02040503050406030204" pitchFamily="18" charset="0"/>
-                      </a:rPr>
-                      <m:t>.</m:t>
-                    </m:r>
-                    <m:r>
-                      <m:rPr>
-                        <m:nor/>
-                      </m:rPr>
-                      <a:rPr lang="en-US"/>
-                      <m:t>The</m:t>
-                    </m:r>
-                    <m:r>
-                      <m:rPr>
-                        <m:nor/>
-                      </m:rPr>
-                      <a:rPr lang="en-US"/>
-                      <m:t> </m:t>
-                    </m:r>
-                    <m:r>
-                      <m:rPr>
-                        <m:nor/>
-                      </m:rPr>
-                      <a:rPr lang="en-US"/>
-                      <m:t>intuition</m:t>
-                    </m:r>
-                    <m:r>
-                      <m:rPr>
-                        <m:nor/>
-                      </m:rPr>
-                      <a:rPr lang="en-US"/>
-                      <m:t> </m:t>
-                    </m:r>
-                    <m:r>
-                      <m:rPr>
-                        <m:nor/>
-                      </m:rPr>
-                      <a:rPr lang="en-US"/>
-                      <m:t>behind</m:t>
-                    </m:r>
-                    <m:r>
-                      <m:rPr>
-                        <m:nor/>
-                      </m:rPr>
-                      <a:rPr lang="en-US"/>
-                      <m:t> </m:t>
-                    </m:r>
-                    <m:r>
-                      <m:rPr>
-                        <m:nor/>
-                      </m:rPr>
-                      <a:rPr lang="en-US"/>
-                      <m:t>this</m:t>
-                    </m:r>
-                    <m:r>
-                      <m:rPr>
-                        <m:nor/>
-                      </m:rPr>
-                      <a:rPr lang="en-US"/>
-                      <m:t> </m:t>
-                    </m:r>
-                    <m:r>
-                      <m:rPr>
-                        <m:nor/>
-                      </m:rPr>
-                      <a:rPr lang="en-US"/>
-                      <m:t>step</m:t>
-                    </m:r>
-                    <m:r>
-                      <m:rPr>
-                        <m:nor/>
-                      </m:rPr>
-                      <a:rPr lang="en-US"/>
-                      <m:t> </m:t>
-                    </m:r>
-                    <m:r>
-                      <m:rPr>
-                        <m:nor/>
-                      </m:rPr>
-                      <a:rPr lang="en-US"/>
-                      <m:t>is</m:t>
-                    </m:r>
-                    <m:r>
-                      <m:rPr>
-                        <m:nor/>
-                      </m:rPr>
-                      <a:rPr lang="en-US"/>
-                      <m:t> </m:t>
-                    </m:r>
-                    <m:r>
-                      <m:rPr>
-                        <m:nor/>
-                      </m:rPr>
-                      <a:rPr lang="en-US"/>
-                      <m:t>that</m:t>
-                    </m:r>
-                    <m:r>
-                      <m:rPr>
-                        <m:nor/>
-                      </m:rPr>
-                      <a:rPr lang="en-US"/>
-                      <m:t> </m:t>
-                    </m:r>
-                    <m:r>
-                      <m:rPr>
-                        <m:nor/>
-                      </m:rPr>
-                      <a:rPr lang="en-US"/>
-                      <m:t>the</m:t>
-                    </m:r>
-                    <m:r>
-                      <m:rPr>
-                        <m:nor/>
-                      </m:rPr>
-                      <a:rPr lang="en-US"/>
-                      <m:t> </m:t>
-                    </m:r>
-                    <m:r>
-                      <m:rPr>
-                        <m:nor/>
-                      </m:rPr>
-                      <a:rPr lang="en-US"/>
-                      <m:t>training</m:t>
-                    </m:r>
-                    <m:r>
-                      <m:rPr>
-                        <m:nor/>
-                      </m:rPr>
-                      <a:rPr lang="en-US"/>
-                      <m:t> </m:t>
-                    </m:r>
-                    <m:r>
-                      <m:rPr>
-                        <m:nor/>
-                      </m:rPr>
-                      <a:rPr lang="en-US"/>
-                      <m:t>points</m:t>
-                    </m:r>
-                    <m:r>
-                      <m:rPr>
-                        <m:nor/>
-                      </m:rPr>
-                      <a:rPr lang="en-US"/>
-                      <m:t> </m:t>
-                    </m:r>
-                    <m:r>
-                      <m:rPr>
-                        <m:nor/>
-                      </m:rPr>
-                      <a:rPr lang="en-US"/>
-                      <m:t>constrain</m:t>
-                    </m:r>
-                    <m:r>
-                      <m:rPr>
-                        <m:nor/>
-                      </m:rPr>
-                      <a:rPr lang="en-US"/>
-                      <m:t> </m:t>
-                    </m:r>
-                    <m:r>
-                      <m:rPr>
-                        <m:nor/>
-                      </m:rPr>
-                      <a:rPr lang="en-US"/>
-                      <m:t>the</m:t>
-                    </m:r>
-                    <m:r>
-                      <m:rPr>
-                        <m:nor/>
-                      </m:rPr>
-                      <a:rPr lang="en-US"/>
-                      <m:t> </m:t>
-                    </m:r>
-                    <m:r>
-                      <m:rPr>
-                        <m:nor/>
-                      </m:rPr>
-                      <a:rPr lang="en-US"/>
-                      <m:t>set</m:t>
-                    </m:r>
-                    <m:r>
-                      <m:rPr>
-                        <m:nor/>
-                      </m:rPr>
-                      <a:rPr lang="en-US"/>
-                      <m:t> </m:t>
-                    </m:r>
-                    <m:r>
-                      <m:rPr>
-                        <m:nor/>
-                      </m:rPr>
-                      <a:rPr lang="en-US"/>
-                      <m:t>of</m:t>
-                    </m:r>
-                    <m:r>
-                      <m:rPr>
-                        <m:nor/>
-                      </m:rPr>
-                      <a:rPr lang="en-US"/>
-                      <m:t> </m:t>
-                    </m:r>
-                    <m:r>
-                      <m:rPr>
-                        <m:nor/>
-                      </m:rPr>
-                      <a:rPr lang="en-US"/>
-                      <m:t>functions</m:t>
-                    </m:r>
-                    <m:r>
-                      <m:rPr>
-                        <m:nor/>
-                      </m:rPr>
-                      <a:rPr lang="en-US"/>
-                      <m:t> </m:t>
-                    </m:r>
-                    <m:r>
-                      <m:rPr>
-                        <m:nor/>
-                      </m:rPr>
-                      <a:rPr lang="en-US"/>
-                      <m:t>to</m:t>
-                    </m:r>
-                    <m:r>
-                      <m:rPr>
-                        <m:nor/>
-                      </m:rPr>
-                      <a:rPr lang="en-US"/>
-                      <m:t> </m:t>
-                    </m:r>
-                    <m:r>
-                      <m:rPr>
-                        <m:nor/>
-                      </m:rPr>
-                      <a:rPr lang="en-US"/>
-                      <m:t>those</m:t>
-                    </m:r>
-                    <m:r>
-                      <m:rPr>
-                        <m:nor/>
-                      </m:rPr>
-                      <a:rPr lang="en-US"/>
-                      <m:t> </m:t>
-                    </m:r>
-                    <m:r>
-                      <m:rPr>
-                        <m:nor/>
-                      </m:rPr>
-                      <a:rPr lang="en-US"/>
-                      <m:t>that</m:t>
-                    </m:r>
-                    <m:r>
-                      <m:rPr>
-                        <m:nor/>
-                      </m:rPr>
-                      <a:rPr lang="en-US"/>
-                      <m:t> </m:t>
-                    </m:r>
-                    <m:r>
-                      <m:rPr>
-                        <m:nor/>
-                      </m:rPr>
-                      <a:rPr lang="en-US"/>
-                      <m:t>pass</m:t>
-                    </m:r>
-                    <m:r>
-                      <m:rPr>
-                        <m:nor/>
-                      </m:rPr>
-                      <a:rPr lang="en-US"/>
-                      <m:t> </m:t>
-                    </m:r>
-                    <m:r>
-                      <m:rPr>
-                        <m:nor/>
-                      </m:rPr>
-                      <a:rPr lang="en-US"/>
-                      <m:t>through</m:t>
-                    </m:r>
-                    <m:r>
-                      <m:rPr>
-                        <m:nor/>
-                      </m:rPr>
-                      <a:rPr lang="en-US"/>
-                      <m:t> </m:t>
-                    </m:r>
-                    <m:r>
-                      <m:rPr>
-                        <m:nor/>
-                      </m:rPr>
-                      <a:rPr lang="en-US"/>
-                      <m:t>the</m:t>
-                    </m:r>
-                    <m:r>
-                      <m:rPr>
-                        <m:nor/>
-                      </m:rPr>
-                      <a:rPr lang="en-US"/>
-                      <m:t> </m:t>
-                    </m:r>
-                    <m:r>
-                      <m:rPr>
-                        <m:nor/>
-                      </m:rPr>
-                      <a:rPr lang="en-US"/>
-                      <m:t>training</m:t>
-                    </m:r>
-                    <m:r>
-                      <m:rPr>
-                        <m:nor/>
-                      </m:rPr>
-                      <a:rPr lang="en-US"/>
-                      <m:t> </m:t>
-                    </m:r>
-                    <m:r>
-                      <m:rPr>
-                        <m:nor/>
-                      </m:rPr>
-                      <a:rPr lang="en-US"/>
-                      <m:t>points</m:t>
-                    </m:r>
-                  </m:oMath>
-                </a14:m>
-                <a:r>
-                  <a:rPr lang="da-DK" dirty="0"/>
-                  <a:t> (going from a prior to the posterior)</a:t>
-                </a:r>
-              </a:p>
-              <a:p>
-                <a:endParaRPr lang="en-DK" dirty="0">
-                  <a:sym typeface="Wingdings" panose="05000000000000000000" pitchFamily="2" charset="2"/>
-                </a:endParaRPr>
-              </a:p>
-              <a:p>
-                <a:pPr marL="0" indent="0">
-                  <a:buNone/>
-                </a:pPr>
-                <a:r>
-                  <a:rPr lang="en-DK" dirty="0">
-                    <a:sym typeface="Wingdings" panose="05000000000000000000" pitchFamily="2" charset="2"/>
-                  </a:rPr>
-                  <a:t>For </a:t>
-                </a:r>
-                <a:r>
-                  <a:rPr lang="da-DK" dirty="0">
-                    <a:sym typeface="Wingdings" panose="05000000000000000000" pitchFamily="2" charset="2"/>
-                  </a:rPr>
-                  <a:t>a</a:t>
-                </a:r>
-                <a:r>
-                  <a:rPr lang="en-DK" dirty="0">
-                    <a:sym typeface="Wingdings" panose="05000000000000000000" pitchFamily="2" charset="2"/>
-                  </a:rPr>
-                  <a:t>n</a:t>
-                </a:r>
-                <a:r>
-                  <a:rPr lang="da-DK" dirty="0">
-                    <a:sym typeface="Wingdings" panose="05000000000000000000" pitchFamily="2" charset="2"/>
-                  </a:rPr>
-                  <a:t>y</a:t>
-                </a:r>
-                <a:r>
-                  <a:rPr lang="en-DK" dirty="0">
-                    <a:sym typeface="Wingdings" panose="05000000000000000000" pitchFamily="2" charset="2"/>
-                  </a:rPr>
-                  <a:t> new input </a:t>
-                </a:r>
-                <a14:m>
-                  <m:oMath xmlns:m="http://schemas.openxmlformats.org/officeDocument/2006/math">
-                    <m:sSub>
-                      <m:sSubPr>
-                        <m:ctrlPr>
-                          <a:rPr lang="en-DK" i="1">
-                            <a:latin typeface="Cambria Math" panose="02040503050406030204" pitchFamily="18" charset="0"/>
-                            <a:sym typeface="Wingdings" panose="05000000000000000000" pitchFamily="2" charset="2"/>
-                          </a:rPr>
-                        </m:ctrlPr>
-                      </m:sSubPr>
-                      <m:e>
-                        <m:r>
-                          <a:rPr lang="en-DK" i="1">
-                            <a:latin typeface="Cambria Math" panose="02040503050406030204" pitchFamily="18" charset="0"/>
-                            <a:sym typeface="Wingdings" panose="05000000000000000000" pitchFamily="2" charset="2"/>
-                          </a:rPr>
-                          <m:t>𝑋</m:t>
-                        </m:r>
-                      </m:e>
-                      <m:sub>
-                        <m:r>
-                          <a:rPr lang="en-DK" i="1">
-                            <a:latin typeface="Cambria Math" panose="02040503050406030204" pitchFamily="18" charset="0"/>
-                            <a:sym typeface="Wingdings" panose="05000000000000000000" pitchFamily="2" charset="2"/>
-                          </a:rPr>
-                          <m:t>∗</m:t>
-                        </m:r>
-                      </m:sub>
-                    </m:sSub>
-                  </m:oMath>
-                </a14:m>
-                <a:r>
-                  <a:rPr lang="en-DK" dirty="0"/>
-                  <a:t>, we can make predictions </a:t>
-                </a:r>
-                <a14:m>
-                  <m:oMath xmlns:m="http://schemas.openxmlformats.org/officeDocument/2006/math">
-                    <m:sSub>
-                      <m:sSubPr>
-                        <m:ctrlPr>
-                          <a:rPr lang="en-DK" i="1">
-                            <a:latin typeface="Cambria Math" panose="02040503050406030204" pitchFamily="18" charset="0"/>
-                          </a:rPr>
-                        </m:ctrlPr>
-                      </m:sSubPr>
-                      <m:e>
-                        <m:r>
-                          <a:rPr lang="en-DK" i="1">
-                            <a:latin typeface="Cambria Math" panose="02040503050406030204" pitchFamily="18" charset="0"/>
-                          </a:rPr>
-                          <m:t>𝑓</m:t>
-                        </m:r>
-                      </m:e>
-                      <m:sub>
-                        <m:r>
-                          <a:rPr lang="en-DK" i="1">
-                            <a:latin typeface="Cambria Math" panose="02040503050406030204" pitchFamily="18" charset="0"/>
-                          </a:rPr>
-                          <m:t>∗</m:t>
-                        </m:r>
-                      </m:sub>
-                    </m:sSub>
-                  </m:oMath>
-                </a14:m>
-                <a:r>
-                  <a:rPr lang="en-DK" dirty="0"/>
-                  <a:t> using the posterior</a:t>
-                </a:r>
-              </a:p>
-              <a:p>
-                <a:pPr marL="0" indent="0">
-                  <a:buNone/>
-                </a:pPr>
-                <a:endParaRPr lang="en-DK" dirty="0"/>
-              </a:p>
-              <a:p>
-                <a:pPr marL="0" indent="0">
-                  <a:buNone/>
-                </a:pPr>
-                <a14:m>
-                  <m:oMathPara xmlns:m="http://schemas.openxmlformats.org/officeDocument/2006/math">
-                    <m:oMathParaPr>
-                      <m:jc m:val="centerGroup"/>
-                    </m:oMathParaPr>
-                    <m:oMath xmlns:m="http://schemas.openxmlformats.org/officeDocument/2006/math">
-                      <m:r>
-                        <a:rPr lang="en-DK" i="1">
-                          <a:latin typeface="Cambria Math" panose="02040503050406030204" pitchFamily="18" charset="0"/>
-                        </a:rPr>
-                        <m:t>𝑝</m:t>
-                      </m:r>
-                      <m:d>
-                        <m:dPr>
-                          <m:ctrlPr>
-                            <a:rPr lang="en-DK" i="1">
-                              <a:latin typeface="Cambria Math" panose="02040503050406030204" pitchFamily="18" charset="0"/>
-                            </a:rPr>
-                          </m:ctrlPr>
-                        </m:dPr>
-                        <m:e>
-                          <m:sSub>
-                            <m:sSubPr>
-                              <m:ctrlPr>
-                                <a:rPr lang="en-DK" i="1">
-                                  <a:latin typeface="Cambria Math" panose="02040503050406030204" pitchFamily="18" charset="0"/>
-                                </a:rPr>
-                              </m:ctrlPr>
-                            </m:sSubPr>
-                            <m:e>
-                              <m:r>
-                                <a:rPr lang="en-DK" i="1">
-                                  <a:latin typeface="Cambria Math" panose="02040503050406030204" pitchFamily="18" charset="0"/>
-                                </a:rPr>
-                                <m:t>𝑓</m:t>
-                              </m:r>
-                            </m:e>
-                            <m:sub>
-                              <m:r>
-                                <a:rPr lang="en-DK" i="1">
-                                  <a:latin typeface="Cambria Math" panose="02040503050406030204" pitchFamily="18" charset="0"/>
-                                </a:rPr>
-                                <m:t>∗</m:t>
-                              </m:r>
-                            </m:sub>
-                          </m:sSub>
-                        </m:e>
-                        <m:e>
-                          <m:sSub>
-                            <m:sSubPr>
-                              <m:ctrlPr>
-                                <a:rPr lang="en-DK" i="1">
-                                  <a:latin typeface="Cambria Math" panose="02040503050406030204" pitchFamily="18" charset="0"/>
-                                </a:rPr>
-                              </m:ctrlPr>
-                            </m:sSubPr>
-                            <m:e>
-                              <m:r>
-                                <a:rPr lang="en-DK" i="1">
-                                  <a:latin typeface="Cambria Math" panose="02040503050406030204" pitchFamily="18" charset="0"/>
-                                </a:rPr>
-                                <m:t>𝑋</m:t>
-                              </m:r>
-                            </m:e>
-                            <m:sub>
-                              <m:r>
-                                <a:rPr lang="en-DK" i="1">
-                                  <a:latin typeface="Cambria Math" panose="02040503050406030204" pitchFamily="18" charset="0"/>
-                                </a:rPr>
-                                <m:t>∗</m:t>
-                              </m:r>
-                            </m:sub>
-                          </m:sSub>
-                          <m:r>
-                            <a:rPr lang="en-DK" i="1">
-                              <a:latin typeface="Cambria Math" panose="02040503050406030204" pitchFamily="18" charset="0"/>
-                            </a:rPr>
-                            <m:t>,</m:t>
-                          </m:r>
-                          <m:r>
-                            <a:rPr lang="en-DK" i="1">
-                              <a:latin typeface="Cambria Math" panose="02040503050406030204" pitchFamily="18" charset="0"/>
-                            </a:rPr>
-                            <m:t>𝑋</m:t>
-                          </m:r>
-                          <m:r>
-                            <a:rPr lang="en-DK" i="1">
-                              <a:latin typeface="Cambria Math" panose="02040503050406030204" pitchFamily="18" charset="0"/>
-                            </a:rPr>
-                            <m:t>,</m:t>
-                          </m:r>
-                          <m:r>
-                            <a:rPr lang="en-DK" i="1">
-                              <a:latin typeface="Cambria Math" panose="02040503050406030204" pitchFamily="18" charset="0"/>
-                            </a:rPr>
-                            <m:t>𝑦</m:t>
-                          </m:r>
-                        </m:e>
-                      </m:d>
-                      <m:r>
-                        <a:rPr lang="en-DK" i="1">
-                          <a:latin typeface="Cambria Math" panose="02040503050406030204" pitchFamily="18" charset="0"/>
-                        </a:rPr>
-                        <m:t>=</m:t>
-                      </m:r>
-                      <m:nary>
-                        <m:naryPr>
-                          <m:limLoc m:val="undOvr"/>
-                          <m:subHide m:val="on"/>
-                          <m:supHide m:val="on"/>
-                          <m:ctrlPr>
-                            <a:rPr lang="en-DK" i="1">
-                              <a:latin typeface="Cambria Math" panose="02040503050406030204" pitchFamily="18" charset="0"/>
-                            </a:rPr>
-                          </m:ctrlPr>
-                        </m:naryPr>
-                        <m:sub/>
-                        <m:sup/>
-                        <m:e>
-                          <m:r>
-                            <a:rPr lang="en-DK" i="1">
-                              <a:latin typeface="Cambria Math" panose="02040503050406030204" pitchFamily="18" charset="0"/>
-                            </a:rPr>
-                            <m:t>𝑝</m:t>
-                          </m:r>
-                          <m:d>
-                            <m:dPr>
-                              <m:ctrlPr>
-                                <a:rPr lang="en-DK" i="1">
-                                  <a:latin typeface="Cambria Math" panose="02040503050406030204" pitchFamily="18" charset="0"/>
-                                </a:rPr>
-                              </m:ctrlPr>
-                            </m:dPr>
-                            <m:e>
-                              <m:sSub>
-                                <m:sSubPr>
-                                  <m:ctrlPr>
-                                    <a:rPr lang="en-DK" i="1">
-                                      <a:latin typeface="Cambria Math" panose="02040503050406030204" pitchFamily="18" charset="0"/>
-                                    </a:rPr>
-                                  </m:ctrlPr>
-                                </m:sSubPr>
-                                <m:e>
-                                  <m:r>
-                                    <a:rPr lang="en-DK" i="1">
-                                      <a:latin typeface="Cambria Math" panose="02040503050406030204" pitchFamily="18" charset="0"/>
-                                    </a:rPr>
-                                    <m:t>𝑓</m:t>
-                                  </m:r>
-                                </m:e>
-                                <m:sub>
-                                  <m:r>
-                                    <a:rPr lang="en-DK" i="1">
-                                      <a:latin typeface="Cambria Math" panose="02040503050406030204" pitchFamily="18" charset="0"/>
-                                    </a:rPr>
-                                    <m:t>∗</m:t>
-                                  </m:r>
-                                </m:sub>
-                              </m:sSub>
-                            </m:e>
-                            <m:e>
-                              <m:sSub>
-                                <m:sSubPr>
-                                  <m:ctrlPr>
-                                    <a:rPr lang="en-DK" i="1">
-                                      <a:latin typeface="Cambria Math" panose="02040503050406030204" pitchFamily="18" charset="0"/>
-                                    </a:rPr>
-                                  </m:ctrlPr>
-                                </m:sSubPr>
-                                <m:e>
-                                  <m:r>
-                                    <a:rPr lang="en-DK" i="1">
-                                      <a:latin typeface="Cambria Math" panose="02040503050406030204" pitchFamily="18" charset="0"/>
-                                    </a:rPr>
-                                    <m:t>𝑋</m:t>
-                                  </m:r>
-                                </m:e>
-                                <m:sub>
-                                  <m:r>
-                                    <a:rPr lang="en-DK" i="1">
-                                      <a:latin typeface="Cambria Math" panose="02040503050406030204" pitchFamily="18" charset="0"/>
-                                    </a:rPr>
-                                    <m:t>∗</m:t>
-                                  </m:r>
-                                </m:sub>
-                              </m:sSub>
-                              <m:r>
-                                <a:rPr lang="en-DK" i="1">
-                                  <a:latin typeface="Cambria Math" panose="02040503050406030204" pitchFamily="18" charset="0"/>
-                                </a:rPr>
-                                <m:t>,</m:t>
-                              </m:r>
-                              <m:r>
-                                <a:rPr lang="en-DK" i="1">
-                                  <a:latin typeface="Cambria Math" panose="02040503050406030204" pitchFamily="18" charset="0"/>
-                                </a:rPr>
-                                <m:t>𝑓</m:t>
-                              </m:r>
-                            </m:e>
-                          </m:d>
-                        </m:e>
-                      </m:nary>
-                      <m:r>
-                        <a:rPr lang="en-DK" i="1">
-                          <a:latin typeface="Cambria Math" panose="02040503050406030204" pitchFamily="18" charset="0"/>
-                        </a:rPr>
-                        <m:t>𝑝</m:t>
-                      </m:r>
-                      <m:d>
-                        <m:dPr>
-                          <m:ctrlPr>
-                            <a:rPr lang="en-DK" i="1">
-                              <a:latin typeface="Cambria Math" panose="02040503050406030204" pitchFamily="18" charset="0"/>
-                            </a:rPr>
-                          </m:ctrlPr>
-                        </m:dPr>
-                        <m:e>
-                          <m:r>
-                            <a:rPr lang="en-DK" i="1">
-                              <a:latin typeface="Cambria Math" panose="02040503050406030204" pitchFamily="18" charset="0"/>
-                            </a:rPr>
-                            <m:t>𝑓</m:t>
-                          </m:r>
-                        </m:e>
-                        <m:e>
-                          <m:r>
-                            <a:rPr lang="en-DK" i="1">
-                              <a:latin typeface="Cambria Math" panose="02040503050406030204" pitchFamily="18" charset="0"/>
-                            </a:rPr>
-                            <m:t>𝑋</m:t>
-                          </m:r>
-                          <m:r>
-                            <a:rPr lang="en-DK" i="1">
-                              <a:latin typeface="Cambria Math" panose="02040503050406030204" pitchFamily="18" charset="0"/>
-                            </a:rPr>
-                            <m:t>,</m:t>
-                          </m:r>
-                          <m:r>
-                            <a:rPr lang="en-DK" i="1">
-                              <a:latin typeface="Cambria Math" panose="02040503050406030204" pitchFamily="18" charset="0"/>
-                            </a:rPr>
-                            <m:t>𝑦</m:t>
-                          </m:r>
-                        </m:e>
-                      </m:d>
-                      <m:r>
-                        <a:rPr lang="en-DK" i="1">
-                          <a:latin typeface="Cambria Math" panose="02040503050406030204" pitchFamily="18" charset="0"/>
-                        </a:rPr>
-                        <m:t> </m:t>
-                      </m:r>
-                      <m:r>
-                        <a:rPr lang="en-DK" i="1">
-                          <a:latin typeface="Cambria Math" panose="02040503050406030204" pitchFamily="18" charset="0"/>
-                        </a:rPr>
-                        <m:t>𝑑𝑓</m:t>
-                      </m:r>
-                    </m:oMath>
-                  </m:oMathPara>
-                </a14:m>
-                <a:endParaRPr lang="en-DK" dirty="0"/>
-              </a:p>
-              <a:p>
-                <a:pPr marL="0" indent="0">
-                  <a:buNone/>
-                </a:pPr>
-                <a14:m>
-                  <m:oMathPara xmlns:m="http://schemas.openxmlformats.org/officeDocument/2006/math">
-                    <m:oMathParaPr>
-                      <m:jc m:val="centerGroup"/>
-                    </m:oMathParaPr>
-                    <m:oMath xmlns:m="http://schemas.openxmlformats.org/officeDocument/2006/math">
-                      <m:r>
-                        <a:rPr lang="en-DK" i="1">
-                          <a:latin typeface="Cambria Math" panose="02040503050406030204" pitchFamily="18" charset="0"/>
-                        </a:rPr>
-                        <m:t>=</m:t>
-                      </m:r>
-                      <m:r>
-                        <a:rPr lang="en-DK" i="1">
-                          <a:latin typeface="Cambria Math" panose="02040503050406030204" pitchFamily="18" charset="0"/>
-                        </a:rPr>
-                        <m:t>𝑁</m:t>
-                      </m:r>
-                      <m:d>
-                        <m:dPr>
-                          <m:ctrlPr>
-                            <a:rPr lang="en-DK" i="1">
-                              <a:latin typeface="Cambria Math" panose="02040503050406030204" pitchFamily="18" charset="0"/>
-                            </a:rPr>
-                          </m:ctrlPr>
-                        </m:dPr>
-                        <m:e>
-                          <m:sSub>
-                            <m:sSubPr>
-                              <m:ctrlPr>
-                                <a:rPr lang="en-DK" i="1">
-                                  <a:latin typeface="Cambria Math" panose="02040503050406030204" pitchFamily="18" charset="0"/>
-                                </a:rPr>
-                              </m:ctrlPr>
-                            </m:sSubPr>
-                            <m:e>
-                              <m:r>
-                                <a:rPr lang="en-DK" i="1">
-                                  <a:latin typeface="Cambria Math" panose="02040503050406030204" pitchFamily="18" charset="0"/>
-                                </a:rPr>
-                                <m:t>𝑓</m:t>
-                              </m:r>
-                            </m:e>
-                            <m:sub>
-                              <m:r>
-                                <a:rPr lang="en-DK" i="1">
-                                  <a:latin typeface="Cambria Math" panose="02040503050406030204" pitchFamily="18" charset="0"/>
-                                </a:rPr>
-                                <m:t>∗</m:t>
-                              </m:r>
-                            </m:sub>
-                          </m:sSub>
-                          <m:r>
-                            <a:rPr lang="en-DK" i="1">
-                              <a:latin typeface="Cambria Math" panose="02040503050406030204" pitchFamily="18" charset="0"/>
-                            </a:rPr>
-                            <m:t>,</m:t>
-                          </m:r>
-                          <m:sSub>
-                            <m:sSubPr>
-                              <m:ctrlPr>
-                                <a:rPr lang="en-DK" i="1">
-                                  <a:latin typeface="Cambria Math" panose="02040503050406030204" pitchFamily="18" charset="0"/>
-                                </a:rPr>
-                              </m:ctrlPr>
-                            </m:sSubPr>
-                            <m:e>
-                              <m:r>
-                                <a:rPr lang="en-DK" i="1">
-                                  <a:latin typeface="Cambria Math" panose="02040503050406030204" pitchFamily="18" charset="0"/>
-                                </a:rPr>
-                                <m:t>𝜇</m:t>
-                              </m:r>
-                            </m:e>
-                            <m:sub>
-                              <m:r>
-                                <a:rPr lang="en-DK" i="1">
-                                  <a:latin typeface="Cambria Math" panose="02040503050406030204" pitchFamily="18" charset="0"/>
-                                </a:rPr>
-                                <m:t>∗</m:t>
-                              </m:r>
-                            </m:sub>
-                          </m:sSub>
-                          <m:r>
-                            <a:rPr lang="en-DK" i="1">
-                              <a:latin typeface="Cambria Math" panose="02040503050406030204" pitchFamily="18" charset="0"/>
-                            </a:rPr>
-                            <m:t>,</m:t>
-                          </m:r>
-                          <m:sSub>
-                            <m:sSubPr>
-                              <m:ctrlPr>
-                                <a:rPr lang="en-DK" i="1">
-                                  <a:latin typeface="Cambria Math" panose="02040503050406030204" pitchFamily="18" charset="0"/>
-                                </a:rPr>
-                              </m:ctrlPr>
-                            </m:sSubPr>
-                            <m:e>
-                              <m:r>
-                                <m:rPr>
-                                  <m:sty m:val="p"/>
-                                </m:rPr>
-                                <a:rPr lang="en-DK">
-                                  <a:latin typeface="Cambria Math" panose="02040503050406030204" pitchFamily="18" charset="0"/>
-                                </a:rPr>
-                                <m:t>Σ</m:t>
-                              </m:r>
-                            </m:e>
-                            <m:sub>
-                              <m:r>
-                                <a:rPr lang="en-DK" i="1">
-                                  <a:latin typeface="Cambria Math" panose="02040503050406030204" pitchFamily="18" charset="0"/>
-                                </a:rPr>
-                                <m:t>∗</m:t>
-                              </m:r>
-                            </m:sub>
-                          </m:sSub>
-                        </m:e>
-                      </m:d>
-                      <m:r>
-                        <a:rPr lang="en-DK" i="1">
-                          <a:latin typeface="Cambria Math" panose="02040503050406030204" pitchFamily="18" charset="0"/>
-                        </a:rPr>
-                        <m:t> </m:t>
-                      </m:r>
-                    </m:oMath>
-                  </m:oMathPara>
-                </a14:m>
-                <a:endParaRPr lang="en-DK" dirty="0"/>
-              </a:p>
-              <a:p>
-                <a:pPr marL="0" indent="0">
-                  <a:buNone/>
-                </a:pPr>
-                <a:endParaRPr lang="en-DK" dirty="0"/>
-              </a:p>
-              <a:p>
-                <a:pPr marL="0" indent="0">
-                  <a:buNone/>
-                </a:pPr>
-                <a:r>
-                  <a:rPr lang="en-DK" dirty="0"/>
-                  <a:t>Th</a:t>
-                </a:r>
-                <a:r>
-                  <a:rPr lang="da-DK" dirty="0"/>
-                  <a:t>i</a:t>
-                </a:r>
-                <a:r>
-                  <a:rPr lang="en-DK" dirty="0"/>
-                  <a:t>s </a:t>
-                </a:r>
-                <a:r>
-                  <a:rPr lang="da-DK" dirty="0"/>
-                  <a:t>f</a:t>
-                </a:r>
-                <a:r>
-                  <a:rPr lang="en-DK" dirty="0"/>
-                  <a:t>o</a:t>
-                </a:r>
-                <a:r>
-                  <a:rPr lang="da-DK" dirty="0"/>
-                  <a:t>r</a:t>
-                </a:r>
-                <a:r>
-                  <a:rPr lang="en-DK" dirty="0"/>
-                  <a:t>m</a:t>
-                </a:r>
-                <a:r>
-                  <a:rPr lang="da-DK" dirty="0"/>
-                  <a:t>u</a:t>
-                </a:r>
-                <a:r>
-                  <a:rPr lang="en-DK" dirty="0"/>
-                  <a:t>l</a:t>
-                </a:r>
-                <a:r>
-                  <a:rPr lang="da-DK" dirty="0"/>
-                  <a:t>a</a:t>
-                </a:r>
-                <a:r>
-                  <a:rPr lang="en-DK" dirty="0"/>
-                  <a:t> </a:t>
-                </a:r>
-                <a:r>
-                  <a:rPr lang="da-DK" dirty="0"/>
-                  <a:t>d</a:t>
-                </a:r>
-                <a:r>
-                  <a:rPr lang="en-DK" dirty="0"/>
-                  <a:t>e</a:t>
-                </a:r>
-                <a:r>
-                  <a:rPr lang="da-DK" dirty="0"/>
-                  <a:t>f</a:t>
-                </a:r>
-                <a:r>
-                  <a:rPr lang="en-DK" dirty="0" err="1"/>
-                  <a:t>i</a:t>
-                </a:r>
-                <a:r>
-                  <a:rPr lang="da-DK" dirty="0"/>
-                  <a:t>n</a:t>
-                </a:r>
-                <a:r>
-                  <a:rPr lang="en-DK" dirty="0"/>
-                  <a:t>e</a:t>
-                </a:r>
-                <a:r>
-                  <a:rPr lang="da-DK" dirty="0"/>
-                  <a:t>s</a:t>
-                </a:r>
-                <a:r>
-                  <a:rPr lang="en-DK" dirty="0"/>
-                  <a:t> </a:t>
-                </a:r>
-                <a:r>
-                  <a:rPr lang="da-DK" dirty="0"/>
-                  <a:t>t</a:t>
-                </a:r>
-                <a:r>
-                  <a:rPr lang="en-DK" dirty="0"/>
-                  <a:t>h</a:t>
-                </a:r>
-                <a:r>
-                  <a:rPr lang="da-DK" dirty="0"/>
-                  <a:t>e</a:t>
-                </a:r>
-                <a:r>
-                  <a:rPr lang="en-DK" b="1" dirty="0"/>
-                  <a:t> posterior predictive </a:t>
-                </a:r>
-                <a:r>
-                  <a:rPr lang="en-DK" b="1" dirty="0" err="1"/>
-                  <a:t>distributio</a:t>
-                </a:r>
-                <a:r>
-                  <a:rPr lang="da-DK" b="1" dirty="0"/>
-                  <a:t>n</a:t>
-                </a:r>
-                <a:r>
-                  <a:rPr lang="en-DK" b="1" dirty="0"/>
-                  <a:t> </a:t>
-                </a:r>
-                <a:r>
-                  <a:rPr lang="da-DK" dirty="0"/>
-                  <a:t>w</a:t>
-                </a:r>
-                <a:r>
-                  <a:rPr lang="en-DK" dirty="0"/>
-                  <a:t>h</a:t>
-                </a:r>
-                <a:r>
-                  <a:rPr lang="da-DK" dirty="0"/>
-                  <a:t>i</a:t>
-                </a:r>
-                <a:r>
-                  <a:rPr lang="en-DK" dirty="0"/>
-                  <a:t>c</a:t>
-                </a:r>
-                <a:r>
-                  <a:rPr lang="da-DK" dirty="0"/>
-                  <a:t>h</a:t>
-                </a:r>
-                <a:r>
-                  <a:rPr lang="en-DK" dirty="0"/>
-                  <a:t> </a:t>
-                </a:r>
-                <a:r>
-                  <a:rPr lang="da-DK" dirty="0"/>
-                  <a:t>i</a:t>
-                </a:r>
-                <a:r>
-                  <a:rPr lang="en-DK" dirty="0"/>
-                  <a:t>s </a:t>
-                </a:r>
-                <a:r>
-                  <a:rPr lang="da-DK" dirty="0"/>
-                  <a:t>a</a:t>
-                </a:r>
-                <a:r>
-                  <a:rPr lang="en-DK" dirty="0"/>
-                  <a:t>l</a:t>
-                </a:r>
-                <a:r>
-                  <a:rPr lang="da-DK" dirty="0"/>
-                  <a:t>s</a:t>
-                </a:r>
-                <a:r>
-                  <a:rPr lang="en-DK" dirty="0"/>
-                  <a:t>o </a:t>
-                </a:r>
-                <a:r>
-                  <a:rPr lang="da-DK" dirty="0"/>
-                  <a:t>G</a:t>
-                </a:r>
-                <a:r>
-                  <a:rPr lang="en-DK" dirty="0"/>
-                  <a:t>a</a:t>
-                </a:r>
-                <a:r>
-                  <a:rPr lang="da-DK" dirty="0"/>
-                  <a:t>u</a:t>
-                </a:r>
-                <a:r>
-                  <a:rPr lang="en-DK" dirty="0"/>
-                  <a:t>s</a:t>
-                </a:r>
-                <a:r>
-                  <a:rPr lang="da-DK" dirty="0"/>
-                  <a:t>s</a:t>
-                </a:r>
-                <a:r>
-                  <a:rPr lang="en-DK" dirty="0" err="1"/>
-                  <a:t>i</a:t>
-                </a:r>
-                <a:r>
-                  <a:rPr lang="da-DK" dirty="0"/>
-                  <a:t>a</a:t>
-                </a:r>
-                <a:r>
-                  <a:rPr lang="en-DK" dirty="0"/>
-                  <a:t>n </a:t>
-                </a:r>
-                <a:r>
-                  <a:rPr lang="da-DK" dirty="0"/>
-                  <a:t>w</a:t>
-                </a:r>
-                <a:r>
-                  <a:rPr lang="en-DK" dirty="0" err="1"/>
-                  <a:t>i</a:t>
-                </a:r>
-                <a:r>
-                  <a:rPr lang="da-DK" dirty="0"/>
-                  <a:t>t</a:t>
-                </a:r>
-                <a:r>
-                  <a:rPr lang="en-DK" dirty="0"/>
-                  <a:t>h </a:t>
-                </a:r>
-                <a:r>
-                  <a:rPr lang="da-DK" dirty="0"/>
-                  <a:t>m</a:t>
-                </a:r>
-                <a:r>
-                  <a:rPr lang="en-DK" dirty="0"/>
-                  <a:t>e</a:t>
-                </a:r>
-                <a:r>
-                  <a:rPr lang="da-DK" dirty="0"/>
-                  <a:t>a</a:t>
-                </a:r>
-                <a:r>
-                  <a:rPr lang="en-DK" dirty="0"/>
-                  <a:t>n </a:t>
-                </a:r>
-                <a14:m>
-                  <m:oMath xmlns:m="http://schemas.openxmlformats.org/officeDocument/2006/math">
-                    <m:sSub>
-                      <m:sSubPr>
-                        <m:ctrlPr>
-                          <a:rPr lang="en-DK" i="1">
-                            <a:latin typeface="Cambria Math" panose="02040503050406030204" pitchFamily="18" charset="0"/>
-                          </a:rPr>
-                        </m:ctrlPr>
-                      </m:sSubPr>
-                      <m:e>
-                        <m:r>
-                          <a:rPr lang="en-DK" i="1">
-                            <a:latin typeface="Cambria Math" panose="02040503050406030204" pitchFamily="18" charset="0"/>
-                          </a:rPr>
-                          <m:t>𝜇</m:t>
-                        </m:r>
-                      </m:e>
-                      <m:sub>
-                        <m:r>
-                          <a:rPr lang="en-DK" i="1">
-                            <a:latin typeface="Cambria Math" panose="02040503050406030204" pitchFamily="18" charset="0"/>
-                          </a:rPr>
-                          <m:t>∗</m:t>
-                        </m:r>
-                      </m:sub>
-                    </m:sSub>
-                  </m:oMath>
-                </a14:m>
-                <a:r>
-                  <a:rPr lang="en-DK" dirty="0"/>
-                  <a:t> and </a:t>
-                </a:r>
-                <a14:m>
-                  <m:oMath xmlns:m="http://schemas.openxmlformats.org/officeDocument/2006/math">
-                    <m:sSub>
-                      <m:sSubPr>
-                        <m:ctrlPr>
-                          <a:rPr lang="en-DK" i="1">
-                            <a:latin typeface="Cambria Math" panose="02040503050406030204" pitchFamily="18" charset="0"/>
-                          </a:rPr>
-                        </m:ctrlPr>
-                      </m:sSubPr>
-                      <m:e>
-                        <m:r>
-                          <m:rPr>
-                            <m:sty m:val="p"/>
-                          </m:rPr>
-                          <a:rPr lang="en-DK">
-                            <a:latin typeface="Cambria Math" panose="02040503050406030204" pitchFamily="18" charset="0"/>
-                          </a:rPr>
-                          <m:t>Σ</m:t>
-                        </m:r>
-                      </m:e>
-                      <m:sub>
-                        <m:r>
-                          <a:rPr lang="en-DK" i="1">
-                            <a:latin typeface="Cambria Math" panose="02040503050406030204" pitchFamily="18" charset="0"/>
-                          </a:rPr>
-                          <m:t>∗</m:t>
-                        </m:r>
-                      </m:sub>
-                    </m:sSub>
-                  </m:oMath>
-                </a14:m>
-                <a:r>
-                  <a:rPr lang="en-DK" dirty="0"/>
-                  <a:t>.</a:t>
-                </a:r>
-              </a:p>
-              <a:p>
-                <a:endParaRPr lang="en-DK" dirty="0"/>
-              </a:p>
-              <a:p>
-                <a:endParaRPr lang="da-DK" dirty="0"/>
-              </a:p>
-            </p:txBody>
-          </p:sp>
-        </mc:Choice>
-        <mc:Fallback>
-          <p:sp>
-            <p:nvSpPr>
-              <p:cNvPr id="8" name="Content Placeholder 7">
-                <a:extLst>
-                  <a:ext uri="{FF2B5EF4-FFF2-40B4-BE49-F238E27FC236}">
-                    <a16:creationId xmlns:a16="http://schemas.microsoft.com/office/drawing/2014/main" id="{541B25FC-90E3-4E93-B8EA-E33F9271C285}"/>
-                  </a:ext>
-                </a:extLst>
-              </p:cNvPr>
-              <p:cNvSpPr>
-                <a:spLocks noGrp="1" noRot="1" noChangeAspect="1" noMove="1" noResize="1" noEditPoints="1" noAdjustHandles="1" noChangeArrowheads="1" noChangeShapeType="1" noTextEdit="1"/>
-              </p:cNvSpPr>
-              <p:nvPr>
-                <p:ph idx="1"/>
-              </p:nvPr>
-            </p:nvSpPr>
-            <p:spPr>
-              <a:xfrm>
-                <a:off x="431799" y="1107873"/>
-                <a:ext cx="11325224" cy="4456111"/>
-              </a:xfrm>
-              <a:blipFill>
-                <a:blip r:embed="rId6"/>
-                <a:stretch>
-                  <a:fillRect l="-1292" b="-20657"/>
-                </a:stretch>
-              </a:blipFill>
-            </p:spPr>
-            <p:txBody>
-              <a:bodyPr/>
-              <a:lstStyle/>
-              <a:p>
-                <a:r>
-                  <a:rPr lang="da-DK">
-                    <a:noFill/>
-                  </a:rPr>
-                  <a:t> </a:t>
-                </a:r>
-              </a:p>
-            </p:txBody>
-          </p:sp>
-        </mc:Fallback>
-      </mc:AlternateContent>
-    </p:spTree>
-    <p:custDataLst>
-      <p:custData r:id="rId1"/>
-      <p:custData r:id="rId2"/>
-      <p:tags r:id="rId3"/>
-    </p:custDataLst>
-    <p:extLst>
-      <p:ext uri="{BB962C8B-B14F-4D97-AF65-F5344CB8AC3E}">
-        <p14:creationId xmlns:p14="http://schemas.microsoft.com/office/powerpoint/2010/main" val="3401839801"/>
-      </p:ext>
-    </p:extLst>
-  </p:cSld>
-  <p:clrMapOvr>
-    <a:masterClrMapping/>
-  </p:clrMapOvr>
-</p:sld>
-</file>
-
-<file path=ppt/slides/slide27.xml><?xml version="1.0" encoding="utf-8"?>
-<p:sld xmlns:a="http://schemas.openxmlformats.org/drawingml/2006/main" xmlns:r="http://schemas.openxmlformats.org/officeDocument/2006/relationships" xmlns:p="http://schemas.openxmlformats.org/presentationml/2006/main">
-  <p:cSld>
-    <p:spTree>
-      <p:nvGrpSpPr>
-        <p:cNvPr id="1" name=""/>
-        <p:cNvGrpSpPr/>
-        <p:nvPr/>
-      </p:nvGrpSpPr>
-      <p:grpSpPr>
-        <a:xfrm>
-          <a:off x="0" y="0"/>
-          <a:ext cx="0" cy="0"/>
-          <a:chOff x="0" y="0"/>
-          <a:chExt cx="0" cy="0"/>
-        </a:xfrm>
-      </p:grpSpPr>
-      <p:sp>
-        <p:nvSpPr>
           <p:cNvPr id="2" name="Slide Number Placeholder 1"/>
           <p:cNvSpPr>
             <a:spLocks noGrp="1"/>
@@ -27723,7 +29135,7 @@
             <a:fld id="{24C8C45C-947F-4981-8B3F-4F32E973C901}" type="slidenum">
               <a:rPr lang="en-GB" smtClean="0"/>
               <a:pPr/>
-              <a:t>27</a:t>
+              <a:t>26</a:t>
             </a:fld>
             <a:endParaRPr lang="en-GB" dirty="0"/>
           </a:p>
@@ -27738,41 +29150,6 @@
     <p:extLst>
       <p:ext uri="{BB962C8B-B14F-4D97-AF65-F5344CB8AC3E}">
         <p14:creationId xmlns:p14="http://schemas.microsoft.com/office/powerpoint/2010/main" val="71835216"/>
-      </p:ext>
-    </p:extLst>
-  </p:cSld>
-  <p:clrMapOvr>
-    <a:masterClrMapping/>
-  </p:clrMapOvr>
-</p:sld>
-</file>
-
-<file path=ppt/slides/slide28.xml><?xml version="1.0" encoding="utf-8"?>
-<p:sld xmlns:a="http://schemas.openxmlformats.org/drawingml/2006/main" xmlns:r="http://schemas.openxmlformats.org/officeDocument/2006/relationships" xmlns:p="http://schemas.openxmlformats.org/presentationml/2006/main" show="0">
-  <p:cSld>
-    <p:spTree>
-      <p:nvGrpSpPr>
-        <p:cNvPr id="1" name=""/>
-        <p:cNvGrpSpPr/>
-        <p:nvPr/>
-      </p:nvGrpSpPr>
-      <p:grpSpPr>
-        <a:xfrm>
-          <a:off x="0" y="0"/>
-          <a:ext cx="0" cy="0"/>
-          <a:chOff x="0" y="0"/>
-          <a:chExt cx="0" cy="0"/>
-        </a:xfrm>
-      </p:grpSpPr>
-    </p:spTree>
-    <p:custDataLst>
-      <p:custData r:id="rId1"/>
-      <p:custData r:id="rId2"/>
-      <p:tags r:id="rId3"/>
-    </p:custDataLst>
-    <p:extLst>
-      <p:ext uri="{BB962C8B-B14F-4D97-AF65-F5344CB8AC3E}">
-        <p14:creationId xmlns:p14="http://schemas.microsoft.com/office/powerpoint/2010/main" val="4211261746"/>
       </p:ext>
     </p:extLst>
   </p:cSld>
@@ -28070,6 +29447,235 @@
   <p:clrMapOvr>
     <a:masterClrMapping/>
   </p:clrMapOvr>
+  <p:timing>
+    <p:tnLst>
+      <p:par>
+        <p:cTn id="1" dur="indefinite" restart="never" nodeType="tmRoot">
+          <p:childTnLst>
+            <p:seq concurrent="1" nextAc="seek">
+              <p:cTn id="2" dur="indefinite" nodeType="mainSeq">
+                <p:childTnLst>
+                  <p:par>
+                    <p:cTn id="3" fill="hold">
+                      <p:stCondLst>
+                        <p:cond delay="indefinite"/>
+                        <p:cond evt="onBegin" delay="0">
+                          <p:tn val="2"/>
+                        </p:cond>
+                      </p:stCondLst>
+                      <p:childTnLst>
+                        <p:par>
+                          <p:cTn id="4" fill="hold">
+                            <p:stCondLst>
+                              <p:cond delay="0"/>
+                            </p:stCondLst>
+                            <p:childTnLst>
+                              <p:par>
+                                <p:cTn id="5" presetID="1" presetClass="entr" presetSubtype="0" fill="hold" nodeType="withEffect">
+                                  <p:stCondLst>
+                                    <p:cond delay="0"/>
+                                  </p:stCondLst>
+                                  <p:childTnLst>
+                                    <p:set>
+                                      <p:cBhvr>
+                                        <p:cTn id="6" dur="1" fill="hold">
+                                          <p:stCondLst>
+                                            <p:cond delay="0"/>
+                                          </p:stCondLst>
+                                        </p:cTn>
+                                        <p:tgtEl>
+                                          <p:spTgt spid="8">
+                                            <p:txEl>
+                                              <p:pRg st="1" end="1"/>
+                                            </p:txEl>
+                                          </p:spTgt>
+                                        </p:tgtEl>
+                                        <p:attrNameLst>
+                                          <p:attrName>style.visibility</p:attrName>
+                                        </p:attrNameLst>
+                                      </p:cBhvr>
+                                      <p:to>
+                                        <p:strVal val="visible"/>
+                                      </p:to>
+                                    </p:set>
+                                  </p:childTnLst>
+                                </p:cTn>
+                              </p:par>
+                            </p:childTnLst>
+                          </p:cTn>
+                        </p:par>
+                      </p:childTnLst>
+                    </p:cTn>
+                  </p:par>
+                  <p:par>
+                    <p:cTn id="7" fill="hold">
+                      <p:stCondLst>
+                        <p:cond delay="indefinite"/>
+                      </p:stCondLst>
+                      <p:childTnLst>
+                        <p:par>
+                          <p:cTn id="8" fill="hold">
+                            <p:stCondLst>
+                              <p:cond delay="0"/>
+                            </p:stCondLst>
+                            <p:childTnLst>
+                              <p:par>
+                                <p:cTn id="9" presetID="1" presetClass="entr" presetSubtype="0" fill="hold" nodeType="clickEffect">
+                                  <p:stCondLst>
+                                    <p:cond delay="0"/>
+                                  </p:stCondLst>
+                                  <p:childTnLst>
+                                    <p:set>
+                                      <p:cBhvr>
+                                        <p:cTn id="10" dur="1" fill="hold">
+                                          <p:stCondLst>
+                                            <p:cond delay="0"/>
+                                          </p:stCondLst>
+                                        </p:cTn>
+                                        <p:tgtEl>
+                                          <p:spTgt spid="8">
+                                            <p:txEl>
+                                              <p:pRg st="2" end="2"/>
+                                            </p:txEl>
+                                          </p:spTgt>
+                                        </p:tgtEl>
+                                        <p:attrNameLst>
+                                          <p:attrName>style.visibility</p:attrName>
+                                        </p:attrNameLst>
+                                      </p:cBhvr>
+                                      <p:to>
+                                        <p:strVal val="visible"/>
+                                      </p:to>
+                                    </p:set>
+                                  </p:childTnLst>
+                                </p:cTn>
+                              </p:par>
+                            </p:childTnLst>
+                          </p:cTn>
+                        </p:par>
+                      </p:childTnLst>
+                    </p:cTn>
+                  </p:par>
+                  <p:par>
+                    <p:cTn id="11" fill="hold">
+                      <p:stCondLst>
+                        <p:cond delay="indefinite"/>
+                      </p:stCondLst>
+                      <p:childTnLst>
+                        <p:par>
+                          <p:cTn id="12" fill="hold">
+                            <p:stCondLst>
+                              <p:cond delay="0"/>
+                            </p:stCondLst>
+                            <p:childTnLst>
+                              <p:par>
+                                <p:cTn id="13" presetID="1" presetClass="entr" presetSubtype="0" fill="hold" nodeType="clickEffect">
+                                  <p:stCondLst>
+                                    <p:cond delay="0"/>
+                                  </p:stCondLst>
+                                  <p:childTnLst>
+                                    <p:set>
+                                      <p:cBhvr>
+                                        <p:cTn id="14" dur="1" fill="hold">
+                                          <p:stCondLst>
+                                            <p:cond delay="0"/>
+                                          </p:stCondLst>
+                                        </p:cTn>
+                                        <p:tgtEl>
+                                          <p:spTgt spid="8">
+                                            <p:txEl>
+                                              <p:pRg st="4" end="4"/>
+                                            </p:txEl>
+                                          </p:spTgt>
+                                        </p:tgtEl>
+                                        <p:attrNameLst>
+                                          <p:attrName>style.visibility</p:attrName>
+                                        </p:attrNameLst>
+                                      </p:cBhvr>
+                                      <p:to>
+                                        <p:strVal val="visible"/>
+                                      </p:to>
+                                    </p:set>
+                                  </p:childTnLst>
+                                </p:cTn>
+                              </p:par>
+                            </p:childTnLst>
+                          </p:cTn>
+                        </p:par>
+                      </p:childTnLst>
+                    </p:cTn>
+                  </p:par>
+                  <p:par>
+                    <p:cTn id="15" fill="hold">
+                      <p:stCondLst>
+                        <p:cond delay="indefinite"/>
+                      </p:stCondLst>
+                      <p:childTnLst>
+                        <p:par>
+                          <p:cTn id="16" fill="hold">
+                            <p:stCondLst>
+                              <p:cond delay="0"/>
+                            </p:stCondLst>
+                            <p:childTnLst>
+                              <p:par>
+                                <p:cTn id="17" presetID="1" presetClass="entr" presetSubtype="0" fill="hold" nodeType="clickEffect">
+                                  <p:stCondLst>
+                                    <p:cond delay="0"/>
+                                  </p:stCondLst>
+                                  <p:childTnLst>
+                                    <p:set>
+                                      <p:cBhvr>
+                                        <p:cTn id="18" dur="1" fill="hold">
+                                          <p:stCondLst>
+                                            <p:cond delay="0"/>
+                                          </p:stCondLst>
+                                        </p:cTn>
+                                        <p:tgtEl>
+                                          <p:spTgt spid="8">
+                                            <p:txEl>
+                                              <p:pRg st="6" end="6"/>
+                                            </p:txEl>
+                                          </p:spTgt>
+                                        </p:tgtEl>
+                                        <p:attrNameLst>
+                                          <p:attrName>style.visibility</p:attrName>
+                                        </p:attrNameLst>
+                                      </p:cBhvr>
+                                      <p:to>
+                                        <p:strVal val="visible"/>
+                                      </p:to>
+                                    </p:set>
+                                  </p:childTnLst>
+                                </p:cTn>
+                              </p:par>
+                            </p:childTnLst>
+                          </p:cTn>
+                        </p:par>
+                      </p:childTnLst>
+                    </p:cTn>
+                  </p:par>
+                </p:childTnLst>
+              </p:cTn>
+              <p:prevCondLst>
+                <p:cond evt="onPrev" delay="0">
+                  <p:tgtEl>
+                    <p:sldTgt/>
+                  </p:tgtEl>
+                </p:cond>
+              </p:prevCondLst>
+              <p:nextCondLst>
+                <p:cond evt="onNext" delay="0">
+                  <p:tgtEl>
+                    <p:sldTgt/>
+                  </p:tgtEl>
+                </p:cond>
+              </p:nextCondLst>
+            </p:seq>
+          </p:childTnLst>
+        </p:cTn>
+      </p:par>
+    </p:tnLst>
+  </p:timing>
 </p:sld>
 </file>
 
@@ -28834,6 +30440,236 @@
   <p:clrMapOvr>
     <a:masterClrMapping/>
   </p:clrMapOvr>
+  <p:timing>
+    <p:tnLst>
+      <p:par>
+        <p:cTn id="1" dur="indefinite" restart="never" nodeType="tmRoot">
+          <p:childTnLst>
+            <p:seq concurrent="1" nextAc="seek">
+              <p:cTn id="2" dur="indefinite" nodeType="mainSeq">
+                <p:childTnLst>
+                  <p:par>
+                    <p:cTn id="3" fill="hold">
+                      <p:stCondLst>
+                        <p:cond delay="indefinite"/>
+                      </p:stCondLst>
+                      <p:childTnLst>
+                        <p:par>
+                          <p:cTn id="4" fill="hold">
+                            <p:stCondLst>
+                              <p:cond delay="0"/>
+                            </p:stCondLst>
+                            <p:childTnLst>
+                              <p:par>
+                                <p:cTn id="5" presetID="1" presetClass="entr" presetSubtype="0" fill="hold" nodeType="clickEffect">
+                                  <p:stCondLst>
+                                    <p:cond delay="0"/>
+                                  </p:stCondLst>
+                                  <p:childTnLst>
+                                    <p:set>
+                                      <p:cBhvr>
+                                        <p:cTn id="6" dur="1" fill="hold">
+                                          <p:stCondLst>
+                                            <p:cond delay="0"/>
+                                          </p:stCondLst>
+                                        </p:cTn>
+                                        <p:tgtEl>
+                                          <p:spTgt spid="10">
+                                            <p:txEl>
+                                              <p:pRg st="5" end="5"/>
+                                            </p:txEl>
+                                          </p:spTgt>
+                                        </p:tgtEl>
+                                        <p:attrNameLst>
+                                          <p:attrName>style.visibility</p:attrName>
+                                        </p:attrNameLst>
+                                      </p:cBhvr>
+                                      <p:to>
+                                        <p:strVal val="visible"/>
+                                      </p:to>
+                                    </p:set>
+                                  </p:childTnLst>
+                                </p:cTn>
+                              </p:par>
+                              <p:par>
+                                <p:cTn id="7" presetID="1" presetClass="entr" presetSubtype="0" fill="hold" nodeType="withEffect">
+                                  <p:stCondLst>
+                                    <p:cond delay="0"/>
+                                  </p:stCondLst>
+                                  <p:childTnLst>
+                                    <p:set>
+                                      <p:cBhvr>
+                                        <p:cTn id="8" dur="1" fill="hold">
+                                          <p:stCondLst>
+                                            <p:cond delay="0"/>
+                                          </p:stCondLst>
+                                        </p:cTn>
+                                        <p:tgtEl>
+                                          <p:spTgt spid="10">
+                                            <p:txEl>
+                                              <p:pRg st="6" end="6"/>
+                                            </p:txEl>
+                                          </p:spTgt>
+                                        </p:tgtEl>
+                                        <p:attrNameLst>
+                                          <p:attrName>style.visibility</p:attrName>
+                                        </p:attrNameLst>
+                                      </p:cBhvr>
+                                      <p:to>
+                                        <p:strVal val="visible"/>
+                                      </p:to>
+                                    </p:set>
+                                  </p:childTnLst>
+                                </p:cTn>
+                              </p:par>
+                              <p:par>
+                                <p:cTn id="9" presetID="1" presetClass="entr" presetSubtype="0" fill="hold" nodeType="withEffect">
+                                  <p:stCondLst>
+                                    <p:cond delay="0"/>
+                                  </p:stCondLst>
+                                  <p:childTnLst>
+                                    <p:set>
+                                      <p:cBhvr>
+                                        <p:cTn id="10" dur="1" fill="hold">
+                                          <p:stCondLst>
+                                            <p:cond delay="0"/>
+                                          </p:stCondLst>
+                                        </p:cTn>
+                                        <p:tgtEl>
+                                          <p:spTgt spid="10">
+                                            <p:txEl>
+                                              <p:pRg st="8" end="8"/>
+                                            </p:txEl>
+                                          </p:spTgt>
+                                        </p:tgtEl>
+                                        <p:attrNameLst>
+                                          <p:attrName>style.visibility</p:attrName>
+                                        </p:attrNameLst>
+                                      </p:cBhvr>
+                                      <p:to>
+                                        <p:strVal val="visible"/>
+                                      </p:to>
+                                    </p:set>
+                                  </p:childTnLst>
+                                </p:cTn>
+                              </p:par>
+                              <p:par>
+                                <p:cTn id="11" presetID="1" presetClass="entr" presetSubtype="0" fill="hold" nodeType="withEffect">
+                                  <p:stCondLst>
+                                    <p:cond delay="0"/>
+                                  </p:stCondLst>
+                                  <p:childTnLst>
+                                    <p:set>
+                                      <p:cBhvr>
+                                        <p:cTn id="12" dur="1" fill="hold">
+                                          <p:stCondLst>
+                                            <p:cond delay="0"/>
+                                          </p:stCondLst>
+                                        </p:cTn>
+                                        <p:tgtEl>
+                                          <p:spTgt spid="10">
+                                            <p:txEl>
+                                              <p:pRg st="9" end="9"/>
+                                            </p:txEl>
+                                          </p:spTgt>
+                                        </p:tgtEl>
+                                        <p:attrNameLst>
+                                          <p:attrName>style.visibility</p:attrName>
+                                        </p:attrNameLst>
+                                      </p:cBhvr>
+                                      <p:to>
+                                        <p:strVal val="visible"/>
+                                      </p:to>
+                                    </p:set>
+                                  </p:childTnLst>
+                                </p:cTn>
+                              </p:par>
+                              <p:par>
+                                <p:cTn id="13" presetID="1" presetClass="entr" presetSubtype="0" fill="hold" nodeType="withEffect">
+                                  <p:stCondLst>
+                                    <p:cond delay="0"/>
+                                  </p:stCondLst>
+                                  <p:childTnLst>
+                                    <p:set>
+                                      <p:cBhvr>
+                                        <p:cTn id="14" dur="1" fill="hold">
+                                          <p:stCondLst>
+                                            <p:cond delay="0"/>
+                                          </p:stCondLst>
+                                        </p:cTn>
+                                        <p:tgtEl>
+                                          <p:spTgt spid="10">
+                                            <p:txEl>
+                                              <p:pRg st="10" end="10"/>
+                                            </p:txEl>
+                                          </p:spTgt>
+                                        </p:tgtEl>
+                                        <p:attrNameLst>
+                                          <p:attrName>style.visibility</p:attrName>
+                                        </p:attrNameLst>
+                                      </p:cBhvr>
+                                      <p:to>
+                                        <p:strVal val="visible"/>
+                                      </p:to>
+                                    </p:set>
+                                  </p:childTnLst>
+                                </p:cTn>
+                              </p:par>
+                              <p:par>
+                                <p:cTn id="15" presetID="1" presetClass="entr" presetSubtype="0" fill="hold" nodeType="withEffect">
+                                  <p:stCondLst>
+                                    <p:cond delay="0"/>
+                                  </p:stCondLst>
+                                  <p:childTnLst>
+                                    <p:set>
+                                      <p:cBhvr>
+                                        <p:cTn id="16" dur="1" fill="hold">
+                                          <p:stCondLst>
+                                            <p:cond delay="0"/>
+                                          </p:stCondLst>
+                                        </p:cTn>
+                                        <p:tgtEl>
+                                          <p:spTgt spid="2"/>
+                                        </p:tgtEl>
+                                        <p:attrNameLst>
+                                          <p:attrName>style.visibility</p:attrName>
+                                        </p:attrNameLst>
+                                      </p:cBhvr>
+                                      <p:to>
+                                        <p:strVal val="visible"/>
+                                      </p:to>
+                                    </p:set>
+                                  </p:childTnLst>
+                                </p:cTn>
+                              </p:par>
+                            </p:childTnLst>
+                          </p:cTn>
+                        </p:par>
+                      </p:childTnLst>
+                    </p:cTn>
+                  </p:par>
+                </p:childTnLst>
+              </p:cTn>
+              <p:prevCondLst>
+                <p:cond evt="onPrev" delay="0">
+                  <p:tgtEl>
+                    <p:sldTgt/>
+                  </p:tgtEl>
+                </p:cond>
+              </p:prevCondLst>
+              <p:nextCondLst>
+                <p:cond evt="onNext" delay="0">
+                  <p:tgtEl>
+                    <p:sldTgt/>
+                  </p:tgtEl>
+                </p:cond>
+              </p:nextCondLst>
+            </p:seq>
+          </p:childTnLst>
+        </p:cTn>
+      </p:par>
+    </p:tnLst>
+  </p:timing>
 </p:sld>
 </file>
 
@@ -29400,6 +31236,134 @@
   <p:clrMapOvr>
     <a:masterClrMapping/>
   </p:clrMapOvr>
+  <p:timing>
+    <p:tnLst>
+      <p:par>
+        <p:cTn id="1" dur="indefinite" restart="never" nodeType="tmRoot">
+          <p:childTnLst>
+            <p:seq concurrent="1" nextAc="seek">
+              <p:cTn id="2" dur="indefinite" nodeType="mainSeq">
+                <p:childTnLst>
+                  <p:par>
+                    <p:cTn id="3" fill="hold">
+                      <p:stCondLst>
+                        <p:cond delay="indefinite"/>
+                      </p:stCondLst>
+                      <p:childTnLst>
+                        <p:par>
+                          <p:cTn id="4" fill="hold">
+                            <p:stCondLst>
+                              <p:cond delay="0"/>
+                            </p:stCondLst>
+                            <p:childTnLst>
+                              <p:par>
+                                <p:cTn id="5" presetID="1" presetClass="entr" presetSubtype="0" fill="hold" nodeType="clickEffect">
+                                  <p:stCondLst>
+                                    <p:cond delay="0"/>
+                                  </p:stCondLst>
+                                  <p:childTnLst>
+                                    <p:set>
+                                      <p:cBhvr>
+                                        <p:cTn id="6" dur="1" fill="hold">
+                                          <p:stCondLst>
+                                            <p:cond delay="0"/>
+                                          </p:stCondLst>
+                                        </p:cTn>
+                                        <p:tgtEl>
+                                          <p:spTgt spid="8">
+                                            <p:txEl>
+                                              <p:pRg st="10" end="10"/>
+                                            </p:txEl>
+                                          </p:spTgt>
+                                        </p:tgtEl>
+                                        <p:attrNameLst>
+                                          <p:attrName>style.visibility</p:attrName>
+                                        </p:attrNameLst>
+                                      </p:cBhvr>
+                                      <p:to>
+                                        <p:strVal val="visible"/>
+                                      </p:to>
+                                    </p:set>
+                                  </p:childTnLst>
+                                </p:cTn>
+                              </p:par>
+                            </p:childTnLst>
+                          </p:cTn>
+                        </p:par>
+                      </p:childTnLst>
+                    </p:cTn>
+                  </p:par>
+                  <p:par>
+                    <p:cTn id="7" fill="hold">
+                      <p:stCondLst>
+                        <p:cond delay="indefinite"/>
+                      </p:stCondLst>
+                      <p:childTnLst>
+                        <p:par>
+                          <p:cTn id="8" fill="hold">
+                            <p:stCondLst>
+                              <p:cond delay="0"/>
+                            </p:stCondLst>
+                            <p:childTnLst>
+                              <p:par>
+                                <p:cTn id="9" presetID="1" presetClass="entr" presetSubtype="0" fill="hold" nodeType="clickEffect">
+                                  <p:stCondLst>
+                                    <p:cond delay="0"/>
+                                  </p:stCondLst>
+                                  <p:childTnLst>
+                                    <p:set>
+                                      <p:cBhvr>
+                                        <p:cTn id="10" dur="1" fill="hold">
+                                          <p:stCondLst>
+                                            <p:cond delay="0"/>
+                                          </p:stCondLst>
+                                        </p:cTn>
+                                        <p:tgtEl>
+                                          <p:spTgt spid="8">
+                                            <p:txEl>
+                                              <p:pRg st="12" end="12"/>
+                                            </p:txEl>
+                                          </p:spTgt>
+                                        </p:tgtEl>
+                                        <p:attrNameLst>
+                                          <p:attrName>style.visibility</p:attrName>
+                                        </p:attrNameLst>
+                                      </p:cBhvr>
+                                      <p:to>
+                                        <p:strVal val="visible"/>
+                                      </p:to>
+                                    </p:set>
+                                  </p:childTnLst>
+                                </p:cTn>
+                              </p:par>
+                            </p:childTnLst>
+                          </p:cTn>
+                        </p:par>
+                      </p:childTnLst>
+                    </p:cTn>
+                  </p:par>
+                </p:childTnLst>
+              </p:cTn>
+              <p:prevCondLst>
+                <p:cond evt="onPrev" delay="0">
+                  <p:tgtEl>
+                    <p:sldTgt/>
+                  </p:tgtEl>
+                </p:cond>
+              </p:prevCondLst>
+              <p:nextCondLst>
+                <p:cond evt="onNext" delay="0">
+                  <p:tgtEl>
+                    <p:sldTgt/>
+                  </p:tgtEl>
+                </p:cond>
+              </p:nextCondLst>
+            </p:seq>
+          </p:childTnLst>
+        </p:cTn>
+      </p:par>
+    </p:tnLst>
+  </p:timing>
 </p:sld>
 </file>
 
@@ -29798,13 +31762,6 @@
           </a:p>
           <a:p>
             <a:endParaRPr lang="en-US" sz="1200" dirty="0"/>
-          </a:p>
-          <a:p>
-            <a:r>
-              <a:rPr lang="en-US" dirty="0"/>
-              <a:t>This is the key point to see the connection between multivariate Gaussians and Gaussian Process regression</a:t>
-            </a:r>
-            <a:endParaRPr lang="da-DK" dirty="0"/>
           </a:p>
         </p:txBody>
       </p:sp>
@@ -29852,6 +31809,85 @@
   <p:clrMapOvr>
     <a:masterClrMapping/>
   </p:clrMapOvr>
+  <p:timing>
+    <p:tnLst>
+      <p:par>
+        <p:cTn id="1" dur="indefinite" restart="never" nodeType="tmRoot">
+          <p:childTnLst>
+            <p:seq concurrent="1" nextAc="seek">
+              <p:cTn id="2" dur="indefinite" nodeType="mainSeq">
+                <p:childTnLst>
+                  <p:par>
+                    <p:cTn id="3" fill="hold">
+                      <p:stCondLst>
+                        <p:cond delay="indefinite"/>
+                      </p:stCondLst>
+                      <p:childTnLst>
+                        <p:par>
+                          <p:cTn id="4" fill="hold">
+                            <p:stCondLst>
+                              <p:cond delay="0"/>
+                            </p:stCondLst>
+                            <p:childTnLst>
+                              <p:par>
+                                <p:cTn id="5" presetID="1" presetClass="entr" presetSubtype="0" fill="hold" nodeType="clickEffect">
+                                  <p:stCondLst>
+                                    <p:cond delay="0"/>
+                                  </p:stCondLst>
+                                  <p:childTnLst>
+                                    <p:set>
+                                      <p:cBhvr>
+                                        <p:cTn id="6" dur="1" fill="hold">
+                                          <p:stCondLst>
+                                            <p:cond delay="0"/>
+                                          </p:stCondLst>
+                                        </p:cTn>
+                                        <p:tgtEl>
+                                          <p:spTgt spid="8">
+                                            <p:txEl>
+                                              <p:pRg st="12" end="12"/>
+                                            </p:txEl>
+                                          </p:spTgt>
+                                        </p:tgtEl>
+                                        <p:attrNameLst>
+                                          <p:attrName>style.visibility</p:attrName>
+                                        </p:attrNameLst>
+                                      </p:cBhvr>
+                                      <p:to>
+                                        <p:strVal val="visible"/>
+                                      </p:to>
+                                    </p:set>
+                                  </p:childTnLst>
+                                </p:cTn>
+                              </p:par>
+                            </p:childTnLst>
+                          </p:cTn>
+                        </p:par>
+                      </p:childTnLst>
+                    </p:cTn>
+                  </p:par>
+                </p:childTnLst>
+              </p:cTn>
+              <p:prevCondLst>
+                <p:cond evt="onPrev" delay="0">
+                  <p:tgtEl>
+                    <p:sldTgt/>
+                  </p:tgtEl>
+                </p:cond>
+              </p:prevCondLst>
+              <p:nextCondLst>
+                <p:cond evt="onNext" delay="0">
+                  <p:tgtEl>
+                    <p:sldTgt/>
+                  </p:tgtEl>
+                </p:cond>
+              </p:nextCondLst>
+            </p:seq>
+          </p:childTnLst>
+        </p:cTn>
+      </p:par>
+    </p:tnLst>
+  </p:timing>
 </p:sld>
 </file>
 
@@ -31080,6 +33116,294 @@
   <p:clrMapOvr>
     <a:masterClrMapping/>
   </p:clrMapOvr>
+  <p:timing>
+    <p:tnLst>
+      <p:par>
+        <p:cTn id="1" dur="indefinite" restart="never" nodeType="tmRoot">
+          <p:childTnLst>
+            <p:seq concurrent="1" nextAc="seek">
+              <p:cTn id="2" dur="indefinite" nodeType="mainSeq">
+                <p:childTnLst>
+                  <p:par>
+                    <p:cTn id="3" fill="hold">
+                      <p:stCondLst>
+                        <p:cond delay="indefinite"/>
+                      </p:stCondLst>
+                      <p:childTnLst>
+                        <p:par>
+                          <p:cTn id="4" fill="hold">
+                            <p:stCondLst>
+                              <p:cond delay="0"/>
+                            </p:stCondLst>
+                            <p:childTnLst>
+                              <p:par>
+                                <p:cTn id="5" presetID="1" presetClass="entr" presetSubtype="0" fill="hold" nodeType="clickEffect">
+                                  <p:stCondLst>
+                                    <p:cond delay="0"/>
+                                  </p:stCondLst>
+                                  <p:childTnLst>
+                                    <p:set>
+                                      <p:cBhvr>
+                                        <p:cTn id="6" dur="1" fill="hold">
+                                          <p:stCondLst>
+                                            <p:cond delay="0"/>
+                                          </p:stCondLst>
+                                        </p:cTn>
+                                        <p:tgtEl>
+                                          <p:spTgt spid="12">
+                                            <p:txEl>
+                                              <p:pRg st="0" end="0"/>
+                                            </p:txEl>
+                                          </p:spTgt>
+                                        </p:tgtEl>
+                                        <p:attrNameLst>
+                                          <p:attrName>style.visibility</p:attrName>
+                                        </p:attrNameLst>
+                                      </p:cBhvr>
+                                      <p:to>
+                                        <p:strVal val="visible"/>
+                                      </p:to>
+                                    </p:set>
+                                  </p:childTnLst>
+                                </p:cTn>
+                              </p:par>
+                              <p:par>
+                                <p:cTn id="7" presetID="1" presetClass="entr" presetSubtype="0" fill="hold" nodeType="withEffect">
+                                  <p:stCondLst>
+                                    <p:cond delay="0"/>
+                                  </p:stCondLst>
+                                  <p:childTnLst>
+                                    <p:set>
+                                      <p:cBhvr>
+                                        <p:cTn id="8" dur="1" fill="hold">
+                                          <p:stCondLst>
+                                            <p:cond delay="0"/>
+                                          </p:stCondLst>
+                                        </p:cTn>
+                                        <p:tgtEl>
+                                          <p:spTgt spid="12">
+                                            <p:txEl>
+                                              <p:pRg st="1" end="1"/>
+                                            </p:txEl>
+                                          </p:spTgt>
+                                        </p:tgtEl>
+                                        <p:attrNameLst>
+                                          <p:attrName>style.visibility</p:attrName>
+                                        </p:attrNameLst>
+                                      </p:cBhvr>
+                                      <p:to>
+                                        <p:strVal val="visible"/>
+                                      </p:to>
+                                    </p:set>
+                                  </p:childTnLst>
+                                </p:cTn>
+                              </p:par>
+                              <p:par>
+                                <p:cTn id="9" presetID="1" presetClass="entr" presetSubtype="0" fill="hold" nodeType="withEffect">
+                                  <p:stCondLst>
+                                    <p:cond delay="0"/>
+                                  </p:stCondLst>
+                                  <p:childTnLst>
+                                    <p:set>
+                                      <p:cBhvr>
+                                        <p:cTn id="10" dur="1" fill="hold">
+                                          <p:stCondLst>
+                                            <p:cond delay="0"/>
+                                          </p:stCondLst>
+                                        </p:cTn>
+                                        <p:tgtEl>
+                                          <p:spTgt spid="12">
+                                            <p:txEl>
+                                              <p:pRg st="2" end="2"/>
+                                            </p:txEl>
+                                          </p:spTgt>
+                                        </p:tgtEl>
+                                        <p:attrNameLst>
+                                          <p:attrName>style.visibility</p:attrName>
+                                        </p:attrNameLst>
+                                      </p:cBhvr>
+                                      <p:to>
+                                        <p:strVal val="visible"/>
+                                      </p:to>
+                                    </p:set>
+                                  </p:childTnLst>
+                                </p:cTn>
+                              </p:par>
+                            </p:childTnLst>
+                          </p:cTn>
+                        </p:par>
+                      </p:childTnLst>
+                    </p:cTn>
+                  </p:par>
+                  <p:par>
+                    <p:cTn id="11" fill="hold">
+                      <p:stCondLst>
+                        <p:cond delay="indefinite"/>
+                      </p:stCondLst>
+                      <p:childTnLst>
+                        <p:par>
+                          <p:cTn id="12" fill="hold">
+                            <p:stCondLst>
+                              <p:cond delay="0"/>
+                            </p:stCondLst>
+                            <p:childTnLst>
+                              <p:par>
+                                <p:cTn id="13" presetID="1" presetClass="entr" presetSubtype="0" fill="hold" nodeType="clickEffect">
+                                  <p:stCondLst>
+                                    <p:cond delay="0"/>
+                                  </p:stCondLst>
+                                  <p:childTnLst>
+                                    <p:set>
+                                      <p:cBhvr>
+                                        <p:cTn id="14" dur="1" fill="hold">
+                                          <p:stCondLst>
+                                            <p:cond delay="0"/>
+                                          </p:stCondLst>
+                                        </p:cTn>
+                                        <p:tgtEl>
+                                          <p:spTgt spid="12">
+                                            <p:txEl>
+                                              <p:pRg st="4" end="4"/>
+                                            </p:txEl>
+                                          </p:spTgt>
+                                        </p:tgtEl>
+                                        <p:attrNameLst>
+                                          <p:attrName>style.visibility</p:attrName>
+                                        </p:attrNameLst>
+                                      </p:cBhvr>
+                                      <p:to>
+                                        <p:strVal val="visible"/>
+                                      </p:to>
+                                    </p:set>
+                                  </p:childTnLst>
+                                </p:cTn>
+                              </p:par>
+                            </p:childTnLst>
+                          </p:cTn>
+                        </p:par>
+                      </p:childTnLst>
+                    </p:cTn>
+                  </p:par>
+                  <p:par>
+                    <p:cTn id="15" fill="hold">
+                      <p:stCondLst>
+                        <p:cond delay="indefinite"/>
+                      </p:stCondLst>
+                      <p:childTnLst>
+                        <p:par>
+                          <p:cTn id="16" fill="hold">
+                            <p:stCondLst>
+                              <p:cond delay="0"/>
+                            </p:stCondLst>
+                            <p:childTnLst>
+                              <p:par>
+                                <p:cTn id="17" presetID="1" presetClass="entr" presetSubtype="0" fill="hold" nodeType="clickEffect">
+                                  <p:stCondLst>
+                                    <p:cond delay="0"/>
+                                  </p:stCondLst>
+                                  <p:childTnLst>
+                                    <p:set>
+                                      <p:cBhvr>
+                                        <p:cTn id="18" dur="1" fill="hold">
+                                          <p:stCondLst>
+                                            <p:cond delay="0"/>
+                                          </p:stCondLst>
+                                        </p:cTn>
+                                        <p:tgtEl>
+                                          <p:spTgt spid="12">
+                                            <p:txEl>
+                                              <p:pRg st="6" end="6"/>
+                                            </p:txEl>
+                                          </p:spTgt>
+                                        </p:tgtEl>
+                                        <p:attrNameLst>
+                                          <p:attrName>style.visibility</p:attrName>
+                                        </p:attrNameLst>
+                                      </p:cBhvr>
+                                      <p:to>
+                                        <p:strVal val="visible"/>
+                                      </p:to>
+                                    </p:set>
+                                  </p:childTnLst>
+                                </p:cTn>
+                              </p:par>
+                            </p:childTnLst>
+                          </p:cTn>
+                        </p:par>
+                      </p:childTnLst>
+                    </p:cTn>
+                  </p:par>
+                  <p:par>
+                    <p:cTn id="19" fill="hold">
+                      <p:stCondLst>
+                        <p:cond delay="indefinite"/>
+                      </p:stCondLst>
+                      <p:childTnLst>
+                        <p:par>
+                          <p:cTn id="20" fill="hold">
+                            <p:stCondLst>
+                              <p:cond delay="0"/>
+                            </p:stCondLst>
+                            <p:childTnLst>
+                              <p:par>
+                                <p:cTn id="21" presetID="1" presetClass="entr" presetSubtype="0" fill="hold" nodeType="clickEffect">
+                                  <p:stCondLst>
+                                    <p:cond delay="0"/>
+                                  </p:stCondLst>
+                                  <p:childTnLst>
+                                    <p:set>
+                                      <p:cBhvr>
+                                        <p:cTn id="22" dur="1" fill="hold">
+                                          <p:stCondLst>
+                                            <p:cond delay="0"/>
+                                          </p:stCondLst>
+                                        </p:cTn>
+                                        <p:tgtEl>
+                                          <p:spTgt spid="12">
+                                            <p:txEl>
+                                              <p:pRg st="8" end="8"/>
+                                            </p:txEl>
+                                          </p:spTgt>
+                                        </p:tgtEl>
+                                        <p:attrNameLst>
+                                          <p:attrName>style.visibility</p:attrName>
+                                        </p:attrNameLst>
+                                      </p:cBhvr>
+                                      <p:to>
+                                        <p:strVal val="visible"/>
+                                      </p:to>
+                                    </p:set>
+                                  </p:childTnLst>
+                                </p:cTn>
+                              </p:par>
+                            </p:childTnLst>
+                          </p:cTn>
+                        </p:par>
+                      </p:childTnLst>
+                    </p:cTn>
+                  </p:par>
+                </p:childTnLst>
+              </p:cTn>
+              <p:prevCondLst>
+                <p:cond evt="onPrev" delay="0">
+                  <p:tgtEl>
+                    <p:sldTgt/>
+                  </p:tgtEl>
+                </p:cond>
+              </p:prevCondLst>
+              <p:nextCondLst>
+                <p:cond evt="onNext" delay="0">
+                  <p:tgtEl>
+                    <p:sldTgt/>
+                  </p:tgtEl>
+                </p:cond>
+              </p:nextCondLst>
+            </p:seq>
+          </p:childTnLst>
+        </p:cTn>
+      </p:par>
+    </p:tnLst>
+  </p:timing>
 </p:sld>
 </file>
 
@@ -32752,6 +35076,307 @@
   <p:clrMapOvr>
     <a:masterClrMapping/>
   </p:clrMapOvr>
+  <p:timing>
+    <p:tnLst>
+      <p:par>
+        <p:cTn id="1" dur="indefinite" restart="never" nodeType="tmRoot">
+          <p:childTnLst>
+            <p:seq concurrent="1" nextAc="seek">
+              <p:cTn id="2" dur="indefinite" nodeType="mainSeq">
+                <p:childTnLst>
+                  <p:par>
+                    <p:cTn id="3" fill="hold">
+                      <p:stCondLst>
+                        <p:cond delay="indefinite"/>
+                      </p:stCondLst>
+                      <p:childTnLst>
+                        <p:par>
+                          <p:cTn id="4" fill="hold">
+                            <p:stCondLst>
+                              <p:cond delay="0"/>
+                            </p:stCondLst>
+                            <p:childTnLst>
+                              <p:par>
+                                <p:cTn id="5" presetID="1" presetClass="entr" presetSubtype="0" fill="hold" nodeType="clickEffect">
+                                  <p:stCondLst>
+                                    <p:cond delay="0"/>
+                                  </p:stCondLst>
+                                  <p:childTnLst>
+                                    <p:set>
+                                      <p:cBhvr>
+                                        <p:cTn id="6" dur="1" fill="hold">
+                                          <p:stCondLst>
+                                            <p:cond delay="0"/>
+                                          </p:stCondLst>
+                                        </p:cTn>
+                                        <p:tgtEl>
+                                          <p:spTgt spid="8">
+                                            <p:txEl>
+                                              <p:pRg st="4" end="4"/>
+                                            </p:txEl>
+                                          </p:spTgt>
+                                        </p:tgtEl>
+                                        <p:attrNameLst>
+                                          <p:attrName>style.visibility</p:attrName>
+                                        </p:attrNameLst>
+                                      </p:cBhvr>
+                                      <p:to>
+                                        <p:strVal val="visible"/>
+                                      </p:to>
+                                    </p:set>
+                                  </p:childTnLst>
+                                </p:cTn>
+                              </p:par>
+                              <p:par>
+                                <p:cTn id="7" presetID="1" presetClass="entr" presetSubtype="0" fill="hold" nodeType="withEffect">
+                                  <p:stCondLst>
+                                    <p:cond delay="0"/>
+                                  </p:stCondLst>
+                                  <p:childTnLst>
+                                    <p:set>
+                                      <p:cBhvr>
+                                        <p:cTn id="8" dur="1" fill="hold">
+                                          <p:stCondLst>
+                                            <p:cond delay="0"/>
+                                          </p:stCondLst>
+                                        </p:cTn>
+                                        <p:tgtEl>
+                                          <p:spTgt spid="8">
+                                            <p:txEl>
+                                              <p:pRg st="6" end="6"/>
+                                            </p:txEl>
+                                          </p:spTgt>
+                                        </p:tgtEl>
+                                        <p:attrNameLst>
+                                          <p:attrName>style.visibility</p:attrName>
+                                        </p:attrNameLst>
+                                      </p:cBhvr>
+                                      <p:to>
+                                        <p:strVal val="visible"/>
+                                      </p:to>
+                                    </p:set>
+                                  </p:childTnLst>
+                                </p:cTn>
+                              </p:par>
+                              <p:par>
+                                <p:cTn id="9" presetID="1" presetClass="entr" presetSubtype="0" fill="hold" nodeType="withEffect">
+                                  <p:stCondLst>
+                                    <p:cond delay="0"/>
+                                  </p:stCondLst>
+                                  <p:childTnLst>
+                                    <p:set>
+                                      <p:cBhvr>
+                                        <p:cTn id="10" dur="1" fill="hold">
+                                          <p:stCondLst>
+                                            <p:cond delay="0"/>
+                                          </p:stCondLst>
+                                        </p:cTn>
+                                        <p:tgtEl>
+                                          <p:spTgt spid="8">
+                                            <p:txEl>
+                                              <p:pRg st="7" end="7"/>
+                                            </p:txEl>
+                                          </p:spTgt>
+                                        </p:tgtEl>
+                                        <p:attrNameLst>
+                                          <p:attrName>style.visibility</p:attrName>
+                                        </p:attrNameLst>
+                                      </p:cBhvr>
+                                      <p:to>
+                                        <p:strVal val="visible"/>
+                                      </p:to>
+                                    </p:set>
+                                  </p:childTnLst>
+                                </p:cTn>
+                              </p:par>
+                              <p:par>
+                                <p:cTn id="11" presetID="1" presetClass="entr" presetSubtype="0" fill="hold" nodeType="withEffect">
+                                  <p:stCondLst>
+                                    <p:cond delay="0"/>
+                                  </p:stCondLst>
+                                  <p:childTnLst>
+                                    <p:set>
+                                      <p:cBhvr>
+                                        <p:cTn id="12" dur="1" fill="hold">
+                                          <p:stCondLst>
+                                            <p:cond delay="0"/>
+                                          </p:stCondLst>
+                                        </p:cTn>
+                                        <p:tgtEl>
+                                          <p:spTgt spid="8">
+                                            <p:txEl>
+                                              <p:pRg st="8" end="8"/>
+                                            </p:txEl>
+                                          </p:spTgt>
+                                        </p:tgtEl>
+                                        <p:attrNameLst>
+                                          <p:attrName>style.visibility</p:attrName>
+                                        </p:attrNameLst>
+                                      </p:cBhvr>
+                                      <p:to>
+                                        <p:strVal val="visible"/>
+                                      </p:to>
+                                    </p:set>
+                                  </p:childTnLst>
+                                </p:cTn>
+                              </p:par>
+                              <p:par>
+                                <p:cTn id="13" presetID="1" presetClass="entr" presetSubtype="0" fill="hold" nodeType="withEffect">
+                                  <p:stCondLst>
+                                    <p:cond delay="0"/>
+                                  </p:stCondLst>
+                                  <p:childTnLst>
+                                    <p:set>
+                                      <p:cBhvr>
+                                        <p:cTn id="14" dur="1" fill="hold">
+                                          <p:stCondLst>
+                                            <p:cond delay="0"/>
+                                          </p:stCondLst>
+                                        </p:cTn>
+                                        <p:tgtEl>
+                                          <p:spTgt spid="8">
+                                            <p:txEl>
+                                              <p:pRg st="10" end="10"/>
+                                            </p:txEl>
+                                          </p:spTgt>
+                                        </p:tgtEl>
+                                        <p:attrNameLst>
+                                          <p:attrName>style.visibility</p:attrName>
+                                        </p:attrNameLst>
+                                      </p:cBhvr>
+                                      <p:to>
+                                        <p:strVal val="visible"/>
+                                      </p:to>
+                                    </p:set>
+                                  </p:childTnLst>
+                                </p:cTn>
+                              </p:par>
+                            </p:childTnLst>
+                          </p:cTn>
+                        </p:par>
+                      </p:childTnLst>
+                    </p:cTn>
+                  </p:par>
+                  <p:par>
+                    <p:cTn id="15" fill="hold">
+                      <p:stCondLst>
+                        <p:cond delay="indefinite"/>
+                      </p:stCondLst>
+                      <p:childTnLst>
+                        <p:par>
+                          <p:cTn id="16" fill="hold">
+                            <p:stCondLst>
+                              <p:cond delay="0"/>
+                            </p:stCondLst>
+                            <p:childTnLst>
+                              <p:par>
+                                <p:cTn id="17" presetID="1" presetClass="entr" presetSubtype="0" fill="hold" nodeType="clickEffect">
+                                  <p:stCondLst>
+                                    <p:cond delay="0"/>
+                                  </p:stCondLst>
+                                  <p:childTnLst>
+                                    <p:set>
+                                      <p:cBhvr>
+                                        <p:cTn id="18" dur="1" fill="hold">
+                                          <p:stCondLst>
+                                            <p:cond delay="0"/>
+                                          </p:stCondLst>
+                                        </p:cTn>
+                                        <p:tgtEl>
+                                          <p:spTgt spid="8">
+                                            <p:txEl>
+                                              <p:pRg st="12" end="12"/>
+                                            </p:txEl>
+                                          </p:spTgt>
+                                        </p:tgtEl>
+                                        <p:attrNameLst>
+                                          <p:attrName>style.visibility</p:attrName>
+                                        </p:attrNameLst>
+                                      </p:cBhvr>
+                                      <p:to>
+                                        <p:strVal val="visible"/>
+                                      </p:to>
+                                    </p:set>
+                                  </p:childTnLst>
+                                </p:cTn>
+                              </p:par>
+                            </p:childTnLst>
+                          </p:cTn>
+                        </p:par>
+                      </p:childTnLst>
+                    </p:cTn>
+                  </p:par>
+                  <p:par>
+                    <p:cTn id="19" fill="hold">
+                      <p:stCondLst>
+                        <p:cond delay="indefinite"/>
+                      </p:stCondLst>
+                      <p:childTnLst>
+                        <p:par>
+                          <p:cTn id="20" fill="hold">
+                            <p:stCondLst>
+                              <p:cond delay="0"/>
+                            </p:stCondLst>
+                            <p:childTnLst>
+                              <p:par>
+                                <p:cTn id="21" presetID="1" presetClass="entr" presetSubtype="0" fill="hold" nodeType="clickEffect">
+                                  <p:stCondLst>
+                                    <p:cond delay="0"/>
+                                  </p:stCondLst>
+                                  <p:childTnLst>
+                                    <p:set>
+                                      <p:cBhvr>
+                                        <p:cTn id="22" dur="1" fill="hold">
+                                          <p:stCondLst>
+                                            <p:cond delay="0"/>
+                                          </p:stCondLst>
+                                        </p:cTn>
+                                        <p:tgtEl>
+                                          <p:spTgt spid="8">
+                                            <p:txEl>
+                                              <p:pRg st="14" end="14"/>
+                                            </p:txEl>
+                                          </p:spTgt>
+                                        </p:tgtEl>
+                                        <p:attrNameLst>
+                                          <p:attrName>style.visibility</p:attrName>
+                                        </p:attrNameLst>
+                                      </p:cBhvr>
+                                      <p:to>
+                                        <p:strVal val="visible"/>
+                                      </p:to>
+                                    </p:set>
+                                  </p:childTnLst>
+                                </p:cTn>
+                              </p:par>
+                            </p:childTnLst>
+                          </p:cTn>
+                        </p:par>
+                      </p:childTnLst>
+                    </p:cTn>
+                  </p:par>
+                </p:childTnLst>
+              </p:cTn>
+              <p:prevCondLst>
+                <p:cond evt="onPrev" delay="0">
+                  <p:tgtEl>
+                    <p:sldTgt/>
+                  </p:tgtEl>
+                </p:cond>
+              </p:prevCondLst>
+              <p:nextCondLst>
+                <p:cond evt="onNext" delay="0">
+                  <p:tgtEl>
+                    <p:sldTgt/>
+                  </p:tgtEl>
+                </p:cond>
+              </p:nextCondLst>
+            </p:seq>
+          </p:childTnLst>
+        </p:cTn>
+      </p:par>
+    </p:tnLst>
+  </p:timing>
 </p:sld>
 </file>
 
@@ -32865,19 +35490,7 @@
 
 <file path=ppt/tags/tag26.xml><?xml version="1.0" encoding="utf-8"?>
 <p:tagLst xmlns:a="http://schemas.openxmlformats.org/drawingml/2006/main" xmlns:r="http://schemas.openxmlformats.org/officeDocument/2006/relationships" xmlns:p="http://schemas.openxmlformats.org/presentationml/2006/main">
-  <p:tag name="TEMPLAFYSLIDEID" val="636743367688872117"/>
-</p:tagLst>
-</file>
-
-<file path=ppt/tags/tag27.xml><?xml version="1.0" encoding="utf-8"?>
-<p:tagLst xmlns:a="http://schemas.openxmlformats.org/drawingml/2006/main" xmlns:r="http://schemas.openxmlformats.org/officeDocument/2006/relationships" xmlns:p="http://schemas.openxmlformats.org/presentationml/2006/main">
   <p:tag name="TEMPLAFYSLIDEID" val="636743367688872118"/>
-</p:tagLst>
-</file>
-
-<file path=ppt/tags/tag28.xml><?xml version="1.0" encoding="utf-8"?>
-<p:tagLst xmlns:a="http://schemas.openxmlformats.org/drawingml/2006/main" xmlns:r="http://schemas.openxmlformats.org/officeDocument/2006/relationships" xmlns:p="http://schemas.openxmlformats.org/presentationml/2006/main">
-  <p:tag name="TEMPLAFYSLIDEID" val="636743367688872119"/>
 </p:tagLst>
 </file>
 
@@ -33597,7 +36210,7 @@
 </file>
 
 <file path=customXml/item1.xml><?xml version="1.0" encoding="utf-8"?>
-<TemplafySlideTemplateConfiguration><![CDATA[{"elementsMetadata":[],"enableDocumentContentUpdater":true,"documentContentValidatorConfiguration":{"enableDocumentContentValidator":false,"documentContentValidatorVersion":0},"slideId":"636845265180758379","version":"1.0"}]]></TemplafySlideTemplateConfiguration>
+<TemplafySlideTemplateConfiguration><![CDATA[{"elementsMetadata":[],"enableDocumentContentUpdater":true,"documentContentValidatorConfiguration":{"enableDocumentContentValidator":false,"documentContentValidatorVersion":0},"slideId":"636845265181227096","version":"1.0"}]]></TemplafySlideTemplateConfiguration>
 </file>
 
 <file path=customXml/item10.xml><?xml version="1.0" encoding="utf-8"?>
@@ -33605,19 +36218,19 @@
 </file>
 
 <file path=customXml/item11.xml><?xml version="1.0" encoding="utf-8"?>
+<TemplafySlideFormConfiguration><![CDATA[{"formFields":[],"formDataEntries":[]}]]></TemplafySlideFormConfiguration>
+</file>
+
+<file path=customXml/item12.xml><?xml version="1.0" encoding="utf-8"?>
 <TemplafySlideTemplateConfiguration><![CDATA[{"elementsMetadata":[],"enableDocumentContentUpdater":true,"documentContentValidatorConfiguration":{"enableDocumentContentValidator":false,"documentContentValidatorVersion":0},"slideId":"636845265180758379","version":"1.0"}]]></TemplafySlideTemplateConfiguration>
 </file>
 
-<file path=customXml/item12.xml><?xml version="1.0" encoding="utf-8"?>
-<TemplafySlideFormConfiguration><![CDATA[{"formFields":[],"formDataEntries":[]}]]></TemplafySlideFormConfiguration>
-</file>
-
 <file path=customXml/item13.xml><?xml version="1.0" encoding="utf-8"?>
-<TemplafySlideFormConfiguration><![CDATA[{"formFields":[],"formDataEntries":[]}]]></TemplafySlideFormConfiguration>
+<TemplafySlideTemplateConfiguration><![CDATA[{"elementsMetadata":[],"enableDocumentContentUpdater":true,"documentContentValidatorConfiguration":{"enableDocumentContentValidator":false,"documentContentValidatorVersion":0},"slideId":"636845265180758379","version":"1.0"}]]></TemplafySlideTemplateConfiguration>
 </file>
 
 <file path=customXml/item14.xml><?xml version="1.0" encoding="utf-8"?>
-<TemplafySlideTemplateConfiguration><![CDATA[{"elementsMetadata":[],"enableDocumentContentUpdater":true,"documentContentValidatorConfiguration":{"enableDocumentContentValidator":false,"documentContentValidatorVersion":0},"slideId":"636845265180758379","version":"1.0"}]]></TemplafySlideTemplateConfiguration>
+<TemplafySlideFormConfiguration><![CDATA[{"formFields":[],"formDataEntries":[]}]]></TemplafySlideFormConfiguration>
 </file>
 
 <file path=customXml/item15.xml><?xml version="1.0" encoding="utf-8"?>
@@ -33633,7 +36246,7 @@
 </file>
 
 <file path=customXml/item18.xml><?xml version="1.0" encoding="utf-8"?>
-<TemplafySlideTemplateConfiguration><![CDATA[{"elementsMetadata":[],"enableDocumentContentUpdater":true,"documentContentValidatorConfiguration":{"enableDocumentContentValidator":false,"documentContentValidatorVersion":0},"slideId":"636845265180758379","version":"1.0"}]]></TemplafySlideTemplateConfiguration>
+<TemplafySlideFormConfiguration><![CDATA[{"formFields":[],"formDataEntries":[]}]]></TemplafySlideFormConfiguration>
 </file>
 
 <file path=customXml/item19.xml><?xml version="1.0" encoding="utf-8"?>
@@ -33653,7 +36266,7 @@
 </file>
 
 <file path=customXml/item22.xml><?xml version="1.0" encoding="utf-8"?>
-<TemplafyFormConfiguration><![CDATA[{"formFields":[{"dataSource":"Classification","displayColumn":"classificationlabel","hideIfNoUserInteractionRequired":false,"distinct":true,"required":true,"autoSelectFirstOption":false,"defaultValue":"3","type":"dropDown","name":"Classification","label":"Classification","helpTexts":{"prefix":"","postfix":"To learn more about document classification please see the compliance section of the intranet"},"spacing":{},"fullyQualifiedName":"Classification"}],"formDataEntries":[]}]]></TemplafyFormConfiguration>
+<TemplafySlideFormConfiguration><![CDATA[{"formFields":[],"formDataEntries":[]}]]></TemplafySlideFormConfiguration>
 </file>
 
 <file path=customXml/item23.xml><?xml version="1.0" encoding="utf-8"?>
@@ -33665,19 +36278,19 @@
 </file>
 
 <file path=customXml/item25.xml><?xml version="1.0" encoding="utf-8"?>
-<TemplafySlideFormConfiguration><![CDATA[{"formFields":[],"formDataEntries":[]}]]></TemplafySlideFormConfiguration>
+<TemplafySlideTemplateConfiguration><![CDATA[{"elementsMetadata":[],"enableDocumentContentUpdater":true,"documentContentValidatorConfiguration":{"enableDocumentContentValidator":false,"documentContentValidatorVersion":0},"slideId":"636845265180758379","version":"1.0"}]]></TemplafySlideTemplateConfiguration>
 </file>
 
 <file path=customXml/item26.xml><?xml version="1.0" encoding="utf-8"?>
+<TemplafyTemplateConfiguration><![CDATA[{"elementsMetadata":[],"transformationConfigurations":[],"templateName":"Presentation template","templateDescription":"","enableDocumentContentUpdater":true,"version":"1.0"}]]></TemplafyTemplateConfiguration>
+</file>
+
+<file path=customXml/item27.xml><?xml version="1.0" encoding="utf-8"?>
 <TemplafySlideTemplateConfiguration><![CDATA[{"elementsMetadata":[],"enableDocumentContentUpdater":true,"documentContentValidatorConfiguration":{"enableDocumentContentValidator":false,"documentContentValidatorVersion":0},"slideId":"636845265180758379","version":"1.0"}]]></TemplafySlideTemplateConfiguration>
 </file>
 
-<file path=customXml/item27.xml><?xml version="1.0" encoding="utf-8"?>
-<TemplafySlideFormConfiguration><![CDATA[{"formFields":[],"formDataEntries":[]}]]></TemplafySlideFormConfiguration>
-</file>
-
 <file path=customXml/item28.xml><?xml version="1.0" encoding="utf-8"?>
-<TemplafyTemplateConfiguration><![CDATA[{"elementsMetadata":[],"transformationConfigurations":[],"templateName":"Presentation template","templateDescription":"","enableDocumentContentUpdater":true,"version":"1.0"}]]></TemplafyTemplateConfiguration>
+<TemplafySlideTemplateConfiguration><![CDATA[{"elementsMetadata":[],"enableDocumentContentUpdater":true,"documentContentValidatorConfiguration":{"enableDocumentContentValidator":false,"documentContentValidatorVersion":0},"slideId":"636845265180758379","version":"1.0"}]]></TemplafySlideTemplateConfiguration>
 </file>
 
 <file path=customXml/item29.xml><?xml version="1.0" encoding="utf-8"?>
@@ -33689,7 +36302,7 @@
 </file>
 
 <file path=customXml/item30.xml><?xml version="1.0" encoding="utf-8"?>
-<TemplafySlideTemplateConfiguration><![CDATA[{"elementsMetadata":[],"enableDocumentContentUpdater":true,"documentContentValidatorConfiguration":{"enableDocumentContentValidator":false,"documentContentValidatorVersion":0},"slideId":"636845265180758379","version":"1.0"}]]></TemplafySlideTemplateConfiguration>
+<TemplafySlideFormConfiguration><![CDATA[{"formFields":[],"formDataEntries":[]}]]></TemplafySlideFormConfiguration>
 </file>
 
 <file path=customXml/item31.xml><?xml version="1.0" encoding="utf-8"?>
@@ -33713,11 +36326,11 @@
 </file>
 
 <file path=customXml/item36.xml><?xml version="1.0" encoding="utf-8"?>
-<TemplafySlideTemplateConfiguration><![CDATA[{"elementsMetadata":[],"enableDocumentContentUpdater":true,"documentContentValidatorConfiguration":{"enableDocumentContentValidator":false,"documentContentValidatorVersion":0},"slideId":"636845265180758379","version":"1.0"}]]></TemplafySlideTemplateConfiguration>
+<TemplafySlideFormConfiguration><![CDATA[{"formFields":[],"formDataEntries":[]}]]></TemplafySlideFormConfiguration>
 </file>
 
 <file path=customXml/item37.xml><?xml version="1.0" encoding="utf-8"?>
-<TemplafySlideFormConfiguration><![CDATA[{"formFields":[],"formDataEntries":[]}]]></TemplafySlideFormConfiguration>
+<TemplafySlideTemplateConfiguration><![CDATA[{"elementsMetadata":[],"enableDocumentContentUpdater":true,"documentContentValidatorConfiguration":{"enableDocumentContentValidator":false,"documentContentValidatorVersion":0},"slideId":"636845265180758379","version":"1.0"}]]></TemplafySlideTemplateConfiguration>
 </file>
 
 <file path=customXml/item38.xml><?xml version="1.0" encoding="utf-8"?>
@@ -33725,7 +36338,7 @@
 </file>
 
 <file path=customXml/item39.xml><?xml version="1.0" encoding="utf-8"?>
-<TemplafySlideFormConfiguration><![CDATA[{"formFields":[],"formDataEntries":[]}]]></TemplafySlideFormConfiguration>
+<TemplafySlideTemplateConfiguration><![CDATA[{"elementsMetadata":[],"enableDocumentContentUpdater":true,"documentContentValidatorConfiguration":{"enableDocumentContentValidator":false,"documentContentValidatorVersion":0},"slideId":"636845265180758379","version":"1.0"}]]></TemplafySlideTemplateConfiguration>
 </file>
 
 <file path=customXml/item4.xml><?xml version="1.0" encoding="utf-8"?>
@@ -33733,15 +36346,15 @@
 </file>
 
 <file path=customXml/item40.xml><?xml version="1.0" encoding="utf-8"?>
-<TemplafySlideTemplateConfiguration><![CDATA[{"elementsMetadata":[],"enableDocumentContentUpdater":true,"documentContentValidatorConfiguration":{"enableDocumentContentValidator":false,"documentContentValidatorVersion":0},"slideId":"636845265180758379","version":"1.0"}]]></TemplafySlideTemplateConfiguration>
+<TemplafySlideFormConfiguration><![CDATA[{"formFields":[],"formDataEntries":[]}]]></TemplafySlideFormConfiguration>
 </file>
 
 <file path=customXml/item41.xml><?xml version="1.0" encoding="utf-8"?>
-<TemplafySlideTemplateConfiguration><![CDATA[{"elementsMetadata":[],"enableDocumentContentUpdater":true,"documentContentValidatorConfiguration":{"enableDocumentContentValidator":false,"documentContentValidatorVersion":0},"slideId":"636845265180758379","version":"1.0"}]]></TemplafySlideTemplateConfiguration>
+<TemplafySlideFormConfiguration><![CDATA[{"formFields":[],"formDataEntries":[]}]]></TemplafySlideFormConfiguration>
 </file>
 
 <file path=customXml/item42.xml><?xml version="1.0" encoding="utf-8"?>
-<TemplafySlideTemplateConfiguration><![CDATA[{"elementsMetadata":[],"enableDocumentContentUpdater":true,"documentContentValidatorConfiguration":{"enableDocumentContentValidator":false,"documentContentValidatorVersion":0},"slideId":"636845265181227096","version":"1.0"}]]></TemplafySlideTemplateConfiguration>
+<TemplafySlideFormConfiguration><![CDATA[{"formFields":[],"formDataEntries":[]}]]></TemplafySlideFormConfiguration>
 </file>
 
 <file path=customXml/item43.xml><?xml version="1.0" encoding="utf-8"?>
@@ -33753,19 +36366,19 @@
 </file>
 
 <file path=customXml/item45.xml><?xml version="1.0" encoding="utf-8"?>
+<TemplafySlideFormConfiguration><![CDATA[{"formFields":[],"formDataEntries":[]}]]></TemplafySlideFormConfiguration>
+</file>
+
+<file path=customXml/item46.xml><?xml version="1.0" encoding="utf-8"?>
+<TemplafySlideTemplateConfiguration><![CDATA[{"elementsMetadata":[],"enableDocumentContentUpdater":true,"documentContentValidatorConfiguration":{"enableDocumentContentValidator":false,"documentContentValidatorVersion":0},"slideId":"636845265180758379","version":"1.0"}]]></TemplafySlideTemplateConfiguration>
+</file>
+
+<file path=customXml/item47.xml><?xml version="1.0" encoding="utf-8"?>
 <TemplafySlideTemplateConfiguration><![CDATA[{"elementsMetadata":[],"enableDocumentContentUpdater":true,"documentContentValidatorConfiguration":{"enableDocumentContentValidator":false,"documentContentValidatorVersion":0},"slideId":"636845265180758378","version":"1.0"}]]></TemplafySlideTemplateConfiguration>
 </file>
 
-<file path=customXml/item46.xml><?xml version="1.0" encoding="utf-8"?>
+<file path=customXml/item48.xml><?xml version="1.0" encoding="utf-8"?>
 <TemplafySlideFormConfiguration><![CDATA[{"formFields":[],"formDataEntries":[]}]]></TemplafySlideFormConfiguration>
-</file>
-
-<file path=customXml/item47.xml><?xml version="1.0" encoding="utf-8"?>
-<TemplafySlideFormConfiguration><![CDATA[{"formFields":[],"formDataEntries":[]}]]></TemplafySlideFormConfiguration>
-</file>
-
-<file path=customXml/item48.xml><?xml version="1.0" encoding="utf-8"?>
-<TemplafySlideTemplateConfiguration><![CDATA[{"elementsMetadata":[],"enableDocumentContentUpdater":true,"documentContentValidatorConfiguration":{"enableDocumentContentValidator":false,"documentContentValidatorVersion":0},"slideId":"636845265180758379","version":"1.0"}]]></TemplafySlideTemplateConfiguration>
 </file>
 
 <file path=customXml/item49.xml><?xml version="1.0" encoding="utf-8"?>
@@ -33777,15 +36390,15 @@
 </file>
 
 <file path=customXml/item50.xml><?xml version="1.0" encoding="utf-8"?>
+<TemplafySlideTemplateConfiguration><![CDATA[{"elementsMetadata":[],"enableDocumentContentUpdater":true,"documentContentValidatorConfiguration":{"enableDocumentContentValidator":false,"documentContentValidatorVersion":0},"slideId":"636845265180758379","version":"1.0"}]]></TemplafySlideTemplateConfiguration>
+</file>
+
+<file path=customXml/item51.xml><?xml version="1.0" encoding="utf-8"?>
 <TemplafySlideFormConfiguration><![CDATA[{"formFields":[],"formDataEntries":[]}]]></TemplafySlideFormConfiguration>
 </file>
 
-<file path=customXml/item51.xml><?xml version="1.0" encoding="utf-8"?>
+<file path=customXml/item52.xml><?xml version="1.0" encoding="utf-8"?>
 <TemplafySlideTemplateConfiguration><![CDATA[{"elementsMetadata":[],"enableDocumentContentUpdater":true,"documentContentValidatorConfiguration":{"enableDocumentContentValidator":false,"documentContentValidatorVersion":0},"slideId":"636845265180758379","version":"1.0"}]]></TemplafySlideTemplateConfiguration>
-</file>
-
-<file path=customXml/item52.xml><?xml version="1.0" encoding="utf-8"?>
-<TemplafySlideFormConfiguration><![CDATA[{"formFields":[],"formDataEntries":[]}]]></TemplafySlideFormConfiguration>
 </file>
 
 <file path=customXml/item53.xml><?xml version="1.0" encoding="utf-8"?>
@@ -33793,27 +36406,11 @@
 </file>
 
 <file path=customXml/item54.xml><?xml version="1.0" encoding="utf-8"?>
-<TemplafySlideFormConfiguration><![CDATA[{"formFields":[],"formDataEntries":[]}]]></TemplafySlideFormConfiguration>
-</file>
-
-<file path=customXml/item55.xml><?xml version="1.0" encoding="utf-8"?>
-<TemplafySlideFormConfiguration><![CDATA[{"formFields":[],"formDataEntries":[]}]]></TemplafySlideFormConfiguration>
-</file>
-
-<file path=customXml/item56.xml><?xml version="1.0" encoding="utf-8"?>
 <TemplafySlideTemplateConfiguration><![CDATA[{"elementsMetadata":[],"enableDocumentContentUpdater":true,"documentContentValidatorConfiguration":{"enableDocumentContentValidator":false,"documentContentValidatorVersion":0},"slideId":"636845265180758379","version":"1.0"}]]></TemplafySlideTemplateConfiguration>
 </file>
 
-<file path=customXml/item57.xml><?xml version="1.0" encoding="utf-8"?>
+<file path=customXml/item6.xml><?xml version="1.0" encoding="utf-8"?>
 <TemplafySlideTemplateConfiguration><![CDATA[{"elementsMetadata":[],"enableDocumentContentUpdater":true,"documentContentValidatorConfiguration":{"enableDocumentContentValidator":false,"documentContentValidatorVersion":0},"slideId":"636845265180758379","version":"1.0"}]]></TemplafySlideTemplateConfiguration>
-</file>
-
-<file path=customXml/item58.xml><?xml version="1.0" encoding="utf-8"?>
-<TemplafySlideFormConfiguration><![CDATA[{"formFields":[],"formDataEntries":[]}]]></TemplafySlideFormConfiguration>
-</file>
-
-<file path=customXml/item6.xml><?xml version="1.0" encoding="utf-8"?>
-<TemplafySlideFormConfiguration><![CDATA[{"formFields":[],"formDataEntries":[]}]]></TemplafySlideFormConfiguration>
 </file>
 
 <file path=customXml/item7.xml><?xml version="1.0" encoding="utf-8"?>
@@ -33821,81 +36418,81 @@
 </file>
 
 <file path=customXml/item8.xml><?xml version="1.0" encoding="utf-8"?>
-<TemplafySlideTemplateConfiguration><![CDATA[{"elementsMetadata":[],"enableDocumentContentUpdater":true,"documentContentValidatorConfiguration":{"enableDocumentContentValidator":false,"documentContentValidatorVersion":0},"slideId":"636845265181227097","version":"1.0"}]]></TemplafySlideTemplateConfiguration>
+<TemplafySlideFormConfiguration><![CDATA[{"formFields":[],"formDataEntries":[]}]]></TemplafySlideFormConfiguration>
 </file>
 
 <file path=customXml/item9.xml><?xml version="1.0" encoding="utf-8"?>
-<TemplafySlideFormConfiguration><![CDATA[{"formFields":[],"formDataEntries":[]}]]></TemplafySlideFormConfiguration>
+<TemplafyFormConfiguration><![CDATA[{"formFields":[{"dataSource":"Classification","displayColumn":"classificationlabel","hideIfNoUserInteractionRequired":false,"distinct":true,"required":true,"autoSelectFirstOption":false,"defaultValue":"3","type":"dropDown","name":"Classification","label":"Classification","helpTexts":{"prefix":"","postfix":"To learn more about document classification please see the compliance section of the intranet"},"spacing":{},"fullyQualifiedName":"Classification"}],"formDataEntries":[]}]]></TemplafyFormConfiguration>
 </file>
 
 <file path=customXml/itemProps1.xml><?xml version="1.0" encoding="utf-8"?>
-<ds:datastoreItem xmlns:ds="http://schemas.openxmlformats.org/officeDocument/2006/customXml" ds:itemID="{73B02DB1-3EE8-4130-B5CF-D81AB9083848}">
+<ds:datastoreItem xmlns:ds="http://schemas.openxmlformats.org/officeDocument/2006/customXml" ds:itemID="{420D13E1-600A-4552-9E88-5C5946DC9924}">
   <ds:schemaRefs/>
 </ds:datastoreItem>
 </file>
 
 <file path=customXml/itemProps10.xml><?xml version="1.0" encoding="utf-8"?>
-<ds:datastoreItem xmlns:ds="http://schemas.openxmlformats.org/officeDocument/2006/customXml" ds:itemID="{F4CA86BD-52B3-4C32-B28F-922B12E5CDFB}">
+<ds:datastoreItem xmlns:ds="http://schemas.openxmlformats.org/officeDocument/2006/customXml" ds:itemID="{24D251E7-71FE-476D-966F-3A3E95ECA29C}">
   <ds:schemaRefs/>
 </ds:datastoreItem>
 </file>
 
 <file path=customXml/itemProps11.xml><?xml version="1.0" encoding="utf-8"?>
-<ds:datastoreItem xmlns:ds="http://schemas.openxmlformats.org/officeDocument/2006/customXml" ds:itemID="{5F0E55E1-E112-49DF-82A6-308427439A24}">
+<ds:datastoreItem xmlns:ds="http://schemas.openxmlformats.org/officeDocument/2006/customXml" ds:itemID="{B2E9F93B-8871-48A0-915B-84B3144944C8}">
   <ds:schemaRefs/>
 </ds:datastoreItem>
 </file>
 
 <file path=customXml/itemProps12.xml><?xml version="1.0" encoding="utf-8"?>
+<ds:datastoreItem xmlns:ds="http://schemas.openxmlformats.org/officeDocument/2006/customXml" ds:itemID="{7003435C-625E-4AD2-850F-DA0E1CA5A920}">
+  <ds:schemaRefs/>
+</ds:datastoreItem>
+</file>
+
+<file path=customXml/itemProps13.xml><?xml version="1.0" encoding="utf-8"?>
+<ds:datastoreItem xmlns:ds="http://schemas.openxmlformats.org/officeDocument/2006/customXml" ds:itemID="{1E7F5C08-CEA7-4BFF-9286-3A01378D490B}">
+  <ds:schemaRefs/>
+</ds:datastoreItem>
+</file>
+
+<file path=customXml/itemProps14.xml><?xml version="1.0" encoding="utf-8"?>
 <ds:datastoreItem xmlns:ds="http://schemas.openxmlformats.org/officeDocument/2006/customXml" ds:itemID="{99675E78-00F5-4C7F-9419-DF7FEF98CF2B}">
   <ds:schemaRefs/>
 </ds:datastoreItem>
 </file>
 
-<file path=customXml/itemProps13.xml><?xml version="1.0" encoding="utf-8"?>
-<ds:datastoreItem xmlns:ds="http://schemas.openxmlformats.org/officeDocument/2006/customXml" ds:itemID="{B3DFB7CD-DA3B-4073-B2DD-189883ADF5A0}">
-  <ds:schemaRefs/>
-</ds:datastoreItem>
-</file>
-
-<file path=customXml/itemProps14.xml><?xml version="1.0" encoding="utf-8"?>
-<ds:datastoreItem xmlns:ds="http://schemas.openxmlformats.org/officeDocument/2006/customXml" ds:itemID="{8A52EE6D-196A-49AF-9881-99BBBCE2D231}">
-  <ds:schemaRefs/>
-</ds:datastoreItem>
-</file>
-
 <file path=customXml/itemProps15.xml><?xml version="1.0" encoding="utf-8"?>
-<ds:datastoreItem xmlns:ds="http://schemas.openxmlformats.org/officeDocument/2006/customXml" ds:itemID="{5E39FC55-B536-41CE-97EA-E69FEA8DA7BA}">
+<ds:datastoreItem xmlns:ds="http://schemas.openxmlformats.org/officeDocument/2006/customXml" ds:itemID="{79EDA0D0-9A7B-4381-AE3D-2E063A05ACCD}">
   <ds:schemaRefs/>
 </ds:datastoreItem>
 </file>
 
 <file path=customXml/itemProps16.xml><?xml version="1.0" encoding="utf-8"?>
-<ds:datastoreItem xmlns:ds="http://schemas.openxmlformats.org/officeDocument/2006/customXml" ds:itemID="{1B943C56-F950-4E80-A078-8A5C2E6210DB}">
+<ds:datastoreItem xmlns:ds="http://schemas.openxmlformats.org/officeDocument/2006/customXml" ds:itemID="{7D97228E-464A-484F-AA4A-5E325EBFABAD}">
   <ds:schemaRefs/>
 </ds:datastoreItem>
 </file>
 
 <file path=customXml/itemProps17.xml><?xml version="1.0" encoding="utf-8"?>
-<ds:datastoreItem xmlns:ds="http://schemas.openxmlformats.org/officeDocument/2006/customXml" ds:itemID="{79EDA0D0-9A7B-4381-AE3D-2E063A05ACCD}">
+<ds:datastoreItem xmlns:ds="http://schemas.openxmlformats.org/officeDocument/2006/customXml" ds:itemID="{4C02D7D0-0286-4A0E-B7D9-FF36F22F35E3}">
   <ds:schemaRefs/>
 </ds:datastoreItem>
 </file>
 
 <file path=customXml/itemProps18.xml><?xml version="1.0" encoding="utf-8"?>
-<ds:datastoreItem xmlns:ds="http://schemas.openxmlformats.org/officeDocument/2006/customXml" ds:itemID="{5CD5E058-0E22-4922-B4F6-BC6ACB1E816E}">
+<ds:datastoreItem xmlns:ds="http://schemas.openxmlformats.org/officeDocument/2006/customXml" ds:itemID="{066DBD01-7766-4ADE-86FC-51A662DEA336}">
   <ds:schemaRefs/>
 </ds:datastoreItem>
 </file>
 
 <file path=customXml/itemProps19.xml><?xml version="1.0" encoding="utf-8"?>
-<ds:datastoreItem xmlns:ds="http://schemas.openxmlformats.org/officeDocument/2006/customXml" ds:itemID="{E3FA105F-2747-4ADA-8D77-679D185F74CB}">
+<ds:datastoreItem xmlns:ds="http://schemas.openxmlformats.org/officeDocument/2006/customXml" ds:itemID="{E253FAC7-9B56-454C-BCA8-E35543B02468}">
   <ds:schemaRefs/>
 </ds:datastoreItem>
 </file>
 
 <file path=customXml/itemProps2.xml><?xml version="1.0" encoding="utf-8"?>
-<ds:datastoreItem xmlns:ds="http://schemas.openxmlformats.org/officeDocument/2006/customXml" ds:itemID="{3B91A596-23B8-43E3-8757-801E6E1539A3}">
+<ds:datastoreItem xmlns:ds="http://schemas.openxmlformats.org/officeDocument/2006/customXml" ds:itemID="{1B943C56-F950-4E80-A078-8A5C2E6210DB}">
   <ds:schemaRefs/>
 </ds:datastoreItem>
 </file>
@@ -33907,67 +36504,67 @@
 </file>
 
 <file path=customXml/itemProps21.xml><?xml version="1.0" encoding="utf-8"?>
-<ds:datastoreItem xmlns:ds="http://schemas.openxmlformats.org/officeDocument/2006/customXml" ds:itemID="{E4CDE441-F810-44CB-B310-26A5636610DA}">
+<ds:datastoreItem xmlns:ds="http://schemas.openxmlformats.org/officeDocument/2006/customXml" ds:itemID="{CF05A021-EE27-4066-B0AF-31A9888FE759}">
   <ds:schemaRefs/>
 </ds:datastoreItem>
 </file>
 
 <file path=customXml/itemProps22.xml><?xml version="1.0" encoding="utf-8"?>
-<ds:datastoreItem xmlns:ds="http://schemas.openxmlformats.org/officeDocument/2006/customXml" ds:itemID="{97EC287E-AA16-4BA5-8D02-531B775D2B37}">
+<ds:datastoreItem xmlns:ds="http://schemas.openxmlformats.org/officeDocument/2006/customXml" ds:itemID="{98308AEE-D3C7-4CAD-8EE0-29C21B2863D1}">
   <ds:schemaRefs/>
 </ds:datastoreItem>
 </file>
 
 <file path=customXml/itemProps23.xml><?xml version="1.0" encoding="utf-8"?>
+<ds:datastoreItem xmlns:ds="http://schemas.openxmlformats.org/officeDocument/2006/customXml" ds:itemID="{73B02DB1-3EE8-4130-B5CF-D81AB9083848}">
+  <ds:schemaRefs/>
+</ds:datastoreItem>
+</file>
+
+<file path=customXml/itemProps24.xml><?xml version="1.0" encoding="utf-8"?>
+<ds:datastoreItem xmlns:ds="http://schemas.openxmlformats.org/officeDocument/2006/customXml" ds:itemID="{98EF18BE-1F2F-4C4F-B16C-B44A85FF5E64}">
+  <ds:schemaRefs/>
+</ds:datastoreItem>
+</file>
+
+<file path=customXml/itemProps25.xml><?xml version="1.0" encoding="utf-8"?>
 <ds:datastoreItem xmlns:ds="http://schemas.openxmlformats.org/officeDocument/2006/customXml" ds:itemID="{18D6D631-D991-4A6A-BE27-2D65C454736A}">
   <ds:schemaRefs/>
 </ds:datastoreItem>
 </file>
 
-<file path=customXml/itemProps24.xml><?xml version="1.0" encoding="utf-8"?>
-<ds:datastoreItem xmlns:ds="http://schemas.openxmlformats.org/officeDocument/2006/customXml" ds:itemID="{0EE43819-E78E-471C-906E-53BCFBDA2451}">
-  <ds:schemaRefs/>
-</ds:datastoreItem>
-</file>
-
-<file path=customXml/itemProps25.xml><?xml version="1.0" encoding="utf-8"?>
-<ds:datastoreItem xmlns:ds="http://schemas.openxmlformats.org/officeDocument/2006/customXml" ds:itemID="{7D97228E-464A-484F-AA4A-5E325EBFABAD}">
-  <ds:schemaRefs/>
-</ds:datastoreItem>
-</file>
-
 <file path=customXml/itemProps26.xml><?xml version="1.0" encoding="utf-8"?>
-<ds:datastoreItem xmlns:ds="http://schemas.openxmlformats.org/officeDocument/2006/customXml" ds:itemID="{2F670734-6CCD-4C7D-9296-40AC0A1DD8EF}">
+<ds:datastoreItem xmlns:ds="http://schemas.openxmlformats.org/officeDocument/2006/customXml" ds:itemID="{BE9F0B37-8E5E-44B3-A5A2-295809C64FD8}">
   <ds:schemaRefs/>
 </ds:datastoreItem>
 </file>
 
 <file path=customXml/itemProps27.xml><?xml version="1.0" encoding="utf-8"?>
-<ds:datastoreItem xmlns:ds="http://schemas.openxmlformats.org/officeDocument/2006/customXml" ds:itemID="{24D251E7-71FE-476D-966F-3A3E95ECA29C}">
+<ds:datastoreItem xmlns:ds="http://schemas.openxmlformats.org/officeDocument/2006/customXml" ds:itemID="{ED8F98CA-5F32-401A-A2EF-1D1B9D3B634E}">
   <ds:schemaRefs/>
 </ds:datastoreItem>
 </file>
 
 <file path=customXml/itemProps28.xml><?xml version="1.0" encoding="utf-8"?>
-<ds:datastoreItem xmlns:ds="http://schemas.openxmlformats.org/officeDocument/2006/customXml" ds:itemID="{BE9F0B37-8E5E-44B3-A5A2-295809C64FD8}">
+<ds:datastoreItem xmlns:ds="http://schemas.openxmlformats.org/officeDocument/2006/customXml" ds:itemID="{F92125D9-880F-403F-8B75-B15B29C1B430}">
   <ds:schemaRefs/>
 </ds:datastoreItem>
 </file>
 
 <file path=customXml/itemProps29.xml><?xml version="1.0" encoding="utf-8"?>
-<ds:datastoreItem xmlns:ds="http://schemas.openxmlformats.org/officeDocument/2006/customXml" ds:itemID="{BC6981F0-9D36-4836-96E4-9D83A8A3B623}">
+<ds:datastoreItem xmlns:ds="http://schemas.openxmlformats.org/officeDocument/2006/customXml" ds:itemID="{000624E1-6045-4895-B582-1552FCCF205D}">
   <ds:schemaRefs/>
 </ds:datastoreItem>
 </file>
 
 <file path=customXml/itemProps3.xml><?xml version="1.0" encoding="utf-8"?>
-<ds:datastoreItem xmlns:ds="http://schemas.openxmlformats.org/officeDocument/2006/customXml" ds:itemID="{1E7F5C08-CEA7-4BFF-9286-3A01378D490B}">
+<ds:datastoreItem xmlns:ds="http://schemas.openxmlformats.org/officeDocument/2006/customXml" ds:itemID="{5F0E55E1-E112-49DF-82A6-308427439A24}">
   <ds:schemaRefs/>
 </ds:datastoreItem>
 </file>
 
 <file path=customXml/itemProps30.xml><?xml version="1.0" encoding="utf-8"?>
-<ds:datastoreItem xmlns:ds="http://schemas.openxmlformats.org/officeDocument/2006/customXml" ds:itemID="{7C410564-527C-495D-9AF2-CE80AF10530D}">
+<ds:datastoreItem xmlns:ds="http://schemas.openxmlformats.org/officeDocument/2006/customXml" ds:itemID="{F4CA86BD-52B3-4C32-B28F-922B12E5CDFB}">
   <ds:schemaRefs/>
 </ds:datastoreItem>
 </file>
@@ -33979,199 +36576,175 @@
 </file>
 
 <file path=customXml/itemProps32.xml><?xml version="1.0" encoding="utf-8"?>
+<ds:datastoreItem xmlns:ds="http://schemas.openxmlformats.org/officeDocument/2006/customXml" ds:itemID="{CC748F7D-5CF5-4BB1-A091-1C0C4202BEF5}">
+  <ds:schemaRefs/>
+</ds:datastoreItem>
+</file>
+
+<file path=customXml/itemProps33.xml><?xml version="1.0" encoding="utf-8"?>
+<ds:datastoreItem xmlns:ds="http://schemas.openxmlformats.org/officeDocument/2006/customXml" ds:itemID="{309BB07D-D85B-402B-8536-84AE7449742C}">
+  <ds:schemaRefs/>
+</ds:datastoreItem>
+</file>
+
+<file path=customXml/itemProps34.xml><?xml version="1.0" encoding="utf-8"?>
+<ds:datastoreItem xmlns:ds="http://schemas.openxmlformats.org/officeDocument/2006/customXml" ds:itemID="{D0CFCAA7-240C-4069-87DA-A2934EA27E62}">
+  <ds:schemaRefs/>
+</ds:datastoreItem>
+</file>
+
+<file path=customXml/itemProps35.xml><?xml version="1.0" encoding="utf-8"?>
+<ds:datastoreItem xmlns:ds="http://schemas.openxmlformats.org/officeDocument/2006/customXml" ds:itemID="{4FD50A1F-A01D-4CAB-BD2D-4A0F9C92C108}">
+  <ds:schemaRefs/>
+</ds:datastoreItem>
+</file>
+
+<file path=customXml/itemProps36.xml><?xml version="1.0" encoding="utf-8"?>
+<ds:datastoreItem xmlns:ds="http://schemas.openxmlformats.org/officeDocument/2006/customXml" ds:itemID="{B3DFB7CD-DA3B-4073-B2DD-189883ADF5A0}">
+  <ds:schemaRefs/>
+</ds:datastoreItem>
+</file>
+
+<file path=customXml/itemProps37.xml><?xml version="1.0" encoding="utf-8"?>
+<ds:datastoreItem xmlns:ds="http://schemas.openxmlformats.org/officeDocument/2006/customXml" ds:itemID="{5CD5E058-0E22-4922-B4F6-BC6ACB1E816E}">
+  <ds:schemaRefs/>
+</ds:datastoreItem>
+</file>
+
+<file path=customXml/itemProps38.xml><?xml version="1.0" encoding="utf-8"?>
+<ds:datastoreItem xmlns:ds="http://schemas.openxmlformats.org/officeDocument/2006/customXml" ds:itemID="{2FFD88BC-EC13-4A41-B7B3-EC4C3AAA3285}">
+  <ds:schemaRefs/>
+</ds:datastoreItem>
+</file>
+
+<file path=customXml/itemProps39.xml><?xml version="1.0" encoding="utf-8"?>
+<ds:datastoreItem xmlns:ds="http://schemas.openxmlformats.org/officeDocument/2006/customXml" ds:itemID="{DE95B090-D0AE-4782-AF4E-995F1F462767}">
+  <ds:schemaRefs/>
+</ds:datastoreItem>
+</file>
+
+<file path=customXml/itemProps4.xml><?xml version="1.0" encoding="utf-8"?>
 <ds:datastoreItem xmlns:ds="http://schemas.openxmlformats.org/officeDocument/2006/customXml" ds:itemID="{E7D0FA61-C9FA-4659-8620-26B09A17B488}">
   <ds:schemaRefs/>
 </ds:datastoreItem>
 </file>
 
-<file path=customXml/itemProps33.xml><?xml version="1.0" encoding="utf-8"?>
-<ds:datastoreItem xmlns:ds="http://schemas.openxmlformats.org/officeDocument/2006/customXml" ds:itemID="{4C02D7D0-0286-4A0E-B7D9-FF36F22F35E3}">
+<file path=customXml/itemProps40.xml><?xml version="1.0" encoding="utf-8"?>
+<ds:datastoreItem xmlns:ds="http://schemas.openxmlformats.org/officeDocument/2006/customXml" ds:itemID="{D1BA7CE2-0955-4D9B-BC9D-57F6FFE9806D}">
   <ds:schemaRefs/>
 </ds:datastoreItem>
 </file>
 
-<file path=customXml/itemProps34.xml><?xml version="1.0" encoding="utf-8"?>
-<ds:datastoreItem xmlns:ds="http://schemas.openxmlformats.org/officeDocument/2006/customXml" ds:itemID="{DE95B090-D0AE-4782-AF4E-995F1F462767}">
+<file path=customXml/itemProps41.xml><?xml version="1.0" encoding="utf-8"?>
+<ds:datastoreItem xmlns:ds="http://schemas.openxmlformats.org/officeDocument/2006/customXml" ds:itemID="{272AB151-018E-412A-A39A-5EFAD8C5EA17}">
   <ds:schemaRefs/>
 </ds:datastoreItem>
 </file>
 
-<file path=customXml/itemProps35.xml><?xml version="1.0" encoding="utf-8"?>
+<file path=customXml/itemProps42.xml><?xml version="1.0" encoding="utf-8"?>
+<ds:datastoreItem xmlns:ds="http://schemas.openxmlformats.org/officeDocument/2006/customXml" ds:itemID="{0AC67D3F-EE16-445B-8188-5DA375CC75F6}">
+  <ds:schemaRefs/>
+</ds:datastoreItem>
+</file>
+
+<file path=customXml/itemProps43.xml><?xml version="1.0" encoding="utf-8"?>
+<ds:datastoreItem xmlns:ds="http://schemas.openxmlformats.org/officeDocument/2006/customXml" ds:itemID="{3B91A596-23B8-43E3-8757-801E6E1539A3}">
+  <ds:schemaRefs/>
+</ds:datastoreItem>
+</file>
+
+<file path=customXml/itemProps44.xml><?xml version="1.0" encoding="utf-8"?>
+<ds:datastoreItem xmlns:ds="http://schemas.openxmlformats.org/officeDocument/2006/customXml" ds:itemID="{BC6981F0-9D36-4836-96E4-9D83A8A3B623}">
+  <ds:schemaRefs/>
+</ds:datastoreItem>
+</file>
+
+<file path=customXml/itemProps45.xml><?xml version="1.0" encoding="utf-8"?>
+<ds:datastoreItem xmlns:ds="http://schemas.openxmlformats.org/officeDocument/2006/customXml" ds:itemID="{0EE43819-E78E-471C-906E-53BCFBDA2451}">
+  <ds:schemaRefs/>
+</ds:datastoreItem>
+</file>
+
+<file path=customXml/itemProps46.xml><?xml version="1.0" encoding="utf-8"?>
+<ds:datastoreItem xmlns:ds="http://schemas.openxmlformats.org/officeDocument/2006/customXml" ds:itemID="{8B5E2498-CD88-4D78-A3CD-566DB3969BD5}">
+  <ds:schemaRefs/>
+</ds:datastoreItem>
+</file>
+
+<file path=customXml/itemProps47.xml><?xml version="1.0" encoding="utf-8"?>
+<ds:datastoreItem xmlns:ds="http://schemas.openxmlformats.org/officeDocument/2006/customXml" ds:itemID="{CE4891E4-1261-45CA-BF53-BD180A76828E}">
+  <ds:schemaRefs/>
+</ds:datastoreItem>
+</file>
+
+<file path=customXml/itemProps48.xml><?xml version="1.0" encoding="utf-8"?>
+<ds:datastoreItem xmlns:ds="http://schemas.openxmlformats.org/officeDocument/2006/customXml" ds:itemID="{E3FA105F-2747-4ADA-8D77-679D185F74CB}">
+  <ds:schemaRefs/>
+</ds:datastoreItem>
+</file>
+
+<file path=customXml/itemProps49.xml><?xml version="1.0" encoding="utf-8"?>
+<ds:datastoreItem xmlns:ds="http://schemas.openxmlformats.org/officeDocument/2006/customXml" ds:itemID="{8A52EE6D-196A-49AF-9881-99BBBCE2D231}">
+  <ds:schemaRefs/>
+</ds:datastoreItem>
+</file>
+
+<file path=customXml/itemProps5.xml><?xml version="1.0" encoding="utf-8"?>
+<ds:datastoreItem xmlns:ds="http://schemas.openxmlformats.org/officeDocument/2006/customXml" ds:itemID="{E15104B5-7E90-4369-A767-1A4487C44DA8}">
+  <ds:schemaRefs/>
+</ds:datastoreItem>
+</file>
+
+<file path=customXml/itemProps50.xml><?xml version="1.0" encoding="utf-8"?>
+<ds:datastoreItem xmlns:ds="http://schemas.openxmlformats.org/officeDocument/2006/customXml" ds:itemID="{7C410564-527C-495D-9AF2-CE80AF10530D}">
+  <ds:schemaRefs/>
+</ds:datastoreItem>
+</file>
+
+<file path=customXml/itemProps51.xml><?xml version="1.0" encoding="utf-8"?>
 <ds:datastoreItem xmlns:ds="http://schemas.openxmlformats.org/officeDocument/2006/customXml" ds:itemID="{7227B507-D15B-4782-8E8F-2FA8E38D78A6}">
   <ds:schemaRefs/>
 </ds:datastoreItem>
 </file>
 
-<file path=customXml/itemProps36.xml><?xml version="1.0" encoding="utf-8"?>
-<ds:datastoreItem xmlns:ds="http://schemas.openxmlformats.org/officeDocument/2006/customXml" ds:itemID="{ED8F98CA-5F32-401A-A2EF-1D1B9D3B634E}">
+<file path=customXml/itemProps52.xml><?xml version="1.0" encoding="utf-8"?>
+<ds:datastoreItem xmlns:ds="http://schemas.openxmlformats.org/officeDocument/2006/customXml" ds:itemID="{520B5FD0-4917-432A-873C-AA47E1141782}">
   <ds:schemaRefs/>
 </ds:datastoreItem>
 </file>
 
-<file path=customXml/itemProps37.xml><?xml version="1.0" encoding="utf-8"?>
-<ds:datastoreItem xmlns:ds="http://schemas.openxmlformats.org/officeDocument/2006/customXml" ds:itemID="{E15104B5-7E90-4369-A767-1A4487C44DA8}">
+<file path=customXml/itemProps53.xml><?xml version="1.0" encoding="utf-8"?>
+<ds:datastoreItem xmlns:ds="http://schemas.openxmlformats.org/officeDocument/2006/customXml" ds:itemID="{2F670734-6CCD-4C7D-9296-40AC0A1DD8EF}">
   <ds:schemaRefs/>
 </ds:datastoreItem>
 </file>
 
-<file path=customXml/itemProps38.xml><?xml version="1.0" encoding="utf-8"?>
-<ds:datastoreItem xmlns:ds="http://schemas.openxmlformats.org/officeDocument/2006/customXml" ds:itemID="{066DBD01-7766-4ADE-86FC-51A662DEA336}">
+<file path=customXml/itemProps54.xml><?xml version="1.0" encoding="utf-8"?>
+<ds:datastoreItem xmlns:ds="http://schemas.openxmlformats.org/officeDocument/2006/customXml" ds:itemID="{E4CDE441-F810-44CB-B310-26A5636610DA}">
   <ds:schemaRefs/>
 </ds:datastoreItem>
 </file>
 
-<file path=customXml/itemProps39.xml><?xml version="1.0" encoding="utf-8"?>
-<ds:datastoreItem xmlns:ds="http://schemas.openxmlformats.org/officeDocument/2006/customXml" ds:itemID="{2FFD88BC-EC13-4A41-B7B3-EC4C3AAA3285}">
+<file path=customXml/itemProps6.xml><?xml version="1.0" encoding="utf-8"?>
+<ds:datastoreItem xmlns:ds="http://schemas.openxmlformats.org/officeDocument/2006/customXml" ds:itemID="{0C2905E8-836A-40D0-AEB8-CDCD9C52A6AB}">
   <ds:schemaRefs/>
 </ds:datastoreItem>
 </file>
 
-<file path=customXml/itemProps4.xml><?xml version="1.0" encoding="utf-8"?>
-<ds:datastoreItem xmlns:ds="http://schemas.openxmlformats.org/officeDocument/2006/customXml" ds:itemID="{D0CFCAA7-240C-4069-87DA-A2934EA27E62}">
+<file path=customXml/itemProps7.xml><?xml version="1.0" encoding="utf-8"?>
+<ds:datastoreItem xmlns:ds="http://schemas.openxmlformats.org/officeDocument/2006/customXml" ds:itemID="{7F991F72-56C5-424D-A5ED-17363B935D0E}">
   <ds:schemaRefs/>
 </ds:datastoreItem>
 </file>
 
-<file path=customXml/itemProps40.xml><?xml version="1.0" encoding="utf-8"?>
-<ds:datastoreItem xmlns:ds="http://schemas.openxmlformats.org/officeDocument/2006/customXml" ds:itemID="{8B5E2498-CD88-4D78-A3CD-566DB3969BD5}">
-  <ds:schemaRefs/>
-</ds:datastoreItem>
-</file>
-
-<file path=customXml/itemProps41.xml><?xml version="1.0" encoding="utf-8"?>
-<ds:datastoreItem xmlns:ds="http://schemas.openxmlformats.org/officeDocument/2006/customXml" ds:itemID="{CF05A021-EE27-4066-B0AF-31A9888FE759}">
-  <ds:schemaRefs/>
-</ds:datastoreItem>
-</file>
-
-<file path=customXml/itemProps42.xml><?xml version="1.0" encoding="utf-8"?>
-<ds:datastoreItem xmlns:ds="http://schemas.openxmlformats.org/officeDocument/2006/customXml" ds:itemID="{420D13E1-600A-4552-9E88-5C5946DC9924}">
-  <ds:schemaRefs/>
-</ds:datastoreItem>
-</file>
-
-<file path=customXml/itemProps43.xml><?xml version="1.0" encoding="utf-8"?>
-<ds:datastoreItem xmlns:ds="http://schemas.openxmlformats.org/officeDocument/2006/customXml" ds:itemID="{B2E9F93B-8871-48A0-915B-84B3144944C8}">
-  <ds:schemaRefs/>
-</ds:datastoreItem>
-</file>
-
-<file path=customXml/itemProps44.xml><?xml version="1.0" encoding="utf-8"?>
-<ds:datastoreItem xmlns:ds="http://schemas.openxmlformats.org/officeDocument/2006/customXml" ds:itemID="{CC748F7D-5CF5-4BB1-A091-1C0C4202BEF5}">
-  <ds:schemaRefs/>
-</ds:datastoreItem>
-</file>
-
-<file path=customXml/itemProps45.xml><?xml version="1.0" encoding="utf-8"?>
-<ds:datastoreItem xmlns:ds="http://schemas.openxmlformats.org/officeDocument/2006/customXml" ds:itemID="{CE4891E4-1261-45CA-BF53-BD180A76828E}">
-  <ds:schemaRefs/>
-</ds:datastoreItem>
-</file>
-
-<file path=customXml/itemProps46.xml><?xml version="1.0" encoding="utf-8"?>
-<ds:datastoreItem xmlns:ds="http://schemas.openxmlformats.org/officeDocument/2006/customXml" ds:itemID="{E253FAC7-9B56-454C-BCA8-E35543B02468}">
-  <ds:schemaRefs/>
-</ds:datastoreItem>
-</file>
-
-<file path=customXml/itemProps47.xml><?xml version="1.0" encoding="utf-8"?>
-<ds:datastoreItem xmlns:ds="http://schemas.openxmlformats.org/officeDocument/2006/customXml" ds:itemID="{098E2026-ED63-48B5-B852-045A5D8AA1C9}">
-  <ds:schemaRefs/>
-</ds:datastoreItem>
-</file>
-
-<file path=customXml/itemProps48.xml><?xml version="1.0" encoding="utf-8"?>
-<ds:datastoreItem xmlns:ds="http://schemas.openxmlformats.org/officeDocument/2006/customXml" ds:itemID="{CDA85C2A-F2E1-4574-8182-B338BA863E61}">
-  <ds:schemaRefs/>
-</ds:datastoreItem>
-</file>
-
-<file path=customXml/itemProps49.xml><?xml version="1.0" encoding="utf-8"?>
-<ds:datastoreItem xmlns:ds="http://schemas.openxmlformats.org/officeDocument/2006/customXml" ds:itemID="{F92125D9-880F-403F-8B75-B15B29C1B430}">
-  <ds:schemaRefs/>
-</ds:datastoreItem>
-</file>
-
-<file path=customXml/itemProps5.xml><?xml version="1.0" encoding="utf-8"?>
+<file path=customXml/itemProps8.xml><?xml version="1.0" encoding="utf-8"?>
 <ds:datastoreItem xmlns:ds="http://schemas.openxmlformats.org/officeDocument/2006/customXml" ds:itemID="{93BBF5D9-4FDF-4075-A982-5517F7C0D601}">
   <ds:schemaRefs/>
 </ds:datastoreItem>
 </file>
 
-<file path=customXml/itemProps50.xml><?xml version="1.0" encoding="utf-8"?>
-<ds:datastoreItem xmlns:ds="http://schemas.openxmlformats.org/officeDocument/2006/customXml" ds:itemID="{D1BA7CE2-0955-4D9B-BC9D-57F6FFE9806D}">
-  <ds:schemaRefs/>
-</ds:datastoreItem>
-</file>
-
-<file path=customXml/itemProps51.xml><?xml version="1.0" encoding="utf-8"?>
-<ds:datastoreItem xmlns:ds="http://schemas.openxmlformats.org/officeDocument/2006/customXml" ds:itemID="{7003435C-625E-4AD2-850F-DA0E1CA5A920}">
-  <ds:schemaRefs/>
-</ds:datastoreItem>
-</file>
-
-<file path=customXml/itemProps52.xml><?xml version="1.0" encoding="utf-8"?>
-<ds:datastoreItem xmlns:ds="http://schemas.openxmlformats.org/officeDocument/2006/customXml" ds:itemID="{309BB07D-D85B-402B-8536-84AE7449742C}">
-  <ds:schemaRefs/>
-</ds:datastoreItem>
-</file>
-
-<file path=customXml/itemProps53.xml><?xml version="1.0" encoding="utf-8"?>
-<ds:datastoreItem xmlns:ds="http://schemas.openxmlformats.org/officeDocument/2006/customXml" ds:itemID="{0C2905E8-836A-40D0-AEB8-CDCD9C52A6AB}">
-  <ds:schemaRefs/>
-</ds:datastoreItem>
-</file>
-
-<file path=customXml/itemProps54.xml><?xml version="1.0" encoding="utf-8"?>
-<ds:datastoreItem xmlns:ds="http://schemas.openxmlformats.org/officeDocument/2006/customXml" ds:itemID="{98308AEE-D3C7-4CAD-8EE0-29C21B2863D1}">
-  <ds:schemaRefs/>
-</ds:datastoreItem>
-</file>
-
-<file path=customXml/itemProps55.xml><?xml version="1.0" encoding="utf-8"?>
-<ds:datastoreItem xmlns:ds="http://schemas.openxmlformats.org/officeDocument/2006/customXml" ds:itemID="{272AB151-018E-412A-A39A-5EFAD8C5EA17}">
-  <ds:schemaRefs/>
-</ds:datastoreItem>
-</file>
-
-<file path=customXml/itemProps56.xml><?xml version="1.0" encoding="utf-8"?>
-<ds:datastoreItem xmlns:ds="http://schemas.openxmlformats.org/officeDocument/2006/customXml" ds:itemID="{520B5FD0-4917-432A-873C-AA47E1141782}">
-  <ds:schemaRefs/>
-</ds:datastoreItem>
-</file>
-
-<file path=customXml/itemProps57.xml><?xml version="1.0" encoding="utf-8"?>
-<ds:datastoreItem xmlns:ds="http://schemas.openxmlformats.org/officeDocument/2006/customXml" ds:itemID="{000624E1-6045-4895-B582-1552FCCF205D}">
-  <ds:schemaRefs/>
-</ds:datastoreItem>
-</file>
-
-<file path=customXml/itemProps58.xml><?xml version="1.0" encoding="utf-8"?>
-<ds:datastoreItem xmlns:ds="http://schemas.openxmlformats.org/officeDocument/2006/customXml" ds:itemID="{7F991F72-56C5-424D-A5ED-17363B935D0E}">
-  <ds:schemaRefs/>
-</ds:datastoreItem>
-</file>
-
-<file path=customXml/itemProps6.xml><?xml version="1.0" encoding="utf-8"?>
-<ds:datastoreItem xmlns:ds="http://schemas.openxmlformats.org/officeDocument/2006/customXml" ds:itemID="{98EF18BE-1F2F-4C4F-B16C-B44A85FF5E64}">
-  <ds:schemaRefs/>
-</ds:datastoreItem>
-</file>
-
-<file path=customXml/itemProps7.xml><?xml version="1.0" encoding="utf-8"?>
-<ds:datastoreItem xmlns:ds="http://schemas.openxmlformats.org/officeDocument/2006/customXml" ds:itemID="{0AC67D3F-EE16-445B-8188-5DA375CC75F6}">
-  <ds:schemaRefs/>
-</ds:datastoreItem>
-</file>
-
-<file path=customXml/itemProps8.xml><?xml version="1.0" encoding="utf-8"?>
-<ds:datastoreItem xmlns:ds="http://schemas.openxmlformats.org/officeDocument/2006/customXml" ds:itemID="{18E8AC7C-DBB6-4C75-874D-8D9167FDC8AC}">
-  <ds:schemaRefs/>
-</ds:datastoreItem>
-</file>
-
 <file path=customXml/itemProps9.xml><?xml version="1.0" encoding="utf-8"?>
-<ds:datastoreItem xmlns:ds="http://schemas.openxmlformats.org/officeDocument/2006/customXml" ds:itemID="{4FD50A1F-A01D-4CAB-BD2D-4A0F9C92C108}">
+<ds:datastoreItem xmlns:ds="http://schemas.openxmlformats.org/officeDocument/2006/customXml" ds:itemID="{97EC287E-AA16-4BA5-8D02-531B775D2B37}">
   <ds:schemaRefs/>
 </ds:datastoreItem>
 </file>